--- a/02.converse_PJ/2차 가이드문서.pptx
+++ b/02.converse_PJ/2차 가이드문서.pptx
@@ -9,13 +9,15 @@
     <p:sldId id="258" r:id="rId3"/>
     <p:sldId id="256" r:id="rId4"/>
     <p:sldId id="260" r:id="rId5"/>
-    <p:sldId id="264" r:id="rId6"/>
-    <p:sldId id="259" r:id="rId7"/>
-    <p:sldId id="263" r:id="rId8"/>
-    <p:sldId id="261" r:id="rId9"/>
-    <p:sldId id="262" r:id="rId10"/>
-    <p:sldId id="265" r:id="rId11"/>
-    <p:sldId id="257" r:id="rId12"/>
+    <p:sldId id="269" r:id="rId6"/>
+    <p:sldId id="267" r:id="rId7"/>
+    <p:sldId id="268" r:id="rId8"/>
+    <p:sldId id="259" r:id="rId9"/>
+    <p:sldId id="263" r:id="rId10"/>
+    <p:sldId id="261" r:id="rId11"/>
+    <p:sldId id="262" r:id="rId12"/>
+    <p:sldId id="265" r:id="rId13"/>
+    <p:sldId id="257" r:id="rId14"/>
   </p:sldIdLst>
   <p:sldSz cx="12192000" cy="6858000"/>
   <p:notesSz cx="6858000" cy="9144000"/>
@@ -3761,6 +3763,2029 @@
           <a:chExt cx="0" cy="0"/>
         </a:xfrm>
       </p:grpSpPr>
+      <p:grpSp>
+        <p:nvGrpSpPr>
+          <p:cNvPr id="4" name="그룹 3">
+            <a:extLst>
+              <a:ext uri="{FF2B5EF4-FFF2-40B4-BE49-F238E27FC236}">
+                <a16:creationId xmlns:a16="http://schemas.microsoft.com/office/drawing/2014/main" id="{2EDD20DE-2800-4677-822C-C7D713E2E80B}"/>
+              </a:ext>
+            </a:extLst>
+          </p:cNvPr>
+          <p:cNvGrpSpPr/>
+          <p:nvPr/>
+        </p:nvGrpSpPr>
+        <p:grpSpPr>
+          <a:xfrm>
+            <a:off x="11715750" y="184150"/>
+            <a:ext cx="253518" cy="190500"/>
+            <a:chOff x="11715750" y="184150"/>
+            <a:chExt cx="253518" cy="190500"/>
+          </a:xfrm>
+        </p:grpSpPr>
+        <p:sp>
+          <p:nvSpPr>
+            <p:cNvPr id="5" name="직사각형 4">
+              <a:extLst>
+                <a:ext uri="{FF2B5EF4-FFF2-40B4-BE49-F238E27FC236}">
+                  <a16:creationId xmlns:a16="http://schemas.microsoft.com/office/drawing/2014/main" id="{96F22FE3-E920-4C24-BF64-7719B5CF0CC4}"/>
+                </a:ext>
+              </a:extLst>
+            </p:cNvPr>
+            <p:cNvSpPr/>
+            <p:nvPr/>
+          </p:nvSpPr>
+          <p:spPr>
+            <a:xfrm>
+              <a:off x="11715750" y="184150"/>
+              <a:ext cx="190500" cy="190500"/>
+            </a:xfrm>
+            <a:prstGeom prst="rect">
+              <a:avLst/>
+            </a:prstGeom>
+            <a:solidFill>
+              <a:schemeClr val="tx1"/>
+            </a:solidFill>
+            <a:ln>
+              <a:solidFill>
+                <a:schemeClr val="tx1"/>
+              </a:solidFill>
+            </a:ln>
+          </p:spPr>
+          <p:style>
+            <a:lnRef idx="2">
+              <a:schemeClr val="accent1">
+                <a:shade val="50000"/>
+              </a:schemeClr>
+            </a:lnRef>
+            <a:fillRef idx="1">
+              <a:schemeClr val="accent1"/>
+            </a:fillRef>
+            <a:effectRef idx="0">
+              <a:schemeClr val="accent1"/>
+            </a:effectRef>
+            <a:fontRef idx="minor">
+              <a:schemeClr val="lt1"/>
+            </a:fontRef>
+          </p:style>
+          <p:txBody>
+            <a:bodyPr rtlCol="0" anchor="ctr"/>
+            <a:lstStyle/>
+            <a:p>
+              <a:pPr algn="ctr"/>
+              <a:endParaRPr lang="ko-KR" altLang="en-US"/>
+            </a:p>
+          </p:txBody>
+        </p:sp>
+        <p:cxnSp>
+          <p:nvCxnSpPr>
+            <p:cNvPr id="6" name="직선 연결선 5">
+              <a:extLst>
+                <a:ext uri="{FF2B5EF4-FFF2-40B4-BE49-F238E27FC236}">
+                  <a16:creationId xmlns:a16="http://schemas.microsoft.com/office/drawing/2014/main" id="{E2CD7011-8AA3-4F82-91C4-D4F5941CE6DE}"/>
+                </a:ext>
+              </a:extLst>
+            </p:cNvPr>
+            <p:cNvCxnSpPr>
+              <a:cxnSpLocks/>
+            </p:cNvCxnSpPr>
+            <p:nvPr/>
+          </p:nvCxnSpPr>
+          <p:spPr>
+            <a:xfrm flipV="1">
+              <a:off x="11969267" y="184150"/>
+              <a:ext cx="1" cy="184150"/>
+            </a:xfrm>
+            <a:prstGeom prst="line">
+              <a:avLst/>
+            </a:prstGeom>
+            <a:ln>
+              <a:solidFill>
+                <a:schemeClr val="tx1"/>
+              </a:solidFill>
+            </a:ln>
+          </p:spPr>
+          <p:style>
+            <a:lnRef idx="1">
+              <a:schemeClr val="accent1"/>
+            </a:lnRef>
+            <a:fillRef idx="0">
+              <a:schemeClr val="accent1"/>
+            </a:fillRef>
+            <a:effectRef idx="0">
+              <a:schemeClr val="accent1"/>
+            </a:effectRef>
+            <a:fontRef idx="minor">
+              <a:schemeClr val="tx1"/>
+            </a:fontRef>
+          </p:style>
+        </p:cxnSp>
+      </p:grpSp>
+      <p:pic>
+        <p:nvPicPr>
+          <p:cNvPr id="1028" name="Picture 4" descr="노트북, 테이블, 기술, 사무실, 책상, 작업 영역, 직장, 컴퓨터, 수첩, 키보드, 현대, 맥북">
+            <a:extLst>
+              <a:ext uri="{FF2B5EF4-FFF2-40B4-BE49-F238E27FC236}">
+                <a16:creationId xmlns:a16="http://schemas.microsoft.com/office/drawing/2014/main" id="{FE180AD0-C568-4046-8F28-DF453C672F0D}"/>
+              </a:ext>
+            </a:extLst>
+          </p:cNvPr>
+          <p:cNvPicPr>
+            <a:picLocks noChangeAspect="1" noChangeArrowheads="1"/>
+          </p:cNvPicPr>
+          <p:nvPr/>
+        </p:nvPicPr>
+        <p:blipFill rotWithShape="1">
+          <a:blip r:embed="rId2">
+            <a:extLst>
+              <a:ext uri="{28A0092B-C50C-407E-A947-70E740481C1C}">
+                <a14:useLocalDpi xmlns:a14="http://schemas.microsoft.com/office/drawing/2010/main" val="0"/>
+              </a:ext>
+            </a:extLst>
+          </a:blip>
+          <a:srcRect r="27921"/>
+          <a:stretch/>
+        </p:blipFill>
+        <p:spPr bwMode="auto">
+          <a:xfrm>
+            <a:off x="6096001" y="-66675"/>
+            <a:ext cx="6095999" cy="6991350"/>
+          </a:xfrm>
+          <a:prstGeom prst="rect">
+            <a:avLst/>
+          </a:prstGeom>
+          <a:noFill/>
+          <a:extLst>
+            <a:ext uri="{909E8E84-426E-40DD-AFC4-6F175D3DCCD1}">
+              <a14:hiddenFill xmlns:a14="http://schemas.microsoft.com/office/drawing/2010/main">
+                <a:solidFill>
+                  <a:srgbClr val="FFFFFF"/>
+                </a:solidFill>
+              </a14:hiddenFill>
+            </a:ext>
+          </a:extLst>
+        </p:spPr>
+      </p:pic>
+      <p:grpSp>
+        <p:nvGrpSpPr>
+          <p:cNvPr id="7" name="그룹 6">
+            <a:extLst>
+              <a:ext uri="{FF2B5EF4-FFF2-40B4-BE49-F238E27FC236}">
+                <a16:creationId xmlns:a16="http://schemas.microsoft.com/office/drawing/2014/main" id="{1DAF8802-C152-4600-929D-2DCF84E76CC8}"/>
+              </a:ext>
+            </a:extLst>
+          </p:cNvPr>
+          <p:cNvGrpSpPr/>
+          <p:nvPr/>
+        </p:nvGrpSpPr>
+        <p:grpSpPr>
+          <a:xfrm>
+            <a:off x="-1103845" y="-19050"/>
+            <a:ext cx="3072663" cy="1395190"/>
+            <a:chOff x="10359306" y="124840"/>
+            <a:chExt cx="3072663" cy="1395190"/>
+          </a:xfrm>
+        </p:grpSpPr>
+        <p:sp>
+          <p:nvSpPr>
+            <p:cNvPr id="8" name="TextBox 7">
+              <a:extLst>
+                <a:ext uri="{FF2B5EF4-FFF2-40B4-BE49-F238E27FC236}">
+                  <a16:creationId xmlns:a16="http://schemas.microsoft.com/office/drawing/2014/main" id="{287574C0-033D-4970-B4E0-D7F9026E8235}"/>
+                </a:ext>
+              </a:extLst>
+            </p:cNvPr>
+            <p:cNvSpPr txBox="1"/>
+            <p:nvPr/>
+          </p:nvSpPr>
+          <p:spPr>
+            <a:xfrm>
+              <a:off x="10359306" y="555727"/>
+              <a:ext cx="3072663" cy="964303"/>
+            </a:xfrm>
+            <a:prstGeom prst="rect">
+              <a:avLst/>
+            </a:prstGeom>
+            <a:noFill/>
+          </p:spPr>
+          <p:txBody>
+            <a:bodyPr wrap="square" rtlCol="0">
+              <a:spAutoFit/>
+            </a:bodyPr>
+            <a:lstStyle/>
+            <a:p>
+              <a:pPr algn="ctr">
+                <a:lnSpc>
+                  <a:spcPct val="150000"/>
+                </a:lnSpc>
+              </a:pPr>
+              <a:r>
+                <a:rPr lang="en-US" altLang="ko-KR" sz="2000" dirty="0">
+                  <a:latin typeface="에스코어 드림 9 Black" panose="020B0A03030302020204" pitchFamily="34" charset="-127"/>
+                  <a:ea typeface="에스코어 드림 9 Black" panose="020B0A03030302020204" pitchFamily="34" charset="-127"/>
+                </a:rPr>
+                <a:t> </a:t>
+              </a:r>
+              <a:r>
+                <a:rPr lang="en-US" altLang="ko-KR" sz="1600" spc="-150" dirty="0">
+                  <a:latin typeface="에스코어 드림 3 Light" panose="020B0303030302020204" pitchFamily="34" charset="-127"/>
+                  <a:ea typeface="에스코어 드림 3 Light" panose="020B0303030302020204" pitchFamily="34" charset="-127"/>
+                </a:rPr>
+                <a:t>TITLE</a:t>
+              </a:r>
+              <a:endParaRPr lang="en-US" altLang="ko-KR" sz="2000" spc="-150" dirty="0">
+                <a:latin typeface="에스코어 드림 3 Light" panose="020B0303030302020204" pitchFamily="34" charset="-127"/>
+                <a:ea typeface="에스코어 드림 3 Light" panose="020B0303030302020204" pitchFamily="34" charset="-127"/>
+              </a:endParaRPr>
+            </a:p>
+            <a:p>
+              <a:pPr algn="ctr">
+                <a:lnSpc>
+                  <a:spcPct val="150000"/>
+                </a:lnSpc>
+              </a:pPr>
+              <a:endParaRPr lang="en-US" altLang="ko-KR" sz="2000" dirty="0">
+                <a:latin typeface="에스코어 드림 9 Black" panose="020B0A03030302020204" pitchFamily="34" charset="-127"/>
+                <a:ea typeface="에스코어 드림 9 Black" panose="020B0A03030302020204" pitchFamily="34" charset="-127"/>
+              </a:endParaRPr>
+            </a:p>
+          </p:txBody>
+        </p:sp>
+        <p:sp>
+          <p:nvSpPr>
+            <p:cNvPr id="9" name="TextBox 8">
+              <a:extLst>
+                <a:ext uri="{FF2B5EF4-FFF2-40B4-BE49-F238E27FC236}">
+                  <a16:creationId xmlns:a16="http://schemas.microsoft.com/office/drawing/2014/main" id="{6BD316B4-E538-4069-A40B-6D8AE7489EDF}"/>
+                </a:ext>
+              </a:extLst>
+            </p:cNvPr>
+            <p:cNvSpPr txBox="1"/>
+            <p:nvPr/>
+          </p:nvSpPr>
+          <p:spPr>
+            <a:xfrm rot="5400000">
+              <a:off x="11782843" y="-118969"/>
+              <a:ext cx="861774" cy="1349392"/>
+            </a:xfrm>
+            <a:prstGeom prst="rect">
+              <a:avLst/>
+            </a:prstGeom>
+            <a:noFill/>
+          </p:spPr>
+          <p:txBody>
+            <a:bodyPr vert="vert270" wrap="square" rtlCol="0">
+              <a:spAutoFit/>
+            </a:bodyPr>
+            <a:lstStyle/>
+            <a:p>
+              <a:r>
+                <a:rPr lang="en-US" altLang="ko-KR" sz="4400" spc="-300" dirty="0">
+                  <a:latin typeface="에스코어 드림 9 Black" panose="020B0A03030302020204" pitchFamily="34" charset="-127"/>
+                  <a:ea typeface="에스코어 드림 9 Black" panose="020B0A03030302020204" pitchFamily="34" charset="-127"/>
+                </a:rPr>
+                <a:t>01</a:t>
+              </a:r>
+              <a:endParaRPr lang="ko-KR" altLang="en-US" sz="4400" spc="-300" dirty="0">
+                <a:latin typeface="에스코어 드림 9 Black" panose="020B0A03030302020204" pitchFamily="34" charset="-127"/>
+                <a:ea typeface="에스코어 드림 9 Black" panose="020B0A03030302020204" pitchFamily="34" charset="-127"/>
+              </a:endParaRPr>
+            </a:p>
+          </p:txBody>
+        </p:sp>
+      </p:grpSp>
+      <p:sp>
+        <p:nvSpPr>
+          <p:cNvPr id="2" name="직사각형 1">
+            <a:extLst>
+              <a:ext uri="{FF2B5EF4-FFF2-40B4-BE49-F238E27FC236}">
+                <a16:creationId xmlns:a16="http://schemas.microsoft.com/office/drawing/2014/main" id="{50EFF615-E05F-4CF1-8CCA-1145E49D4656}"/>
+              </a:ext>
+            </a:extLst>
+          </p:cNvPr>
+          <p:cNvSpPr/>
+          <p:nvPr/>
+        </p:nvSpPr>
+        <p:spPr>
+          <a:xfrm>
+            <a:off x="7010400" y="2102318"/>
+            <a:ext cx="2653364" cy="2653364"/>
+          </a:xfrm>
+          <a:prstGeom prst="rect">
+            <a:avLst/>
+          </a:prstGeom>
+          <a:solidFill>
+            <a:schemeClr val="bg1"/>
+          </a:solidFill>
+          <a:ln>
+            <a:noFill/>
+          </a:ln>
+        </p:spPr>
+        <p:style>
+          <a:lnRef idx="2">
+            <a:schemeClr val="accent1">
+              <a:shade val="50000"/>
+            </a:schemeClr>
+          </a:lnRef>
+          <a:fillRef idx="1">
+            <a:schemeClr val="accent1"/>
+          </a:fillRef>
+          <a:effectRef idx="0">
+            <a:schemeClr val="accent1"/>
+          </a:effectRef>
+          <a:fontRef idx="minor">
+            <a:schemeClr val="lt1"/>
+          </a:fontRef>
+        </p:style>
+        <p:txBody>
+          <a:bodyPr rtlCol="0" anchor="ctr"/>
+          <a:lstStyle/>
+          <a:p>
+            <a:pPr algn="ctr"/>
+            <a:endParaRPr lang="ko-KR" altLang="en-US"/>
+          </a:p>
+        </p:txBody>
+      </p:sp>
+      <p:sp>
+        <p:nvSpPr>
+          <p:cNvPr id="11" name="직사각형 10">
+            <a:extLst>
+              <a:ext uri="{FF2B5EF4-FFF2-40B4-BE49-F238E27FC236}">
+                <a16:creationId xmlns:a16="http://schemas.microsoft.com/office/drawing/2014/main" id="{878A8169-A4AF-481C-82D1-DDA55A469808}"/>
+              </a:ext>
+            </a:extLst>
+          </p:cNvPr>
+          <p:cNvSpPr/>
+          <p:nvPr/>
+        </p:nvSpPr>
+        <p:spPr>
+          <a:xfrm>
+            <a:off x="4265596" y="2102318"/>
+            <a:ext cx="2653364" cy="2653364"/>
+          </a:xfrm>
+          <a:prstGeom prst="rect">
+            <a:avLst/>
+          </a:prstGeom>
+          <a:solidFill>
+            <a:schemeClr val="bg1"/>
+          </a:solidFill>
+          <a:ln>
+            <a:noFill/>
+          </a:ln>
+        </p:spPr>
+        <p:style>
+          <a:lnRef idx="2">
+            <a:schemeClr val="accent1">
+              <a:shade val="50000"/>
+            </a:schemeClr>
+          </a:lnRef>
+          <a:fillRef idx="1">
+            <a:schemeClr val="accent1"/>
+          </a:fillRef>
+          <a:effectRef idx="0">
+            <a:schemeClr val="accent1"/>
+          </a:effectRef>
+          <a:fontRef idx="minor">
+            <a:schemeClr val="lt1"/>
+          </a:fontRef>
+        </p:style>
+        <p:txBody>
+          <a:bodyPr rtlCol="0" anchor="ctr"/>
+          <a:lstStyle/>
+          <a:p>
+            <a:pPr algn="ctr"/>
+            <a:endParaRPr lang="ko-KR" altLang="en-US"/>
+          </a:p>
+        </p:txBody>
+      </p:sp>
+      <p:sp>
+        <p:nvSpPr>
+          <p:cNvPr id="12" name="직사각형 11">
+            <a:extLst>
+              <a:ext uri="{FF2B5EF4-FFF2-40B4-BE49-F238E27FC236}">
+                <a16:creationId xmlns:a16="http://schemas.microsoft.com/office/drawing/2014/main" id="{690948D8-E193-496B-BCFC-C4C9D49A17DB}"/>
+              </a:ext>
+            </a:extLst>
+          </p:cNvPr>
+          <p:cNvSpPr/>
+          <p:nvPr/>
+        </p:nvSpPr>
+        <p:spPr>
+          <a:xfrm>
+            <a:off x="1520792" y="2102318"/>
+            <a:ext cx="2653364" cy="2653364"/>
+          </a:xfrm>
+          <a:prstGeom prst="rect">
+            <a:avLst/>
+          </a:prstGeom>
+          <a:solidFill>
+            <a:schemeClr val="bg2">
+              <a:lumMod val="25000"/>
+            </a:schemeClr>
+          </a:solidFill>
+          <a:ln>
+            <a:noFill/>
+          </a:ln>
+        </p:spPr>
+        <p:style>
+          <a:lnRef idx="2">
+            <a:schemeClr val="accent1">
+              <a:shade val="50000"/>
+            </a:schemeClr>
+          </a:lnRef>
+          <a:fillRef idx="1">
+            <a:schemeClr val="accent1"/>
+          </a:fillRef>
+          <a:effectRef idx="0">
+            <a:schemeClr val="accent1"/>
+          </a:effectRef>
+          <a:fontRef idx="minor">
+            <a:schemeClr val="lt1"/>
+          </a:fontRef>
+        </p:style>
+        <p:txBody>
+          <a:bodyPr rtlCol="0" anchor="ctr"/>
+          <a:lstStyle/>
+          <a:p>
+            <a:pPr algn="ctr"/>
+            <a:endParaRPr lang="ko-KR" altLang="en-US"/>
+          </a:p>
+        </p:txBody>
+      </p:sp>
+      <p:sp>
+        <p:nvSpPr>
+          <p:cNvPr id="14" name="TextBox 13">
+            <a:extLst>
+              <a:ext uri="{FF2B5EF4-FFF2-40B4-BE49-F238E27FC236}">
+                <a16:creationId xmlns:a16="http://schemas.microsoft.com/office/drawing/2014/main" id="{B16FED0D-3C94-4976-A9E1-C8B1ADC11495}"/>
+              </a:ext>
+            </a:extLst>
+          </p:cNvPr>
+          <p:cNvSpPr txBox="1"/>
+          <p:nvPr/>
+        </p:nvSpPr>
+        <p:spPr>
+          <a:xfrm>
+            <a:off x="2137034" y="3066986"/>
+            <a:ext cx="1455019" cy="646331"/>
+          </a:xfrm>
+          <a:prstGeom prst="rect">
+            <a:avLst/>
+          </a:prstGeom>
+          <a:noFill/>
+        </p:spPr>
+        <p:txBody>
+          <a:bodyPr wrap="square">
+            <a:spAutoFit/>
+          </a:bodyPr>
+          <a:lstStyle/>
+          <a:p>
+            <a:pPr algn="ctr"/>
+            <a:r>
+              <a:rPr lang="ko-KR" altLang="en-US" spc="-150" dirty="0">
+                <a:solidFill>
+                  <a:schemeClr val="bg1"/>
+                </a:solidFill>
+                <a:latin typeface="에스코어 드림 3 Light" panose="020B0303030302020204" pitchFamily="34" charset="-127"/>
+                <a:ea typeface="에스코어 드림 3 Light" panose="020B0303030302020204" pitchFamily="34" charset="-127"/>
+              </a:rPr>
+              <a:t>내용을</a:t>
+            </a:r>
+            <a:endParaRPr lang="en-US" altLang="ko-KR" spc="-150" dirty="0">
+              <a:solidFill>
+                <a:schemeClr val="bg1"/>
+              </a:solidFill>
+              <a:latin typeface="에스코어 드림 3 Light" panose="020B0303030302020204" pitchFamily="34" charset="-127"/>
+              <a:ea typeface="에스코어 드림 3 Light" panose="020B0303030302020204" pitchFamily="34" charset="-127"/>
+            </a:endParaRPr>
+          </a:p>
+          <a:p>
+            <a:r>
+              <a:rPr lang="ko-KR" altLang="en-US" spc="-150" dirty="0">
+                <a:solidFill>
+                  <a:schemeClr val="bg1"/>
+                </a:solidFill>
+                <a:latin typeface="에스코어 드림 3 Light" panose="020B0303030302020204" pitchFamily="34" charset="-127"/>
+                <a:ea typeface="에스코어 드림 3 Light" panose="020B0303030302020204" pitchFamily="34" charset="-127"/>
+              </a:rPr>
+              <a:t> 적어주세요</a:t>
+            </a:r>
+            <a:endParaRPr lang="ko-KR" altLang="en-US" dirty="0">
+              <a:solidFill>
+                <a:schemeClr val="bg1"/>
+              </a:solidFill>
+            </a:endParaRPr>
+          </a:p>
+        </p:txBody>
+      </p:sp>
+      <p:sp>
+        <p:nvSpPr>
+          <p:cNvPr id="17" name="TextBox 16">
+            <a:extLst>
+              <a:ext uri="{FF2B5EF4-FFF2-40B4-BE49-F238E27FC236}">
+                <a16:creationId xmlns:a16="http://schemas.microsoft.com/office/drawing/2014/main" id="{6AAAAAB3-C311-41CE-AAA8-3A1C04D74826}"/>
+              </a:ext>
+            </a:extLst>
+          </p:cNvPr>
+          <p:cNvSpPr txBox="1"/>
+          <p:nvPr/>
+        </p:nvSpPr>
+        <p:spPr>
+          <a:xfrm>
+            <a:off x="4659303" y="2928487"/>
+            <a:ext cx="2034589" cy="923330"/>
+          </a:xfrm>
+          <a:prstGeom prst="rect">
+            <a:avLst/>
+          </a:prstGeom>
+          <a:noFill/>
+        </p:spPr>
+        <p:txBody>
+          <a:bodyPr wrap="square">
+            <a:spAutoFit/>
+          </a:bodyPr>
+          <a:lstStyle/>
+          <a:p>
+            <a:r>
+              <a:rPr lang="ko-KR" altLang="en-US" spc="-150" dirty="0">
+                <a:solidFill>
+                  <a:prstClr val="black"/>
+                </a:solidFill>
+                <a:latin typeface="에스코어 드림 3 Light" panose="020B0303030302020204" pitchFamily="34" charset="-127"/>
+                <a:ea typeface="에스코어 드림 3 Light" panose="020B0303030302020204" pitchFamily="34" charset="-127"/>
+              </a:rPr>
+              <a:t>내용을 적어주세요</a:t>
+            </a:r>
+            <a:endParaRPr lang="en-US" altLang="ko-KR" spc="-150" dirty="0">
+              <a:solidFill>
+                <a:prstClr val="black"/>
+              </a:solidFill>
+              <a:latin typeface="에스코어 드림 3 Light" panose="020B0303030302020204" pitchFamily="34" charset="-127"/>
+              <a:ea typeface="에스코어 드림 3 Light" panose="020B0303030302020204" pitchFamily="34" charset="-127"/>
+            </a:endParaRPr>
+          </a:p>
+          <a:p>
+            <a:r>
+              <a:rPr lang="ko-KR" altLang="en-US" sz="1800" spc="-150" dirty="0">
+                <a:solidFill>
+                  <a:prstClr val="black"/>
+                </a:solidFill>
+                <a:latin typeface="에스코어 드림 3 Light" panose="020B0303030302020204" pitchFamily="34" charset="-127"/>
+                <a:ea typeface="에스코어 드림 3 Light" panose="020B0303030302020204" pitchFamily="34" charset="-127"/>
+              </a:rPr>
+              <a:t>내용을 적어주세요</a:t>
+            </a:r>
+            <a:endParaRPr lang="en-US" altLang="ko-KR" sz="1800" spc="-150" dirty="0">
+              <a:solidFill>
+                <a:prstClr val="black"/>
+              </a:solidFill>
+              <a:latin typeface="에스코어 드림 3 Light" panose="020B0303030302020204" pitchFamily="34" charset="-127"/>
+              <a:ea typeface="에스코어 드림 3 Light" panose="020B0303030302020204" pitchFamily="34" charset="-127"/>
+            </a:endParaRPr>
+          </a:p>
+          <a:p>
+            <a:r>
+              <a:rPr lang="ko-KR" altLang="en-US" spc="-150" dirty="0">
+                <a:solidFill>
+                  <a:prstClr val="black"/>
+                </a:solidFill>
+                <a:latin typeface="에스코어 드림 3 Light" panose="020B0303030302020204" pitchFamily="34" charset="-127"/>
+                <a:ea typeface="에스코어 드림 3 Light" panose="020B0303030302020204" pitchFamily="34" charset="-127"/>
+              </a:rPr>
+              <a:t>내용을 적어주세요</a:t>
+            </a:r>
+            <a:r>
+              <a:rPr lang="ko-KR" altLang="en-US" sz="1800" spc="-150" dirty="0">
+                <a:solidFill>
+                  <a:prstClr val="black"/>
+                </a:solidFill>
+                <a:latin typeface="에스코어 드림 3 Light" panose="020B0303030302020204" pitchFamily="34" charset="-127"/>
+                <a:ea typeface="에스코어 드림 3 Light" panose="020B0303030302020204" pitchFamily="34" charset="-127"/>
+              </a:rPr>
+              <a:t> </a:t>
+            </a:r>
+            <a:endParaRPr lang="ko-KR" altLang="en-US" dirty="0"/>
+          </a:p>
+        </p:txBody>
+      </p:sp>
+      <p:sp>
+        <p:nvSpPr>
+          <p:cNvPr id="18" name="TextBox 17">
+            <a:extLst>
+              <a:ext uri="{FF2B5EF4-FFF2-40B4-BE49-F238E27FC236}">
+                <a16:creationId xmlns:a16="http://schemas.microsoft.com/office/drawing/2014/main" id="{40360A7E-BBFB-4A4F-A54D-9E3AAF26BC10}"/>
+              </a:ext>
+            </a:extLst>
+          </p:cNvPr>
+          <p:cNvSpPr txBox="1"/>
+          <p:nvPr/>
+        </p:nvSpPr>
+        <p:spPr>
+          <a:xfrm>
+            <a:off x="7338363" y="2928486"/>
+            <a:ext cx="2034589" cy="923330"/>
+          </a:xfrm>
+          <a:prstGeom prst="rect">
+            <a:avLst/>
+          </a:prstGeom>
+          <a:noFill/>
+        </p:spPr>
+        <p:txBody>
+          <a:bodyPr wrap="square">
+            <a:spAutoFit/>
+          </a:bodyPr>
+          <a:lstStyle/>
+          <a:p>
+            <a:r>
+              <a:rPr lang="ko-KR" altLang="en-US" spc="-150" dirty="0">
+                <a:solidFill>
+                  <a:prstClr val="black"/>
+                </a:solidFill>
+                <a:latin typeface="에스코어 드림 3 Light" panose="020B0303030302020204" pitchFamily="34" charset="-127"/>
+                <a:ea typeface="에스코어 드림 3 Light" panose="020B0303030302020204" pitchFamily="34" charset="-127"/>
+              </a:rPr>
+              <a:t>내용을 적어주세요</a:t>
+            </a:r>
+            <a:endParaRPr lang="en-US" altLang="ko-KR" spc="-150" dirty="0">
+              <a:solidFill>
+                <a:prstClr val="black"/>
+              </a:solidFill>
+              <a:latin typeface="에스코어 드림 3 Light" panose="020B0303030302020204" pitchFamily="34" charset="-127"/>
+              <a:ea typeface="에스코어 드림 3 Light" panose="020B0303030302020204" pitchFamily="34" charset="-127"/>
+            </a:endParaRPr>
+          </a:p>
+          <a:p>
+            <a:r>
+              <a:rPr lang="ko-KR" altLang="en-US" sz="1800" spc="-150" dirty="0">
+                <a:solidFill>
+                  <a:prstClr val="black"/>
+                </a:solidFill>
+                <a:latin typeface="에스코어 드림 3 Light" panose="020B0303030302020204" pitchFamily="34" charset="-127"/>
+                <a:ea typeface="에스코어 드림 3 Light" panose="020B0303030302020204" pitchFamily="34" charset="-127"/>
+              </a:rPr>
+              <a:t>내용을 적어주세요</a:t>
+            </a:r>
+            <a:endParaRPr lang="en-US" altLang="ko-KR" sz="1800" spc="-150" dirty="0">
+              <a:solidFill>
+                <a:prstClr val="black"/>
+              </a:solidFill>
+              <a:latin typeface="에스코어 드림 3 Light" panose="020B0303030302020204" pitchFamily="34" charset="-127"/>
+              <a:ea typeface="에스코어 드림 3 Light" panose="020B0303030302020204" pitchFamily="34" charset="-127"/>
+            </a:endParaRPr>
+          </a:p>
+          <a:p>
+            <a:r>
+              <a:rPr lang="ko-KR" altLang="en-US" spc="-150" dirty="0">
+                <a:solidFill>
+                  <a:prstClr val="black"/>
+                </a:solidFill>
+                <a:latin typeface="에스코어 드림 3 Light" panose="020B0303030302020204" pitchFamily="34" charset="-127"/>
+                <a:ea typeface="에스코어 드림 3 Light" panose="020B0303030302020204" pitchFamily="34" charset="-127"/>
+              </a:rPr>
+              <a:t>내용을 적어주세요</a:t>
+            </a:r>
+            <a:r>
+              <a:rPr lang="ko-KR" altLang="en-US" sz="1800" spc="-150" dirty="0">
+                <a:solidFill>
+                  <a:prstClr val="black"/>
+                </a:solidFill>
+                <a:latin typeface="에스코어 드림 3 Light" panose="020B0303030302020204" pitchFamily="34" charset="-127"/>
+                <a:ea typeface="에스코어 드림 3 Light" panose="020B0303030302020204" pitchFamily="34" charset="-127"/>
+              </a:rPr>
+              <a:t> </a:t>
+            </a:r>
+            <a:endParaRPr lang="ko-KR" altLang="en-US" dirty="0"/>
+          </a:p>
+        </p:txBody>
+      </p:sp>
+    </p:spTree>
+    <p:extLst>
+      <p:ext uri="{BB962C8B-B14F-4D97-AF65-F5344CB8AC3E}">
+        <p14:creationId xmlns:p14="http://schemas.microsoft.com/office/powerpoint/2010/main" val="3192969625"/>
+      </p:ext>
+    </p:extLst>
+  </p:cSld>
+  <p:clrMapOvr>
+    <a:masterClrMapping/>
+  </p:clrMapOvr>
+</p:sld>
+</file>
+
+<file path=ppt/slides/slide11.xml><?xml version="1.0" encoding="utf-8"?>
+<p:sld xmlns:a="http://schemas.openxmlformats.org/drawingml/2006/main" xmlns:r="http://schemas.openxmlformats.org/officeDocument/2006/relationships" xmlns:p="http://schemas.openxmlformats.org/presentationml/2006/main">
+  <p:cSld>
+    <p:bg>
+      <p:bgPr>
+        <a:solidFill>
+          <a:srgbClr val="EEEEEE"/>
+        </a:solidFill>
+        <a:effectLst/>
+      </p:bgPr>
+    </p:bg>
+    <p:spTree>
+      <p:nvGrpSpPr>
+        <p:cNvPr id="1" name=""/>
+        <p:cNvGrpSpPr/>
+        <p:nvPr/>
+      </p:nvGrpSpPr>
+      <p:grpSpPr>
+        <a:xfrm>
+          <a:off x="0" y="0"/>
+          <a:ext cx="0" cy="0"/>
+          <a:chOff x="0" y="0"/>
+          <a:chExt cx="0" cy="0"/>
+        </a:xfrm>
+      </p:grpSpPr>
+      <p:grpSp>
+        <p:nvGrpSpPr>
+          <p:cNvPr id="4" name="그룹 3">
+            <a:extLst>
+              <a:ext uri="{FF2B5EF4-FFF2-40B4-BE49-F238E27FC236}">
+                <a16:creationId xmlns:a16="http://schemas.microsoft.com/office/drawing/2014/main" id="{2EDD20DE-2800-4677-822C-C7D713E2E80B}"/>
+              </a:ext>
+            </a:extLst>
+          </p:cNvPr>
+          <p:cNvGrpSpPr/>
+          <p:nvPr/>
+        </p:nvGrpSpPr>
+        <p:grpSpPr>
+          <a:xfrm>
+            <a:off x="11715750" y="184150"/>
+            <a:ext cx="253518" cy="190500"/>
+            <a:chOff x="11715750" y="184150"/>
+            <a:chExt cx="253518" cy="190500"/>
+          </a:xfrm>
+        </p:grpSpPr>
+        <p:sp>
+          <p:nvSpPr>
+            <p:cNvPr id="5" name="직사각형 4">
+              <a:extLst>
+                <a:ext uri="{FF2B5EF4-FFF2-40B4-BE49-F238E27FC236}">
+                  <a16:creationId xmlns:a16="http://schemas.microsoft.com/office/drawing/2014/main" id="{96F22FE3-E920-4C24-BF64-7719B5CF0CC4}"/>
+                </a:ext>
+              </a:extLst>
+            </p:cNvPr>
+            <p:cNvSpPr/>
+            <p:nvPr/>
+          </p:nvSpPr>
+          <p:spPr>
+            <a:xfrm>
+              <a:off x="11715750" y="184150"/>
+              <a:ext cx="190500" cy="190500"/>
+            </a:xfrm>
+            <a:prstGeom prst="rect">
+              <a:avLst/>
+            </a:prstGeom>
+            <a:solidFill>
+              <a:schemeClr val="tx1"/>
+            </a:solidFill>
+            <a:ln>
+              <a:solidFill>
+                <a:schemeClr val="tx1"/>
+              </a:solidFill>
+            </a:ln>
+          </p:spPr>
+          <p:style>
+            <a:lnRef idx="2">
+              <a:schemeClr val="accent1">
+                <a:shade val="50000"/>
+              </a:schemeClr>
+            </a:lnRef>
+            <a:fillRef idx="1">
+              <a:schemeClr val="accent1"/>
+            </a:fillRef>
+            <a:effectRef idx="0">
+              <a:schemeClr val="accent1"/>
+            </a:effectRef>
+            <a:fontRef idx="minor">
+              <a:schemeClr val="lt1"/>
+            </a:fontRef>
+          </p:style>
+          <p:txBody>
+            <a:bodyPr rtlCol="0" anchor="ctr"/>
+            <a:lstStyle/>
+            <a:p>
+              <a:pPr algn="ctr"/>
+              <a:endParaRPr lang="ko-KR" altLang="en-US"/>
+            </a:p>
+          </p:txBody>
+        </p:sp>
+        <p:cxnSp>
+          <p:nvCxnSpPr>
+            <p:cNvPr id="6" name="직선 연결선 5">
+              <a:extLst>
+                <a:ext uri="{FF2B5EF4-FFF2-40B4-BE49-F238E27FC236}">
+                  <a16:creationId xmlns:a16="http://schemas.microsoft.com/office/drawing/2014/main" id="{E2CD7011-8AA3-4F82-91C4-D4F5941CE6DE}"/>
+                </a:ext>
+              </a:extLst>
+            </p:cNvPr>
+            <p:cNvCxnSpPr>
+              <a:cxnSpLocks/>
+            </p:cNvCxnSpPr>
+            <p:nvPr/>
+          </p:nvCxnSpPr>
+          <p:spPr>
+            <a:xfrm flipV="1">
+              <a:off x="11969267" y="184150"/>
+              <a:ext cx="1" cy="184150"/>
+            </a:xfrm>
+            <a:prstGeom prst="line">
+              <a:avLst/>
+            </a:prstGeom>
+            <a:ln>
+              <a:solidFill>
+                <a:schemeClr val="tx1"/>
+              </a:solidFill>
+            </a:ln>
+          </p:spPr>
+          <p:style>
+            <a:lnRef idx="1">
+              <a:schemeClr val="accent1"/>
+            </a:lnRef>
+            <a:fillRef idx="0">
+              <a:schemeClr val="accent1"/>
+            </a:fillRef>
+            <a:effectRef idx="0">
+              <a:schemeClr val="accent1"/>
+            </a:effectRef>
+            <a:fontRef idx="minor">
+              <a:schemeClr val="tx1"/>
+            </a:fontRef>
+          </p:style>
+        </p:cxnSp>
+      </p:grpSp>
+      <p:sp>
+        <p:nvSpPr>
+          <p:cNvPr id="7" name="TextBox 6">
+            <a:extLst>
+              <a:ext uri="{FF2B5EF4-FFF2-40B4-BE49-F238E27FC236}">
+                <a16:creationId xmlns:a16="http://schemas.microsoft.com/office/drawing/2014/main" id="{33179DB5-DF81-4464-80D8-5D7098E15F12}"/>
+              </a:ext>
+            </a:extLst>
+          </p:cNvPr>
+          <p:cNvSpPr txBox="1"/>
+          <p:nvPr/>
+        </p:nvSpPr>
+        <p:spPr>
+          <a:xfrm>
+            <a:off x="7330974" y="2127473"/>
+            <a:ext cx="2862893" cy="523220"/>
+          </a:xfrm>
+          <a:prstGeom prst="rect">
+            <a:avLst/>
+          </a:prstGeom>
+          <a:noFill/>
+        </p:spPr>
+        <p:txBody>
+          <a:bodyPr wrap="square">
+            <a:spAutoFit/>
+          </a:bodyPr>
+          <a:lstStyle/>
+          <a:p>
+            <a:r>
+              <a:rPr lang="ko-KR" altLang="en-US" sz="2800" spc="-150" dirty="0">
+                <a:latin typeface="에스코어 드림 9 Black" panose="020B0A03030302020204" pitchFamily="34" charset="-127"/>
+                <a:ea typeface="에스코어 드림 9 Black" panose="020B0A03030302020204" pitchFamily="34" charset="-127"/>
+              </a:rPr>
+              <a:t>제목을 적어주세요</a:t>
+            </a:r>
+          </a:p>
+        </p:txBody>
+      </p:sp>
+      <p:grpSp>
+        <p:nvGrpSpPr>
+          <p:cNvPr id="8" name="그룹 7">
+            <a:extLst>
+              <a:ext uri="{FF2B5EF4-FFF2-40B4-BE49-F238E27FC236}">
+                <a16:creationId xmlns:a16="http://schemas.microsoft.com/office/drawing/2014/main" id="{BAED3E11-AAF0-4204-A65A-9890CCE83648}"/>
+              </a:ext>
+            </a:extLst>
+          </p:cNvPr>
+          <p:cNvGrpSpPr/>
+          <p:nvPr/>
+        </p:nvGrpSpPr>
+        <p:grpSpPr>
+          <a:xfrm>
+            <a:off x="-1103845" y="-19050"/>
+            <a:ext cx="3072663" cy="1395190"/>
+            <a:chOff x="10359306" y="124840"/>
+            <a:chExt cx="3072663" cy="1395190"/>
+          </a:xfrm>
+        </p:grpSpPr>
+        <p:sp>
+          <p:nvSpPr>
+            <p:cNvPr id="9" name="TextBox 8">
+              <a:extLst>
+                <a:ext uri="{FF2B5EF4-FFF2-40B4-BE49-F238E27FC236}">
+                  <a16:creationId xmlns:a16="http://schemas.microsoft.com/office/drawing/2014/main" id="{7D64F363-A836-49AD-8B44-4B912ABAC8C0}"/>
+                </a:ext>
+              </a:extLst>
+            </p:cNvPr>
+            <p:cNvSpPr txBox="1"/>
+            <p:nvPr/>
+          </p:nvSpPr>
+          <p:spPr>
+            <a:xfrm>
+              <a:off x="10359306" y="555727"/>
+              <a:ext cx="3072663" cy="964303"/>
+            </a:xfrm>
+            <a:prstGeom prst="rect">
+              <a:avLst/>
+            </a:prstGeom>
+            <a:noFill/>
+          </p:spPr>
+          <p:txBody>
+            <a:bodyPr wrap="square" rtlCol="0">
+              <a:spAutoFit/>
+            </a:bodyPr>
+            <a:lstStyle/>
+            <a:p>
+              <a:pPr algn="ctr">
+                <a:lnSpc>
+                  <a:spcPct val="150000"/>
+                </a:lnSpc>
+              </a:pPr>
+              <a:r>
+                <a:rPr lang="en-US" altLang="ko-KR" sz="2000" dirty="0">
+                  <a:latin typeface="에스코어 드림 9 Black" panose="020B0A03030302020204" pitchFamily="34" charset="-127"/>
+                  <a:ea typeface="에스코어 드림 9 Black" panose="020B0A03030302020204" pitchFamily="34" charset="-127"/>
+                </a:rPr>
+                <a:t> </a:t>
+              </a:r>
+              <a:r>
+                <a:rPr lang="en-US" altLang="ko-KR" sz="1600" spc="-150" dirty="0">
+                  <a:latin typeface="에스코어 드림 3 Light" panose="020B0303030302020204" pitchFamily="34" charset="-127"/>
+                  <a:ea typeface="에스코어 드림 3 Light" panose="020B0303030302020204" pitchFamily="34" charset="-127"/>
+                </a:rPr>
+                <a:t>TITLE</a:t>
+              </a:r>
+              <a:endParaRPr lang="en-US" altLang="ko-KR" sz="2000" spc="-150" dirty="0">
+                <a:latin typeface="에스코어 드림 3 Light" panose="020B0303030302020204" pitchFamily="34" charset="-127"/>
+                <a:ea typeface="에스코어 드림 3 Light" panose="020B0303030302020204" pitchFamily="34" charset="-127"/>
+              </a:endParaRPr>
+            </a:p>
+            <a:p>
+              <a:pPr algn="ctr">
+                <a:lnSpc>
+                  <a:spcPct val="150000"/>
+                </a:lnSpc>
+              </a:pPr>
+              <a:endParaRPr lang="en-US" altLang="ko-KR" sz="2000" dirty="0">
+                <a:latin typeface="에스코어 드림 9 Black" panose="020B0A03030302020204" pitchFamily="34" charset="-127"/>
+                <a:ea typeface="에스코어 드림 9 Black" panose="020B0A03030302020204" pitchFamily="34" charset="-127"/>
+              </a:endParaRPr>
+            </a:p>
+          </p:txBody>
+        </p:sp>
+        <p:sp>
+          <p:nvSpPr>
+            <p:cNvPr id="10" name="TextBox 9">
+              <a:extLst>
+                <a:ext uri="{FF2B5EF4-FFF2-40B4-BE49-F238E27FC236}">
+                  <a16:creationId xmlns:a16="http://schemas.microsoft.com/office/drawing/2014/main" id="{F562899C-94EB-405B-B82C-78A746CAE7C0}"/>
+                </a:ext>
+              </a:extLst>
+            </p:cNvPr>
+            <p:cNvSpPr txBox="1"/>
+            <p:nvPr/>
+          </p:nvSpPr>
+          <p:spPr>
+            <a:xfrm rot="5400000">
+              <a:off x="11782843" y="-118969"/>
+              <a:ext cx="861774" cy="1349392"/>
+            </a:xfrm>
+            <a:prstGeom prst="rect">
+              <a:avLst/>
+            </a:prstGeom>
+            <a:noFill/>
+          </p:spPr>
+          <p:txBody>
+            <a:bodyPr vert="vert270" wrap="square" rtlCol="0">
+              <a:spAutoFit/>
+            </a:bodyPr>
+            <a:lstStyle/>
+            <a:p>
+              <a:r>
+                <a:rPr lang="en-US" altLang="ko-KR" sz="4400" spc="-300" dirty="0">
+                  <a:latin typeface="에스코어 드림 9 Black" panose="020B0A03030302020204" pitchFamily="34" charset="-127"/>
+                  <a:ea typeface="에스코어 드림 9 Black" panose="020B0A03030302020204" pitchFamily="34" charset="-127"/>
+                </a:rPr>
+                <a:t>01</a:t>
+              </a:r>
+              <a:endParaRPr lang="ko-KR" altLang="en-US" sz="4400" spc="-300" dirty="0">
+                <a:latin typeface="에스코어 드림 9 Black" panose="020B0A03030302020204" pitchFamily="34" charset="-127"/>
+                <a:ea typeface="에스코어 드림 9 Black" panose="020B0A03030302020204" pitchFamily="34" charset="-127"/>
+              </a:endParaRPr>
+            </a:p>
+          </p:txBody>
+        </p:sp>
+      </p:grpSp>
+      <p:grpSp>
+        <p:nvGrpSpPr>
+          <p:cNvPr id="36" name="그룹 35">
+            <a:extLst>
+              <a:ext uri="{FF2B5EF4-FFF2-40B4-BE49-F238E27FC236}">
+                <a16:creationId xmlns:a16="http://schemas.microsoft.com/office/drawing/2014/main" id="{1C8CAF29-4086-49A1-B869-4DF3EE1C3FBC}"/>
+              </a:ext>
+            </a:extLst>
+          </p:cNvPr>
+          <p:cNvGrpSpPr/>
+          <p:nvPr/>
+        </p:nvGrpSpPr>
+        <p:grpSpPr>
+          <a:xfrm>
+            <a:off x="1197426" y="1604253"/>
+            <a:ext cx="3921074" cy="3636750"/>
+            <a:chOff x="1055187" y="2306024"/>
+            <a:chExt cx="3921074" cy="3636750"/>
+          </a:xfrm>
+        </p:grpSpPr>
+        <p:grpSp>
+          <p:nvGrpSpPr>
+            <p:cNvPr id="20" name="그룹 19">
+              <a:extLst>
+                <a:ext uri="{FF2B5EF4-FFF2-40B4-BE49-F238E27FC236}">
+                  <a16:creationId xmlns:a16="http://schemas.microsoft.com/office/drawing/2014/main" id="{62D06092-7732-457C-A51C-A66C31C07DDE}"/>
+                </a:ext>
+              </a:extLst>
+            </p:cNvPr>
+            <p:cNvGrpSpPr/>
+            <p:nvPr/>
+          </p:nvGrpSpPr>
+          <p:grpSpPr>
+            <a:xfrm>
+              <a:off x="1087463" y="2839453"/>
+              <a:ext cx="3888798" cy="2772075"/>
+              <a:chOff x="1087463" y="2839453"/>
+              <a:chExt cx="3888798" cy="2772075"/>
+            </a:xfrm>
+          </p:grpSpPr>
+          <p:sp>
+            <p:nvSpPr>
+              <p:cNvPr id="11" name="직사각형 10">
+                <a:extLst>
+                  <a:ext uri="{FF2B5EF4-FFF2-40B4-BE49-F238E27FC236}">
+                    <a16:creationId xmlns:a16="http://schemas.microsoft.com/office/drawing/2014/main" id="{FE676A97-199A-48F1-AFB1-999599B05E18}"/>
+                  </a:ext>
+                </a:extLst>
+              </p:cNvPr>
+              <p:cNvSpPr/>
+              <p:nvPr/>
+            </p:nvSpPr>
+            <p:spPr>
+              <a:xfrm>
+                <a:off x="1087463" y="5515276"/>
+                <a:ext cx="510330" cy="96252"/>
+              </a:xfrm>
+              <a:prstGeom prst="rect">
+                <a:avLst/>
+              </a:prstGeom>
+              <a:solidFill>
+                <a:schemeClr val="bg1"/>
+              </a:solidFill>
+              <a:ln>
+                <a:noFill/>
+              </a:ln>
+            </p:spPr>
+            <p:style>
+              <a:lnRef idx="2">
+                <a:schemeClr val="accent1">
+                  <a:shade val="50000"/>
+                </a:schemeClr>
+              </a:lnRef>
+              <a:fillRef idx="1">
+                <a:schemeClr val="accent1"/>
+              </a:fillRef>
+              <a:effectRef idx="0">
+                <a:schemeClr val="accent1"/>
+              </a:effectRef>
+              <a:fontRef idx="minor">
+                <a:schemeClr val="lt1"/>
+              </a:fontRef>
+            </p:style>
+            <p:txBody>
+              <a:bodyPr rtlCol="0" anchor="ctr"/>
+              <a:lstStyle/>
+              <a:p>
+                <a:pPr algn="ctr"/>
+                <a:endParaRPr lang="ko-KR" altLang="en-US"/>
+              </a:p>
+            </p:txBody>
+          </p:sp>
+          <p:sp>
+            <p:nvSpPr>
+              <p:cNvPr id="16" name="직사각형 15">
+                <a:extLst>
+                  <a:ext uri="{FF2B5EF4-FFF2-40B4-BE49-F238E27FC236}">
+                    <a16:creationId xmlns:a16="http://schemas.microsoft.com/office/drawing/2014/main" id="{02E7F4B4-BB56-4267-B4BD-30FFAC442E50}"/>
+                  </a:ext>
+                </a:extLst>
+              </p:cNvPr>
+              <p:cNvSpPr/>
+              <p:nvPr/>
+            </p:nvSpPr>
+            <p:spPr>
+              <a:xfrm>
+                <a:off x="1817379" y="5409398"/>
+                <a:ext cx="510330" cy="202130"/>
+              </a:xfrm>
+              <a:prstGeom prst="rect">
+                <a:avLst/>
+              </a:prstGeom>
+              <a:solidFill>
+                <a:schemeClr val="bg1"/>
+              </a:solidFill>
+              <a:ln>
+                <a:noFill/>
+              </a:ln>
+            </p:spPr>
+            <p:style>
+              <a:lnRef idx="2">
+                <a:schemeClr val="accent1">
+                  <a:shade val="50000"/>
+                </a:schemeClr>
+              </a:lnRef>
+              <a:fillRef idx="1">
+                <a:schemeClr val="accent1"/>
+              </a:fillRef>
+              <a:effectRef idx="0">
+                <a:schemeClr val="accent1"/>
+              </a:effectRef>
+              <a:fontRef idx="minor">
+                <a:schemeClr val="lt1"/>
+              </a:fontRef>
+            </p:style>
+            <p:txBody>
+              <a:bodyPr rtlCol="0" anchor="ctr"/>
+              <a:lstStyle/>
+              <a:p>
+                <a:pPr algn="ctr"/>
+                <a:endParaRPr lang="ko-KR" altLang="en-US"/>
+              </a:p>
+            </p:txBody>
+          </p:sp>
+          <p:sp>
+            <p:nvSpPr>
+              <p:cNvPr id="17" name="직사각형 16">
+                <a:extLst>
+                  <a:ext uri="{FF2B5EF4-FFF2-40B4-BE49-F238E27FC236}">
+                    <a16:creationId xmlns:a16="http://schemas.microsoft.com/office/drawing/2014/main" id="{A8B4C1C3-2E1D-4296-9FD0-1D24736E112A}"/>
+                  </a:ext>
+                </a:extLst>
+              </p:cNvPr>
+              <p:cNvSpPr/>
+              <p:nvPr/>
+            </p:nvSpPr>
+            <p:spPr>
+              <a:xfrm>
+                <a:off x="2547295" y="5005137"/>
+                <a:ext cx="510330" cy="606391"/>
+              </a:xfrm>
+              <a:prstGeom prst="rect">
+                <a:avLst/>
+              </a:prstGeom>
+              <a:solidFill>
+                <a:schemeClr val="bg1"/>
+              </a:solidFill>
+              <a:ln>
+                <a:noFill/>
+              </a:ln>
+            </p:spPr>
+            <p:style>
+              <a:lnRef idx="2">
+                <a:schemeClr val="accent1">
+                  <a:shade val="50000"/>
+                </a:schemeClr>
+              </a:lnRef>
+              <a:fillRef idx="1">
+                <a:schemeClr val="accent1"/>
+              </a:fillRef>
+              <a:effectRef idx="0">
+                <a:schemeClr val="accent1"/>
+              </a:effectRef>
+              <a:fontRef idx="minor">
+                <a:schemeClr val="lt1"/>
+              </a:fontRef>
+            </p:style>
+            <p:txBody>
+              <a:bodyPr rtlCol="0" anchor="ctr"/>
+              <a:lstStyle/>
+              <a:p>
+                <a:pPr algn="ctr"/>
+                <a:endParaRPr lang="ko-KR" altLang="en-US"/>
+              </a:p>
+            </p:txBody>
+          </p:sp>
+          <p:sp>
+            <p:nvSpPr>
+              <p:cNvPr id="18" name="직사각형 17">
+                <a:extLst>
+                  <a:ext uri="{FF2B5EF4-FFF2-40B4-BE49-F238E27FC236}">
+                    <a16:creationId xmlns:a16="http://schemas.microsoft.com/office/drawing/2014/main" id="{DB5341D2-3F77-49EC-8B8E-7D0B634CF525}"/>
+                  </a:ext>
+                </a:extLst>
+              </p:cNvPr>
+              <p:cNvSpPr/>
+              <p:nvPr/>
+            </p:nvSpPr>
+            <p:spPr>
+              <a:xfrm>
+                <a:off x="3277211" y="4543124"/>
+                <a:ext cx="510330" cy="1068404"/>
+              </a:xfrm>
+              <a:prstGeom prst="rect">
+                <a:avLst/>
+              </a:prstGeom>
+              <a:solidFill>
+                <a:schemeClr val="bg1"/>
+              </a:solidFill>
+              <a:ln>
+                <a:noFill/>
+              </a:ln>
+            </p:spPr>
+            <p:style>
+              <a:lnRef idx="2">
+                <a:schemeClr val="accent1">
+                  <a:shade val="50000"/>
+                </a:schemeClr>
+              </a:lnRef>
+              <a:fillRef idx="1">
+                <a:schemeClr val="accent1"/>
+              </a:fillRef>
+              <a:effectRef idx="0">
+                <a:schemeClr val="accent1"/>
+              </a:effectRef>
+              <a:fontRef idx="minor">
+                <a:schemeClr val="lt1"/>
+              </a:fontRef>
+            </p:style>
+            <p:txBody>
+              <a:bodyPr rtlCol="0" anchor="ctr"/>
+              <a:lstStyle/>
+              <a:p>
+                <a:pPr algn="ctr"/>
+                <a:endParaRPr lang="ko-KR" altLang="en-US"/>
+              </a:p>
+            </p:txBody>
+          </p:sp>
+          <p:sp>
+            <p:nvSpPr>
+              <p:cNvPr id="19" name="직사각형 18">
+                <a:extLst>
+                  <a:ext uri="{FF2B5EF4-FFF2-40B4-BE49-F238E27FC236}">
+                    <a16:creationId xmlns:a16="http://schemas.microsoft.com/office/drawing/2014/main" id="{20C81FAE-8C1F-4D44-B95E-A416E920FB03}"/>
+                  </a:ext>
+                </a:extLst>
+              </p:cNvPr>
+              <p:cNvSpPr/>
+              <p:nvPr/>
+            </p:nvSpPr>
+            <p:spPr>
+              <a:xfrm>
+                <a:off x="4007127" y="2839453"/>
+                <a:ext cx="969134" cy="2772075"/>
+              </a:xfrm>
+              <a:prstGeom prst="rect">
+                <a:avLst/>
+              </a:prstGeom>
+              <a:solidFill>
+                <a:schemeClr val="bg2">
+                  <a:lumMod val="25000"/>
+                </a:schemeClr>
+              </a:solidFill>
+              <a:ln>
+                <a:noFill/>
+              </a:ln>
+            </p:spPr>
+            <p:style>
+              <a:lnRef idx="2">
+                <a:schemeClr val="accent1">
+                  <a:shade val="50000"/>
+                </a:schemeClr>
+              </a:lnRef>
+              <a:fillRef idx="1">
+                <a:schemeClr val="accent1"/>
+              </a:fillRef>
+              <a:effectRef idx="0">
+                <a:schemeClr val="accent1"/>
+              </a:effectRef>
+              <a:fontRef idx="minor">
+                <a:schemeClr val="lt1"/>
+              </a:fontRef>
+            </p:style>
+            <p:txBody>
+              <a:bodyPr rtlCol="0" anchor="ctr"/>
+              <a:lstStyle/>
+              <a:p>
+                <a:pPr algn="ctr"/>
+                <a:endParaRPr lang="ko-KR" altLang="en-US"/>
+              </a:p>
+            </p:txBody>
+          </p:sp>
+        </p:grpSp>
+        <p:sp>
+          <p:nvSpPr>
+            <p:cNvPr id="22" name="TextBox 21">
+              <a:extLst>
+                <a:ext uri="{FF2B5EF4-FFF2-40B4-BE49-F238E27FC236}">
+                  <a16:creationId xmlns:a16="http://schemas.microsoft.com/office/drawing/2014/main" id="{D2624488-3F09-48D8-A2FF-F5F081792907}"/>
+                </a:ext>
+              </a:extLst>
+            </p:cNvPr>
+            <p:cNvSpPr txBox="1"/>
+            <p:nvPr/>
+          </p:nvSpPr>
+          <p:spPr>
+            <a:xfrm>
+              <a:off x="1055187" y="5174423"/>
+              <a:ext cx="510330" cy="307777"/>
+            </a:xfrm>
+            <a:prstGeom prst="rect">
+              <a:avLst/>
+            </a:prstGeom>
+            <a:noFill/>
+          </p:spPr>
+          <p:txBody>
+            <a:bodyPr wrap="square">
+              <a:spAutoFit/>
+            </a:bodyPr>
+            <a:lstStyle/>
+            <a:p>
+              <a:r>
+                <a:rPr lang="en-US" altLang="ko-KR" sz="1400" spc="-150" dirty="0">
+                  <a:latin typeface="에스코어 드림 3 Light" panose="020B0303030302020204" pitchFamily="34" charset="-127"/>
+                  <a:ea typeface="에스코어 드림 3 Light" panose="020B0303030302020204" pitchFamily="34" charset="-127"/>
+                </a:rPr>
+                <a:t>1</a:t>
+              </a:r>
+              <a:r>
+                <a:rPr lang="ko-KR" altLang="en-US" sz="1400" spc="-150" dirty="0">
+                  <a:latin typeface="에스코어 드림 3 Light" panose="020B0303030302020204" pitchFamily="34" charset="-127"/>
+                  <a:ea typeface="에스코어 드림 3 Light" panose="020B0303030302020204" pitchFamily="34" charset="-127"/>
+                </a:rPr>
+                <a:t>억</a:t>
+              </a:r>
+              <a:endParaRPr lang="ko-KR" altLang="en-US" sz="1400" dirty="0"/>
+            </a:p>
+          </p:txBody>
+        </p:sp>
+        <p:sp>
+          <p:nvSpPr>
+            <p:cNvPr id="23" name="TextBox 22">
+              <a:extLst>
+                <a:ext uri="{FF2B5EF4-FFF2-40B4-BE49-F238E27FC236}">
+                  <a16:creationId xmlns:a16="http://schemas.microsoft.com/office/drawing/2014/main" id="{383A8D07-75D4-4841-A4CB-270C470B12C8}"/>
+                </a:ext>
+              </a:extLst>
+            </p:cNvPr>
+            <p:cNvSpPr txBox="1"/>
+            <p:nvPr/>
+          </p:nvSpPr>
+          <p:spPr>
+            <a:xfrm>
+              <a:off x="1803407" y="5101621"/>
+              <a:ext cx="653298" cy="307777"/>
+            </a:xfrm>
+            <a:prstGeom prst="rect">
+              <a:avLst/>
+            </a:prstGeom>
+            <a:noFill/>
+          </p:spPr>
+          <p:txBody>
+            <a:bodyPr wrap="square">
+              <a:spAutoFit/>
+            </a:bodyPr>
+            <a:lstStyle/>
+            <a:p>
+              <a:r>
+                <a:rPr lang="en-US" altLang="ko-KR" sz="1400" spc="-150" dirty="0">
+                  <a:latin typeface="에스코어 드림 3 Light" panose="020B0303030302020204" pitchFamily="34" charset="-127"/>
+                  <a:ea typeface="에스코어 드림 3 Light" panose="020B0303030302020204" pitchFamily="34" charset="-127"/>
+                </a:rPr>
+                <a:t>10</a:t>
+              </a:r>
+              <a:r>
+                <a:rPr lang="ko-KR" altLang="en-US" sz="1400" spc="-150" dirty="0">
+                  <a:latin typeface="에스코어 드림 3 Light" panose="020B0303030302020204" pitchFamily="34" charset="-127"/>
+                  <a:ea typeface="에스코어 드림 3 Light" panose="020B0303030302020204" pitchFamily="34" charset="-127"/>
+                </a:rPr>
+                <a:t>억</a:t>
+              </a:r>
+              <a:endParaRPr lang="ko-KR" altLang="en-US" sz="1400" dirty="0"/>
+            </a:p>
+          </p:txBody>
+        </p:sp>
+        <p:sp>
+          <p:nvSpPr>
+            <p:cNvPr id="24" name="TextBox 23">
+              <a:extLst>
+                <a:ext uri="{FF2B5EF4-FFF2-40B4-BE49-F238E27FC236}">
+                  <a16:creationId xmlns:a16="http://schemas.microsoft.com/office/drawing/2014/main" id="{CEED730B-81AA-4A49-B475-3DBEA211002D}"/>
+                </a:ext>
+              </a:extLst>
+            </p:cNvPr>
+            <p:cNvSpPr txBox="1"/>
+            <p:nvPr/>
+          </p:nvSpPr>
+          <p:spPr>
+            <a:xfrm>
+              <a:off x="2547295" y="4697360"/>
+              <a:ext cx="653298" cy="307777"/>
+            </a:xfrm>
+            <a:prstGeom prst="rect">
+              <a:avLst/>
+            </a:prstGeom>
+            <a:noFill/>
+          </p:spPr>
+          <p:txBody>
+            <a:bodyPr wrap="square">
+              <a:spAutoFit/>
+            </a:bodyPr>
+            <a:lstStyle/>
+            <a:p>
+              <a:r>
+                <a:rPr lang="en-US" altLang="ko-KR" sz="1400" spc="-150" dirty="0">
+                  <a:latin typeface="에스코어 드림 3 Light" panose="020B0303030302020204" pitchFamily="34" charset="-127"/>
+                  <a:ea typeface="에스코어 드림 3 Light" panose="020B0303030302020204" pitchFamily="34" charset="-127"/>
+                </a:rPr>
+                <a:t>30</a:t>
+              </a:r>
+              <a:r>
+                <a:rPr lang="ko-KR" altLang="en-US" sz="1400" spc="-150" dirty="0">
+                  <a:latin typeface="에스코어 드림 3 Light" panose="020B0303030302020204" pitchFamily="34" charset="-127"/>
+                  <a:ea typeface="에스코어 드림 3 Light" panose="020B0303030302020204" pitchFamily="34" charset="-127"/>
+                </a:rPr>
+                <a:t>억</a:t>
+              </a:r>
+              <a:endParaRPr lang="ko-KR" altLang="en-US" sz="1400" dirty="0"/>
+            </a:p>
+          </p:txBody>
+        </p:sp>
+        <p:sp>
+          <p:nvSpPr>
+            <p:cNvPr id="25" name="TextBox 24">
+              <a:extLst>
+                <a:ext uri="{FF2B5EF4-FFF2-40B4-BE49-F238E27FC236}">
+                  <a16:creationId xmlns:a16="http://schemas.microsoft.com/office/drawing/2014/main" id="{BE2295A8-3F34-41C9-9995-E00360473081}"/>
+                </a:ext>
+              </a:extLst>
+            </p:cNvPr>
+            <p:cNvSpPr txBox="1"/>
+            <p:nvPr/>
+          </p:nvSpPr>
+          <p:spPr>
+            <a:xfrm>
+              <a:off x="3200593" y="4235347"/>
+              <a:ext cx="691511" cy="307777"/>
+            </a:xfrm>
+            <a:prstGeom prst="rect">
+              <a:avLst/>
+            </a:prstGeom>
+            <a:noFill/>
+          </p:spPr>
+          <p:txBody>
+            <a:bodyPr wrap="square">
+              <a:spAutoFit/>
+            </a:bodyPr>
+            <a:lstStyle/>
+            <a:p>
+              <a:r>
+                <a:rPr lang="en-US" altLang="ko-KR" sz="1400" spc="-150" dirty="0">
+                  <a:latin typeface="에스코어 드림 3 Light" panose="020B0303030302020204" pitchFamily="34" charset="-127"/>
+                  <a:ea typeface="에스코어 드림 3 Light" panose="020B0303030302020204" pitchFamily="34" charset="-127"/>
+                </a:rPr>
+                <a:t>100</a:t>
+              </a:r>
+              <a:r>
+                <a:rPr lang="ko-KR" altLang="en-US" sz="1400" spc="-150" dirty="0">
+                  <a:latin typeface="에스코어 드림 3 Light" panose="020B0303030302020204" pitchFamily="34" charset="-127"/>
+                  <a:ea typeface="에스코어 드림 3 Light" panose="020B0303030302020204" pitchFamily="34" charset="-127"/>
+                </a:rPr>
+                <a:t>억</a:t>
+              </a:r>
+              <a:endParaRPr lang="ko-KR" altLang="en-US" sz="1400" dirty="0"/>
+            </a:p>
+          </p:txBody>
+        </p:sp>
+        <p:sp>
+          <p:nvSpPr>
+            <p:cNvPr id="26" name="TextBox 25">
+              <a:extLst>
+                <a:ext uri="{FF2B5EF4-FFF2-40B4-BE49-F238E27FC236}">
+                  <a16:creationId xmlns:a16="http://schemas.microsoft.com/office/drawing/2014/main" id="{D9EC5FCA-6D4D-45AF-A048-63BF3F572A27}"/>
+                </a:ext>
+              </a:extLst>
+            </p:cNvPr>
+            <p:cNvSpPr txBox="1"/>
+            <p:nvPr/>
+          </p:nvSpPr>
+          <p:spPr>
+            <a:xfrm>
+              <a:off x="4180171" y="2306024"/>
+              <a:ext cx="796090" cy="523220"/>
+            </a:xfrm>
+            <a:prstGeom prst="rect">
+              <a:avLst/>
+            </a:prstGeom>
+            <a:noFill/>
+          </p:spPr>
+          <p:txBody>
+            <a:bodyPr wrap="square">
+              <a:spAutoFit/>
+            </a:bodyPr>
+            <a:lstStyle/>
+            <a:p>
+              <a:r>
+                <a:rPr lang="en-US" altLang="ko-KR" sz="2800" spc="-150">
+                  <a:latin typeface="에스코어 드림 3 Light" panose="020B0303030302020204" pitchFamily="34" charset="-127"/>
+                  <a:ea typeface="에스코어 드림 3 Light" panose="020B0303030302020204" pitchFamily="34" charset="-127"/>
+                </a:rPr>
+                <a:t>4</a:t>
+              </a:r>
+              <a:r>
+                <a:rPr lang="ko-KR" altLang="en-US" sz="2800" spc="-150" dirty="0">
+                  <a:latin typeface="에스코어 드림 3 Light" panose="020B0303030302020204" pitchFamily="34" charset="-127"/>
+                  <a:ea typeface="에스코어 드림 3 Light" panose="020B0303030302020204" pitchFamily="34" charset="-127"/>
+                </a:rPr>
+                <a:t>조</a:t>
+              </a:r>
+              <a:endParaRPr lang="ko-KR" altLang="en-US" sz="2800" dirty="0"/>
+            </a:p>
+          </p:txBody>
+        </p:sp>
+        <p:sp>
+          <p:nvSpPr>
+            <p:cNvPr id="27" name="TextBox 26">
+              <a:extLst>
+                <a:ext uri="{FF2B5EF4-FFF2-40B4-BE49-F238E27FC236}">
+                  <a16:creationId xmlns:a16="http://schemas.microsoft.com/office/drawing/2014/main" id="{38A2E025-FDC0-4F69-8E3C-C1133256C801}"/>
+                </a:ext>
+              </a:extLst>
+            </p:cNvPr>
+            <p:cNvSpPr txBox="1"/>
+            <p:nvPr/>
+          </p:nvSpPr>
+          <p:spPr>
+            <a:xfrm>
+              <a:off x="1058587" y="5665775"/>
+              <a:ext cx="510331" cy="276999"/>
+            </a:xfrm>
+            <a:prstGeom prst="rect">
+              <a:avLst/>
+            </a:prstGeom>
+            <a:noFill/>
+          </p:spPr>
+          <p:txBody>
+            <a:bodyPr wrap="square">
+              <a:spAutoFit/>
+            </a:bodyPr>
+            <a:lstStyle/>
+            <a:p>
+              <a:r>
+                <a:rPr lang="en-US" altLang="ko-KR" sz="1200" spc="-150" dirty="0">
+                  <a:latin typeface="에스코어 드림 3 Light" panose="020B0303030302020204" pitchFamily="34" charset="-127"/>
+                  <a:ea typeface="에스코어 드림 3 Light" panose="020B0303030302020204" pitchFamily="34" charset="-127"/>
+                </a:rPr>
+                <a:t>2013</a:t>
+              </a:r>
+              <a:endParaRPr lang="ko-KR" altLang="en-US" sz="1200" dirty="0"/>
+            </a:p>
+          </p:txBody>
+        </p:sp>
+        <p:sp>
+          <p:nvSpPr>
+            <p:cNvPr id="28" name="TextBox 27">
+              <a:extLst>
+                <a:ext uri="{FF2B5EF4-FFF2-40B4-BE49-F238E27FC236}">
+                  <a16:creationId xmlns:a16="http://schemas.microsoft.com/office/drawing/2014/main" id="{60E5EE62-F929-4612-9A5F-C854F8C61E7F}"/>
+                </a:ext>
+              </a:extLst>
+            </p:cNvPr>
+            <p:cNvSpPr txBox="1"/>
+            <p:nvPr/>
+          </p:nvSpPr>
+          <p:spPr>
+            <a:xfrm>
+              <a:off x="1817379" y="5665775"/>
+              <a:ext cx="510331" cy="276999"/>
+            </a:xfrm>
+            <a:prstGeom prst="rect">
+              <a:avLst/>
+            </a:prstGeom>
+            <a:noFill/>
+          </p:spPr>
+          <p:txBody>
+            <a:bodyPr wrap="square">
+              <a:spAutoFit/>
+            </a:bodyPr>
+            <a:lstStyle/>
+            <a:p>
+              <a:r>
+                <a:rPr lang="en-US" altLang="ko-KR" sz="1200" spc="-150" dirty="0">
+                  <a:latin typeface="에스코어 드림 3 Light" panose="020B0303030302020204" pitchFamily="34" charset="-127"/>
+                  <a:ea typeface="에스코어 드림 3 Light" panose="020B0303030302020204" pitchFamily="34" charset="-127"/>
+                </a:rPr>
+                <a:t>2014</a:t>
+              </a:r>
+              <a:endParaRPr lang="ko-KR" altLang="en-US" sz="1200" dirty="0"/>
+            </a:p>
+          </p:txBody>
+        </p:sp>
+        <p:sp>
+          <p:nvSpPr>
+            <p:cNvPr id="29" name="TextBox 28">
+              <a:extLst>
+                <a:ext uri="{FF2B5EF4-FFF2-40B4-BE49-F238E27FC236}">
+                  <a16:creationId xmlns:a16="http://schemas.microsoft.com/office/drawing/2014/main" id="{6EA10419-8F14-4B41-AB66-95B27CFD0EED}"/>
+                </a:ext>
+              </a:extLst>
+            </p:cNvPr>
+            <p:cNvSpPr txBox="1"/>
+            <p:nvPr/>
+          </p:nvSpPr>
+          <p:spPr>
+            <a:xfrm>
+              <a:off x="2576171" y="5665775"/>
+              <a:ext cx="510331" cy="276999"/>
+            </a:xfrm>
+            <a:prstGeom prst="rect">
+              <a:avLst/>
+            </a:prstGeom>
+            <a:noFill/>
+          </p:spPr>
+          <p:txBody>
+            <a:bodyPr wrap="square">
+              <a:spAutoFit/>
+            </a:bodyPr>
+            <a:lstStyle/>
+            <a:p>
+              <a:r>
+                <a:rPr lang="en-US" altLang="ko-KR" sz="1200" spc="-150" dirty="0">
+                  <a:latin typeface="에스코어 드림 3 Light" panose="020B0303030302020204" pitchFamily="34" charset="-127"/>
+                  <a:ea typeface="에스코어 드림 3 Light" panose="020B0303030302020204" pitchFamily="34" charset="-127"/>
+                </a:rPr>
+                <a:t>2015</a:t>
+              </a:r>
+              <a:endParaRPr lang="ko-KR" altLang="en-US" sz="1200" dirty="0"/>
+            </a:p>
+          </p:txBody>
+        </p:sp>
+        <p:sp>
+          <p:nvSpPr>
+            <p:cNvPr id="30" name="TextBox 29">
+              <a:extLst>
+                <a:ext uri="{FF2B5EF4-FFF2-40B4-BE49-F238E27FC236}">
+                  <a16:creationId xmlns:a16="http://schemas.microsoft.com/office/drawing/2014/main" id="{46B15189-349D-4D14-99C0-B328446FF9D5}"/>
+                </a:ext>
+              </a:extLst>
+            </p:cNvPr>
+            <p:cNvSpPr txBox="1"/>
+            <p:nvPr/>
+          </p:nvSpPr>
+          <p:spPr>
+            <a:xfrm>
+              <a:off x="3291182" y="5665775"/>
+              <a:ext cx="510331" cy="276999"/>
+            </a:xfrm>
+            <a:prstGeom prst="rect">
+              <a:avLst/>
+            </a:prstGeom>
+            <a:noFill/>
+          </p:spPr>
+          <p:txBody>
+            <a:bodyPr wrap="square">
+              <a:spAutoFit/>
+            </a:bodyPr>
+            <a:lstStyle/>
+            <a:p>
+              <a:r>
+                <a:rPr lang="en-US" altLang="ko-KR" sz="1200" spc="-150" dirty="0">
+                  <a:latin typeface="에스코어 드림 3 Light" panose="020B0303030302020204" pitchFamily="34" charset="-127"/>
+                  <a:ea typeface="에스코어 드림 3 Light" panose="020B0303030302020204" pitchFamily="34" charset="-127"/>
+                </a:rPr>
+                <a:t>2016</a:t>
+              </a:r>
+              <a:endParaRPr lang="ko-KR" altLang="en-US" sz="1200" dirty="0"/>
+            </a:p>
+          </p:txBody>
+        </p:sp>
+        <p:sp>
+          <p:nvSpPr>
+            <p:cNvPr id="31" name="TextBox 30">
+              <a:extLst>
+                <a:ext uri="{FF2B5EF4-FFF2-40B4-BE49-F238E27FC236}">
+                  <a16:creationId xmlns:a16="http://schemas.microsoft.com/office/drawing/2014/main" id="{4F5A907C-1AFB-43DC-A8E1-0BA6D8C56205}"/>
+                </a:ext>
+              </a:extLst>
+            </p:cNvPr>
+            <p:cNvSpPr txBox="1"/>
+            <p:nvPr/>
+          </p:nvSpPr>
+          <p:spPr>
+            <a:xfrm>
+              <a:off x="4209047" y="5665775"/>
+              <a:ext cx="510331" cy="276999"/>
+            </a:xfrm>
+            <a:prstGeom prst="rect">
+              <a:avLst/>
+            </a:prstGeom>
+            <a:noFill/>
+          </p:spPr>
+          <p:txBody>
+            <a:bodyPr wrap="square">
+              <a:spAutoFit/>
+            </a:bodyPr>
+            <a:lstStyle/>
+            <a:p>
+              <a:r>
+                <a:rPr lang="en-US" altLang="ko-KR" sz="1200" spc="-150" dirty="0">
+                  <a:latin typeface="에스코어 드림 3 Light" panose="020B0303030302020204" pitchFamily="34" charset="-127"/>
+                  <a:ea typeface="에스코어 드림 3 Light" panose="020B0303030302020204" pitchFamily="34" charset="-127"/>
+                </a:rPr>
+                <a:t>2020</a:t>
+              </a:r>
+              <a:endParaRPr lang="ko-KR" altLang="en-US" sz="1200" dirty="0"/>
+            </a:p>
+          </p:txBody>
+        </p:sp>
+      </p:grpSp>
+      <p:sp>
+        <p:nvSpPr>
+          <p:cNvPr id="34" name="TextBox 33">
+            <a:extLst>
+              <a:ext uri="{FF2B5EF4-FFF2-40B4-BE49-F238E27FC236}">
+                <a16:creationId xmlns:a16="http://schemas.microsoft.com/office/drawing/2014/main" id="{CE7EEEB5-DD6A-483B-9F41-7101ED04CC2C}"/>
+              </a:ext>
+            </a:extLst>
+          </p:cNvPr>
+          <p:cNvSpPr txBox="1"/>
+          <p:nvPr/>
+        </p:nvSpPr>
+        <p:spPr>
+          <a:xfrm>
+            <a:off x="6797773" y="2671737"/>
+            <a:ext cx="4164525" cy="2462213"/>
+          </a:xfrm>
+          <a:prstGeom prst="rect">
+            <a:avLst/>
+          </a:prstGeom>
+          <a:noFill/>
+        </p:spPr>
+        <p:txBody>
+          <a:bodyPr wrap="square">
+            <a:spAutoFit/>
+          </a:bodyPr>
+          <a:lstStyle/>
+          <a:p>
+            <a:pPr algn="ctr"/>
+            <a:r>
+              <a:rPr lang="ko-KR" altLang="en-US" sz="1400" spc="-150" dirty="0">
+                <a:solidFill>
+                  <a:prstClr val="black"/>
+                </a:solidFill>
+                <a:latin typeface="에스코어 드림 3 Light" panose="020B0303030302020204" pitchFamily="34" charset="-127"/>
+                <a:ea typeface="에스코어 드림 3 Light" panose="020B0303030302020204" pitchFamily="34" charset="-127"/>
+              </a:rPr>
+              <a:t>본문 내용을 적어주세요 본문 내용을 적어주세요</a:t>
+            </a:r>
+            <a:endParaRPr lang="en-US" altLang="ko-KR" sz="1400" spc="-150" dirty="0">
+              <a:solidFill>
+                <a:prstClr val="black"/>
+              </a:solidFill>
+              <a:latin typeface="에스코어 드림 3 Light" panose="020B0303030302020204" pitchFamily="34" charset="-127"/>
+              <a:ea typeface="에스코어 드림 3 Light" panose="020B0303030302020204" pitchFamily="34" charset="-127"/>
+            </a:endParaRPr>
+          </a:p>
+          <a:p>
+            <a:pPr algn="ctr"/>
+            <a:r>
+              <a:rPr lang="ko-KR" altLang="en-US" sz="1400" spc="-150" dirty="0">
+                <a:solidFill>
+                  <a:prstClr val="black"/>
+                </a:solidFill>
+                <a:latin typeface="에스코어 드림 3 Light" panose="020B0303030302020204" pitchFamily="34" charset="-127"/>
+                <a:ea typeface="에스코어 드림 3 Light" panose="020B0303030302020204" pitchFamily="34" charset="-127"/>
+              </a:rPr>
+              <a:t>본문 내용을 적어주세요 본문 내용을 적어주세요</a:t>
+            </a:r>
+            <a:endParaRPr lang="en-US" altLang="ko-KR" sz="1400" spc="-150" dirty="0">
+              <a:solidFill>
+                <a:prstClr val="black"/>
+              </a:solidFill>
+              <a:latin typeface="에스코어 드림 3 Light" panose="020B0303030302020204" pitchFamily="34" charset="-127"/>
+              <a:ea typeface="에스코어 드림 3 Light" panose="020B0303030302020204" pitchFamily="34" charset="-127"/>
+            </a:endParaRPr>
+          </a:p>
+          <a:p>
+            <a:pPr algn="ctr"/>
+            <a:r>
+              <a:rPr lang="ko-KR" altLang="en-US" sz="1400" spc="-150" dirty="0">
+                <a:solidFill>
+                  <a:prstClr val="black"/>
+                </a:solidFill>
+                <a:latin typeface="에스코어 드림 3 Light" panose="020B0303030302020204" pitchFamily="34" charset="-127"/>
+                <a:ea typeface="에스코어 드림 3 Light" panose="020B0303030302020204" pitchFamily="34" charset="-127"/>
+              </a:rPr>
+              <a:t>본문 내용을 적어주세요 본문 내용을 적어주세요</a:t>
+            </a:r>
+            <a:endParaRPr lang="en-US" altLang="ko-KR" sz="1400" spc="-150" dirty="0">
+              <a:solidFill>
+                <a:prstClr val="black"/>
+              </a:solidFill>
+              <a:latin typeface="에스코어 드림 3 Light" panose="020B0303030302020204" pitchFamily="34" charset="-127"/>
+              <a:ea typeface="에스코어 드림 3 Light" panose="020B0303030302020204" pitchFamily="34" charset="-127"/>
+            </a:endParaRPr>
+          </a:p>
+          <a:p>
+            <a:pPr algn="ctr"/>
+            <a:r>
+              <a:rPr lang="ko-KR" altLang="en-US" sz="1400" spc="-150" dirty="0">
+                <a:solidFill>
+                  <a:prstClr val="black"/>
+                </a:solidFill>
+                <a:latin typeface="에스코어 드림 3 Light" panose="020B0303030302020204" pitchFamily="34" charset="-127"/>
+                <a:ea typeface="에스코어 드림 3 Light" panose="020B0303030302020204" pitchFamily="34" charset="-127"/>
+              </a:rPr>
+              <a:t>본문 내용을 적어주세요 본문 내용을 적어주세요</a:t>
+            </a:r>
+            <a:endParaRPr lang="en-US" altLang="ko-KR" sz="1400" spc="-150" dirty="0">
+              <a:solidFill>
+                <a:prstClr val="black"/>
+              </a:solidFill>
+              <a:latin typeface="에스코어 드림 3 Light" panose="020B0303030302020204" pitchFamily="34" charset="-127"/>
+              <a:ea typeface="에스코어 드림 3 Light" panose="020B0303030302020204" pitchFamily="34" charset="-127"/>
+            </a:endParaRPr>
+          </a:p>
+          <a:p>
+            <a:pPr algn="ctr"/>
+            <a:r>
+              <a:rPr lang="ko-KR" altLang="en-US" sz="1400" spc="-150" dirty="0">
+                <a:solidFill>
+                  <a:prstClr val="black"/>
+                </a:solidFill>
+                <a:latin typeface="에스코어 드림 3 Light" panose="020B0303030302020204" pitchFamily="34" charset="-127"/>
+                <a:ea typeface="에스코어 드림 3 Light" panose="020B0303030302020204" pitchFamily="34" charset="-127"/>
+              </a:rPr>
+              <a:t>본문 내용을 적어주세요 본문 내용을 적어주세요</a:t>
+            </a:r>
+            <a:endParaRPr lang="en-US" altLang="ko-KR" sz="1400" spc="-150" dirty="0">
+              <a:solidFill>
+                <a:prstClr val="black"/>
+              </a:solidFill>
+              <a:latin typeface="에스코어 드림 3 Light" panose="020B0303030302020204" pitchFamily="34" charset="-127"/>
+              <a:ea typeface="에스코어 드림 3 Light" panose="020B0303030302020204" pitchFamily="34" charset="-127"/>
+            </a:endParaRPr>
+          </a:p>
+          <a:p>
+            <a:pPr algn="ctr"/>
+            <a:r>
+              <a:rPr lang="ko-KR" altLang="en-US" sz="1400" spc="-150" dirty="0">
+                <a:solidFill>
+                  <a:prstClr val="black"/>
+                </a:solidFill>
+                <a:latin typeface="에스코어 드림 3 Light" panose="020B0303030302020204" pitchFamily="34" charset="-127"/>
+                <a:ea typeface="에스코어 드림 3 Light" panose="020B0303030302020204" pitchFamily="34" charset="-127"/>
+              </a:rPr>
+              <a:t>본문 내용을 적어주세요 본문 내용을 적어주세요</a:t>
+            </a:r>
+            <a:endParaRPr lang="en-US" altLang="ko-KR" sz="1400" spc="-150" dirty="0">
+              <a:solidFill>
+                <a:prstClr val="black"/>
+              </a:solidFill>
+              <a:latin typeface="에스코어 드림 3 Light" panose="020B0303030302020204" pitchFamily="34" charset="-127"/>
+              <a:ea typeface="에스코어 드림 3 Light" panose="020B0303030302020204" pitchFamily="34" charset="-127"/>
+            </a:endParaRPr>
+          </a:p>
+          <a:p>
+            <a:pPr algn="ctr"/>
+            <a:r>
+              <a:rPr lang="ko-KR" altLang="en-US" sz="1400" spc="-150" dirty="0">
+                <a:solidFill>
+                  <a:prstClr val="black"/>
+                </a:solidFill>
+                <a:latin typeface="에스코어 드림 3 Light" panose="020B0303030302020204" pitchFamily="34" charset="-127"/>
+                <a:ea typeface="에스코어 드림 3 Light" panose="020B0303030302020204" pitchFamily="34" charset="-127"/>
+              </a:rPr>
+              <a:t>본문 내용을 적어주세요 본문 내용을 적어주세요</a:t>
+            </a:r>
+            <a:endParaRPr lang="en-US" altLang="ko-KR" sz="1400" spc="-150" dirty="0">
+              <a:solidFill>
+                <a:prstClr val="black"/>
+              </a:solidFill>
+              <a:latin typeface="에스코어 드림 3 Light" panose="020B0303030302020204" pitchFamily="34" charset="-127"/>
+              <a:ea typeface="에스코어 드림 3 Light" panose="020B0303030302020204" pitchFamily="34" charset="-127"/>
+            </a:endParaRPr>
+          </a:p>
+          <a:p>
+            <a:pPr algn="ctr"/>
+            <a:r>
+              <a:rPr lang="ko-KR" altLang="en-US" sz="1400" spc="-150" dirty="0">
+                <a:solidFill>
+                  <a:prstClr val="black"/>
+                </a:solidFill>
+                <a:latin typeface="에스코어 드림 3 Light" panose="020B0303030302020204" pitchFamily="34" charset="-127"/>
+                <a:ea typeface="에스코어 드림 3 Light" panose="020B0303030302020204" pitchFamily="34" charset="-127"/>
+              </a:rPr>
+              <a:t>본문 내용을 적어주세요 본문 내용을 적어주세요</a:t>
+            </a:r>
+            <a:endParaRPr lang="en-US" altLang="ko-KR" sz="1400" spc="-150" dirty="0">
+              <a:solidFill>
+                <a:prstClr val="black"/>
+              </a:solidFill>
+              <a:latin typeface="에스코어 드림 3 Light" panose="020B0303030302020204" pitchFamily="34" charset="-127"/>
+              <a:ea typeface="에스코어 드림 3 Light" panose="020B0303030302020204" pitchFamily="34" charset="-127"/>
+            </a:endParaRPr>
+          </a:p>
+          <a:p>
+            <a:pPr algn="ctr"/>
+            <a:r>
+              <a:rPr lang="ko-KR" altLang="en-US" sz="1400" spc="-150" dirty="0">
+                <a:solidFill>
+                  <a:prstClr val="black"/>
+                </a:solidFill>
+                <a:latin typeface="에스코어 드림 3 Light" panose="020B0303030302020204" pitchFamily="34" charset="-127"/>
+                <a:ea typeface="에스코어 드림 3 Light" panose="020B0303030302020204" pitchFamily="34" charset="-127"/>
+              </a:rPr>
+              <a:t>본문 내용을 적어주세요 본문 내용을 적어주세요</a:t>
+            </a:r>
+            <a:endParaRPr lang="en-US" altLang="ko-KR" sz="1400" spc="-150" dirty="0">
+              <a:solidFill>
+                <a:prstClr val="black"/>
+              </a:solidFill>
+              <a:latin typeface="에스코어 드림 3 Light" panose="020B0303030302020204" pitchFamily="34" charset="-127"/>
+              <a:ea typeface="에스코어 드림 3 Light" panose="020B0303030302020204" pitchFamily="34" charset="-127"/>
+            </a:endParaRPr>
+          </a:p>
+          <a:p>
+            <a:pPr algn="ctr"/>
+            <a:r>
+              <a:rPr lang="ko-KR" altLang="en-US" sz="1400" spc="-150" dirty="0">
+                <a:solidFill>
+                  <a:prstClr val="black"/>
+                </a:solidFill>
+                <a:latin typeface="에스코어 드림 3 Light" panose="020B0303030302020204" pitchFamily="34" charset="-127"/>
+                <a:ea typeface="에스코어 드림 3 Light" panose="020B0303030302020204" pitchFamily="34" charset="-127"/>
+              </a:rPr>
+              <a:t>본문 내용을 적어주세요 본문 내용을 적어주세요</a:t>
+            </a:r>
+            <a:endParaRPr lang="en-US" altLang="ko-KR" sz="1400" spc="-150" dirty="0">
+              <a:solidFill>
+                <a:prstClr val="black"/>
+              </a:solidFill>
+              <a:latin typeface="에스코어 드림 3 Light" panose="020B0303030302020204" pitchFamily="34" charset="-127"/>
+              <a:ea typeface="에스코어 드림 3 Light" panose="020B0303030302020204" pitchFamily="34" charset="-127"/>
+            </a:endParaRPr>
+          </a:p>
+          <a:p>
+            <a:pPr algn="ctr"/>
+            <a:endParaRPr lang="en-US" altLang="ko-KR" sz="1400" spc="-150" dirty="0">
+              <a:solidFill>
+                <a:prstClr val="black"/>
+              </a:solidFill>
+              <a:latin typeface="에스코어 드림 3 Light" panose="020B0303030302020204" pitchFamily="34" charset="-127"/>
+              <a:ea typeface="에스코어 드림 3 Light" panose="020B0303030302020204" pitchFamily="34" charset="-127"/>
+            </a:endParaRPr>
+          </a:p>
+        </p:txBody>
+      </p:sp>
+    </p:spTree>
+    <p:extLst>
+      <p:ext uri="{BB962C8B-B14F-4D97-AF65-F5344CB8AC3E}">
+        <p14:creationId xmlns:p14="http://schemas.microsoft.com/office/powerpoint/2010/main" val="542414950"/>
+      </p:ext>
+    </p:extLst>
+  </p:cSld>
+  <p:clrMapOvr>
+    <a:masterClrMapping/>
+  </p:clrMapOvr>
+</p:sld>
+</file>
+
+<file path=ppt/slides/slide12.xml><?xml version="1.0" encoding="utf-8"?>
+<p:sld xmlns:a="http://schemas.openxmlformats.org/drawingml/2006/main" xmlns:r="http://schemas.openxmlformats.org/officeDocument/2006/relationships" xmlns:p="http://schemas.openxmlformats.org/presentationml/2006/main">
+  <p:cSld>
+    <p:bg>
+      <p:bgPr>
+        <a:solidFill>
+          <a:srgbClr val="EEEEEE"/>
+        </a:solidFill>
+        <a:effectLst/>
+      </p:bgPr>
+    </p:bg>
+    <p:spTree>
+      <p:nvGrpSpPr>
+        <p:cNvPr id="1" name=""/>
+        <p:cNvGrpSpPr/>
+        <p:nvPr/>
+      </p:nvGrpSpPr>
+      <p:grpSpPr>
+        <a:xfrm>
+          <a:off x="0" y="0"/>
+          <a:ext cx="0" cy="0"/>
+          <a:chOff x="0" y="0"/>
+          <a:chExt cx="0" cy="0"/>
+        </a:xfrm>
+      </p:grpSpPr>
       <p:sp>
         <p:nvSpPr>
           <p:cNvPr id="3" name="부제목 2">
@@ -4027,7 +6052,7 @@
 </p:sld>
 </file>
 
-<file path=ppt/slides/slide11.xml><?xml version="1.0" encoding="utf-8"?>
+<file path=ppt/slides/slide13.xml><?xml version="1.0" encoding="utf-8"?>
 <p:sld xmlns:a="http://schemas.openxmlformats.org/drawingml/2006/main" xmlns:r="http://schemas.openxmlformats.org/officeDocument/2006/relationships" xmlns:p="http://schemas.openxmlformats.org/presentationml/2006/main">
   <p:cSld>
     <p:bg>
@@ -5196,9 +7221,9 @@
         <p:grpSpPr>
           <a:xfrm>
             <a:off x="3198800" y="1919441"/>
-            <a:ext cx="2233283" cy="2873352"/>
+            <a:ext cx="2468575" cy="2873352"/>
             <a:chOff x="3239054" y="1759981"/>
-            <a:chExt cx="2233283" cy="2873352"/>
+            <a:chExt cx="2468575" cy="2873352"/>
           </a:xfrm>
         </p:grpSpPr>
         <p:sp>
@@ -5216,7 +7241,7 @@
           <p:spPr>
             <a:xfrm>
               <a:off x="3239054" y="4079335"/>
-              <a:ext cx="2233283" cy="553998"/>
+              <a:ext cx="2468575" cy="553998"/>
             </a:xfrm>
             <a:prstGeom prst="rect">
               <a:avLst/>
@@ -5247,7 +7272,7 @@
                 <a:defRPr/>
               </a:pPr>
               <a:r>
-                <a:rPr kumimoji="0" lang="en-US" altLang="ko-KR" sz="2000" b="0" i="0" u="none" strike="noStrike" kern="1200" cap="none" spc="0" normalizeH="0" baseline="0" noProof="0" dirty="0">
+                <a:rPr kumimoji="0" lang="en-US" altLang="ko-KR" sz="2000" b="0" i="0" u="none" strike="noStrike" kern="1200" cap="none" spc="0" normalizeH="0" baseline="0" noProof="0" dirty="0" smtClean="0">
                   <a:ln>
                     <a:noFill/>
                   </a:ln>
@@ -5281,21 +7306,24 @@
                 <a:t>사이트 분석</a:t>
               </a:r>
               <a:r>
-                <a:rPr kumimoji="0" lang="en-US" altLang="ko-KR" sz="2000" b="0" i="0" u="none" strike="noStrike" kern="1200" cap="none" spc="0" normalizeH="0" baseline="0" noProof="0" dirty="0" smtClean="0">
-                  <a:ln>
-                    <a:noFill/>
-                  </a:ln>
+                <a:rPr lang="en-US" altLang="ko-KR" sz="2000" dirty="0">
                   <a:solidFill>
                     <a:prstClr val="black"/>
                   </a:solidFill>
-                  <a:effectLst/>
-                  <a:uLnTx/>
-                  <a:uFillTx/>
                   <a:latin typeface="에스코어 드림 9 Black" panose="020B0A03030302020204" pitchFamily="34" charset="-127"/>
                   <a:ea typeface="에스코어 드림 9 Black" panose="020B0A03030302020204" pitchFamily="34" charset="-127"/>
-                  <a:cs typeface="+mn-cs"/>
                 </a:rPr>
-                <a:t>,</a:t>
+                <a:t> </a:t>
+              </a:r>
+              <a:r>
+                <a:rPr lang="ko-KR" altLang="en-US" sz="2000" dirty="0" smtClean="0">
+                  <a:solidFill>
+                    <a:prstClr val="black"/>
+                  </a:solidFill>
+                  <a:latin typeface="에스코어 드림 9 Black" panose="020B0A03030302020204" pitchFamily="34" charset="-127"/>
+                  <a:ea typeface="에스코어 드림 9 Black" panose="020B0A03030302020204" pitchFamily="34" charset="-127"/>
+                </a:rPr>
+                <a:t>및 </a:t>
               </a:r>
               <a:r>
                 <a:rPr kumimoji="0" lang="ko-KR" altLang="en-US" sz="2000" b="0" i="0" u="none" strike="noStrike" kern="1200" cap="none" spc="0" normalizeH="0" baseline="0" noProof="0" dirty="0" smtClean="0">
@@ -5840,6 +7868,1634 @@
           <a:chExt cx="0" cy="0"/>
         </a:xfrm>
       </p:grpSpPr>
+      <p:grpSp>
+        <p:nvGrpSpPr>
+          <p:cNvPr id="4" name="그룹 3">
+            <a:extLst>
+              <a:ext uri="{FF2B5EF4-FFF2-40B4-BE49-F238E27FC236}">
+                <a16:creationId xmlns:a16="http://schemas.microsoft.com/office/drawing/2014/main" id="{2EDD20DE-2800-4677-822C-C7D713E2E80B}"/>
+              </a:ext>
+            </a:extLst>
+          </p:cNvPr>
+          <p:cNvGrpSpPr/>
+          <p:nvPr/>
+        </p:nvGrpSpPr>
+        <p:grpSpPr>
+          <a:xfrm>
+            <a:off x="11715750" y="184150"/>
+            <a:ext cx="253518" cy="190500"/>
+            <a:chOff x="11715750" y="184150"/>
+            <a:chExt cx="253518" cy="190500"/>
+          </a:xfrm>
+        </p:grpSpPr>
+        <p:sp>
+          <p:nvSpPr>
+            <p:cNvPr id="5" name="직사각형 4">
+              <a:extLst>
+                <a:ext uri="{FF2B5EF4-FFF2-40B4-BE49-F238E27FC236}">
+                  <a16:creationId xmlns:a16="http://schemas.microsoft.com/office/drawing/2014/main" id="{96F22FE3-E920-4C24-BF64-7719B5CF0CC4}"/>
+                </a:ext>
+              </a:extLst>
+            </p:cNvPr>
+            <p:cNvSpPr/>
+            <p:nvPr/>
+          </p:nvSpPr>
+          <p:spPr>
+            <a:xfrm>
+              <a:off x="11715750" y="184150"/>
+              <a:ext cx="190500" cy="190500"/>
+            </a:xfrm>
+            <a:prstGeom prst="rect">
+              <a:avLst/>
+            </a:prstGeom>
+            <a:solidFill>
+              <a:schemeClr val="tx1"/>
+            </a:solidFill>
+            <a:ln>
+              <a:solidFill>
+                <a:schemeClr val="tx1"/>
+              </a:solidFill>
+            </a:ln>
+          </p:spPr>
+          <p:style>
+            <a:lnRef idx="2">
+              <a:schemeClr val="accent1">
+                <a:shade val="50000"/>
+              </a:schemeClr>
+            </a:lnRef>
+            <a:fillRef idx="1">
+              <a:schemeClr val="accent1"/>
+            </a:fillRef>
+            <a:effectRef idx="0">
+              <a:schemeClr val="accent1"/>
+            </a:effectRef>
+            <a:fontRef idx="minor">
+              <a:schemeClr val="lt1"/>
+            </a:fontRef>
+          </p:style>
+          <p:txBody>
+            <a:bodyPr rtlCol="0" anchor="ctr"/>
+            <a:lstStyle/>
+            <a:p>
+              <a:pPr algn="ctr"/>
+              <a:endParaRPr lang="ko-KR" altLang="en-US"/>
+            </a:p>
+          </p:txBody>
+        </p:sp>
+        <p:cxnSp>
+          <p:nvCxnSpPr>
+            <p:cNvPr id="6" name="직선 연결선 5">
+              <a:extLst>
+                <a:ext uri="{FF2B5EF4-FFF2-40B4-BE49-F238E27FC236}">
+                  <a16:creationId xmlns:a16="http://schemas.microsoft.com/office/drawing/2014/main" id="{E2CD7011-8AA3-4F82-91C4-D4F5941CE6DE}"/>
+                </a:ext>
+              </a:extLst>
+            </p:cNvPr>
+            <p:cNvCxnSpPr>
+              <a:cxnSpLocks/>
+            </p:cNvCxnSpPr>
+            <p:nvPr/>
+          </p:nvCxnSpPr>
+          <p:spPr>
+            <a:xfrm flipV="1">
+              <a:off x="11969267" y="184150"/>
+              <a:ext cx="1" cy="184150"/>
+            </a:xfrm>
+            <a:prstGeom prst="line">
+              <a:avLst/>
+            </a:prstGeom>
+            <a:ln>
+              <a:solidFill>
+                <a:schemeClr val="tx1"/>
+              </a:solidFill>
+            </a:ln>
+          </p:spPr>
+          <p:style>
+            <a:lnRef idx="1">
+              <a:schemeClr val="accent1"/>
+            </a:lnRef>
+            <a:fillRef idx="0">
+              <a:schemeClr val="accent1"/>
+            </a:fillRef>
+            <a:effectRef idx="0">
+              <a:schemeClr val="accent1"/>
+            </a:effectRef>
+            <a:fontRef idx="minor">
+              <a:schemeClr val="tx1"/>
+            </a:fontRef>
+          </p:style>
+        </p:cxnSp>
+      </p:grpSp>
+      <p:grpSp>
+        <p:nvGrpSpPr>
+          <p:cNvPr id="20" name="그룹 19">
+            <a:extLst>
+              <a:ext uri="{FF2B5EF4-FFF2-40B4-BE49-F238E27FC236}">
+                <a16:creationId xmlns:a16="http://schemas.microsoft.com/office/drawing/2014/main" id="{AF1E844A-2AA1-4117-8CF0-0F6906766984}"/>
+              </a:ext>
+            </a:extLst>
+          </p:cNvPr>
+          <p:cNvGrpSpPr/>
+          <p:nvPr/>
+        </p:nvGrpSpPr>
+        <p:grpSpPr>
+          <a:xfrm>
+            <a:off x="-1037663" y="25198"/>
+            <a:ext cx="3072663" cy="1089765"/>
+            <a:chOff x="10359306" y="124840"/>
+            <a:chExt cx="3072663" cy="925492"/>
+          </a:xfrm>
+        </p:grpSpPr>
+        <p:sp>
+          <p:nvSpPr>
+            <p:cNvPr id="21" name="TextBox 20">
+              <a:extLst>
+                <a:ext uri="{FF2B5EF4-FFF2-40B4-BE49-F238E27FC236}">
+                  <a16:creationId xmlns:a16="http://schemas.microsoft.com/office/drawing/2014/main" id="{F09CEB39-5F28-4BC7-B219-4C704A0AFA90}"/>
+                </a:ext>
+              </a:extLst>
+            </p:cNvPr>
+            <p:cNvSpPr txBox="1"/>
+            <p:nvPr/>
+          </p:nvSpPr>
+          <p:spPr>
+            <a:xfrm>
+              <a:off x="10359306" y="623463"/>
+              <a:ext cx="3072663" cy="426869"/>
+            </a:xfrm>
+            <a:prstGeom prst="rect">
+              <a:avLst/>
+            </a:prstGeom>
+            <a:noFill/>
+          </p:spPr>
+          <p:txBody>
+            <a:bodyPr wrap="square" rtlCol="0">
+              <a:spAutoFit/>
+            </a:bodyPr>
+            <a:lstStyle/>
+            <a:p>
+              <a:pPr algn="ctr">
+                <a:lnSpc>
+                  <a:spcPct val="150000"/>
+                </a:lnSpc>
+              </a:pPr>
+              <a:r>
+                <a:rPr lang="en-US" altLang="ko-KR" sz="2000" dirty="0">
+                  <a:latin typeface="에스코어 드림 4 Regular" panose="020B0503030302020204" pitchFamily="34" charset="-127"/>
+                  <a:ea typeface="에스코어 드림 4 Regular" panose="020B0503030302020204" pitchFamily="34" charset="-127"/>
+                </a:rPr>
+                <a:t> </a:t>
+              </a:r>
+              <a:r>
+                <a:rPr lang="ko-KR" altLang="en-US" sz="1600" spc="-150" dirty="0" smtClean="0">
+                  <a:latin typeface="에스코어 드림 4 Regular" panose="020B0503030302020204" pitchFamily="34" charset="-127"/>
+                  <a:ea typeface="에스코어 드림 4 Regular" panose="020B0503030302020204" pitchFamily="34" charset="-127"/>
+                </a:rPr>
+                <a:t>기획의도</a:t>
+              </a:r>
+              <a:endParaRPr lang="en-US" altLang="ko-KR" sz="2000" spc="-150" dirty="0">
+                <a:latin typeface="에스코어 드림 4 Regular" panose="020B0503030302020204" pitchFamily="34" charset="-127"/>
+                <a:ea typeface="에스코어 드림 4 Regular" panose="020B0503030302020204" pitchFamily="34" charset="-127"/>
+              </a:endParaRPr>
+            </a:p>
+          </p:txBody>
+        </p:sp>
+        <p:sp>
+          <p:nvSpPr>
+            <p:cNvPr id="22" name="TextBox 21">
+              <a:extLst>
+                <a:ext uri="{FF2B5EF4-FFF2-40B4-BE49-F238E27FC236}">
+                  <a16:creationId xmlns:a16="http://schemas.microsoft.com/office/drawing/2014/main" id="{F43F7F5C-AD1C-4352-B315-05550CD57F87}"/>
+                </a:ext>
+              </a:extLst>
+            </p:cNvPr>
+            <p:cNvSpPr txBox="1"/>
+            <p:nvPr/>
+          </p:nvSpPr>
+          <p:spPr>
+            <a:xfrm rot="5400000">
+              <a:off x="11782843" y="-118969"/>
+              <a:ext cx="861774" cy="1349392"/>
+            </a:xfrm>
+            <a:prstGeom prst="rect">
+              <a:avLst/>
+            </a:prstGeom>
+            <a:noFill/>
+          </p:spPr>
+          <p:txBody>
+            <a:bodyPr vert="vert270" wrap="square" rtlCol="0">
+              <a:spAutoFit/>
+            </a:bodyPr>
+            <a:lstStyle/>
+            <a:p>
+              <a:r>
+                <a:rPr lang="en-US" altLang="ko-KR" sz="4400" spc="-300" dirty="0">
+                  <a:latin typeface="에스코어 드림 9 Black" panose="020B0A03030302020204" pitchFamily="34" charset="-127"/>
+                  <a:ea typeface="에스코어 드림 9 Black" panose="020B0A03030302020204" pitchFamily="34" charset="-127"/>
+                </a:rPr>
+                <a:t>01</a:t>
+              </a:r>
+              <a:endParaRPr lang="ko-KR" altLang="en-US" sz="4400" spc="-300" dirty="0">
+                <a:latin typeface="에스코어 드림 9 Black" panose="020B0A03030302020204" pitchFamily="34" charset="-127"/>
+                <a:ea typeface="에스코어 드림 9 Black" panose="020B0A03030302020204" pitchFamily="34" charset="-127"/>
+              </a:endParaRPr>
+            </a:p>
+          </p:txBody>
+        </p:sp>
+      </p:grpSp>
+      <p:sp>
+        <p:nvSpPr>
+          <p:cNvPr id="15" name="사각형: 둥근 모서리 1"/>
+          <p:cNvSpPr/>
+          <p:nvPr/>
+        </p:nvSpPr>
+        <p:spPr>
+          <a:xfrm>
+            <a:off x="1085214" y="1976120"/>
+            <a:ext cx="4525706" cy="3792855"/>
+          </a:xfrm>
+          <a:prstGeom prst="roundRect">
+            <a:avLst>
+              <a:gd name="adj" fmla="val 12329"/>
+            </a:avLst>
+          </a:prstGeom>
+          <a:solidFill>
+            <a:schemeClr val="tx2">
+              <a:lumMod val="75000"/>
+              <a:alpha val="93000"/>
+            </a:schemeClr>
+          </a:solidFill>
+          <a:ln>
+            <a:noFill/>
+          </a:ln>
+        </p:spPr>
+        <p:style>
+          <a:lnRef idx="2">
+            <a:schemeClr val="accent1">
+              <a:shade val="50000"/>
+            </a:schemeClr>
+          </a:lnRef>
+          <a:fillRef idx="1">
+            <a:schemeClr val="accent1"/>
+          </a:fillRef>
+          <a:effectRef idx="0">
+            <a:schemeClr val="accent1"/>
+          </a:effectRef>
+          <a:fontRef idx="minor">
+            <a:schemeClr val="lt1"/>
+          </a:fontRef>
+        </p:style>
+        <p:txBody>
+          <a:bodyPr anchor="ctr"/>
+          <a:lstStyle/>
+          <a:p>
+            <a:pPr algn="ctr">
+              <a:defRPr/>
+            </a:pPr>
+            <a:endParaRPr lang="ko-KR" altLang="en-US"/>
+          </a:p>
+        </p:txBody>
+      </p:sp>
+      <p:sp>
+        <p:nvSpPr>
+          <p:cNvPr id="16" name="TextBox 1"/>
+          <p:cNvSpPr txBox="1"/>
+          <p:nvPr/>
+        </p:nvSpPr>
+        <p:spPr>
+          <a:xfrm>
+            <a:off x="2035000" y="2340741"/>
+            <a:ext cx="3352801" cy="461665"/>
+          </a:xfrm>
+          <a:prstGeom prst="rect">
+            <a:avLst/>
+          </a:prstGeom>
+          <a:noFill/>
+        </p:spPr>
+        <p:txBody>
+          <a:bodyPr wrap="square">
+            <a:spAutoFit/>
+          </a:bodyPr>
+          <a:lstStyle/>
+          <a:p>
+            <a:pPr marL="0" lvl="0" indent="0" algn="l" defTabSz="914400" rtl="0" eaLnBrk="1" latinLnBrk="1" hangingPunct="1">
+              <a:lnSpc>
+                <a:spcPct val="100000"/>
+              </a:lnSpc>
+              <a:spcBef>
+                <a:spcPct val="0"/>
+              </a:spcBef>
+              <a:spcAft>
+                <a:spcPts val="0"/>
+              </a:spcAft>
+              <a:buNone/>
+              <a:defRPr/>
+            </a:pPr>
+            <a:r>
+              <a:rPr kumimoji="0" lang="ko-KR" altLang="en-US" sz="2400" b="0" i="0" u="none" strike="noStrike" kern="1200" cap="none" spc="0" normalizeH="0" baseline="0" dirty="0">
+                <a:solidFill>
+                  <a:srgbClr val="FFFFFF"/>
+                </a:solidFill>
+                <a:latin typeface="나눔스퀘어_ac Bold" panose="020B0600000101010101" pitchFamily="50" charset="-127"/>
+                <a:ea typeface="나눔스퀘어_ac Bold" panose="020B0600000101010101" pitchFamily="50" charset="-127"/>
+              </a:rPr>
+              <a:t>포트폴리오 제작 유형</a:t>
+            </a:r>
+          </a:p>
+        </p:txBody>
+      </p:sp>
+      <p:sp>
+        <p:nvSpPr>
+          <p:cNvPr id="17" name="타원 4"/>
+          <p:cNvSpPr/>
+          <p:nvPr/>
+        </p:nvSpPr>
+        <p:spPr>
+          <a:xfrm>
+            <a:off x="1433194" y="2355215"/>
+            <a:ext cx="396240" cy="396240"/>
+          </a:xfrm>
+          <a:prstGeom prst="ellipse">
+            <a:avLst/>
+          </a:prstGeom>
+          <a:solidFill>
+            <a:schemeClr val="bg1">
+              <a:lumMod val="95000"/>
+            </a:schemeClr>
+          </a:solidFill>
+          <a:ln>
+            <a:noFill/>
+          </a:ln>
+        </p:spPr>
+        <p:style>
+          <a:lnRef idx="2">
+            <a:schemeClr val="accent1">
+              <a:shade val="50000"/>
+            </a:schemeClr>
+          </a:lnRef>
+          <a:fillRef idx="1">
+            <a:schemeClr val="accent1"/>
+          </a:fillRef>
+          <a:effectRef idx="0">
+            <a:schemeClr val="accent1"/>
+          </a:effectRef>
+          <a:fontRef idx="minor">
+            <a:schemeClr val="lt1"/>
+          </a:fontRef>
+        </p:style>
+        <p:txBody>
+          <a:bodyPr anchor="ctr"/>
+          <a:lstStyle/>
+          <a:p>
+            <a:pPr algn="ctr">
+              <a:defRPr/>
+            </a:pPr>
+            <a:endParaRPr lang="ko-KR" altLang="en-US"/>
+          </a:p>
+        </p:txBody>
+      </p:sp>
+      <p:sp>
+        <p:nvSpPr>
+          <p:cNvPr id="18" name="TextBox 7"/>
+          <p:cNvSpPr txBox="1"/>
+          <p:nvPr/>
+        </p:nvSpPr>
+        <p:spPr>
+          <a:xfrm>
+            <a:off x="1387300" y="3070257"/>
+            <a:ext cx="3352799" cy="452088"/>
+          </a:xfrm>
+          <a:prstGeom prst="rect">
+            <a:avLst/>
+          </a:prstGeom>
+          <a:noFill/>
+        </p:spPr>
+        <p:txBody>
+          <a:bodyPr wrap="square">
+            <a:spAutoFit/>
+          </a:bodyPr>
+          <a:lstStyle/>
+          <a:p>
+            <a:pPr marL="0" lvl="0" indent="0" algn="l" defTabSz="914400" rtl="0" eaLnBrk="1" latinLnBrk="1" hangingPunct="1">
+              <a:lnSpc>
+                <a:spcPct val="100000"/>
+              </a:lnSpc>
+              <a:spcBef>
+                <a:spcPct val="0"/>
+              </a:spcBef>
+              <a:spcAft>
+                <a:spcPts val="0"/>
+              </a:spcAft>
+              <a:buNone/>
+              <a:defRPr/>
+            </a:pPr>
+            <a:r>
+              <a:rPr kumimoji="0" lang="ko-KR" altLang="en-US" sz="2400" b="0" i="0" u="none" strike="noStrike" kern="1200" cap="none" spc="0" normalizeH="0" baseline="0" dirty="0" err="1">
+                <a:solidFill>
+                  <a:srgbClr val="FFFFFF"/>
+                </a:solidFill>
+                <a:latin typeface="나눔스퀘어 Bold"/>
+                <a:ea typeface="나눔스퀘어 Bold"/>
+              </a:rPr>
+              <a:t>카피사이트</a:t>
+            </a:r>
+            <a:endParaRPr kumimoji="0" lang="ko-KR" altLang="en-US" sz="2400" b="0" i="0" u="none" strike="noStrike" kern="1200" cap="none" spc="0" normalizeH="0" baseline="0" dirty="0">
+              <a:solidFill>
+                <a:srgbClr val="FFFFFF"/>
+              </a:solidFill>
+              <a:latin typeface="나눔스퀘어 Bold"/>
+              <a:ea typeface="나눔스퀘어 Bold"/>
+            </a:endParaRPr>
+          </a:p>
+        </p:txBody>
+      </p:sp>
+      <p:sp>
+        <p:nvSpPr>
+          <p:cNvPr id="23" name="사각형: 둥근 모서리 1"/>
+          <p:cNvSpPr/>
+          <p:nvPr/>
+        </p:nvSpPr>
+        <p:spPr>
+          <a:xfrm>
+            <a:off x="6619239" y="1975469"/>
+            <a:ext cx="4525706" cy="3792855"/>
+          </a:xfrm>
+          <a:prstGeom prst="roundRect">
+            <a:avLst>
+              <a:gd name="adj" fmla="val 12329"/>
+            </a:avLst>
+          </a:prstGeom>
+          <a:solidFill>
+            <a:schemeClr val="tx2">
+              <a:lumMod val="75000"/>
+              <a:alpha val="93000"/>
+            </a:schemeClr>
+          </a:solidFill>
+          <a:ln>
+            <a:noFill/>
+          </a:ln>
+        </p:spPr>
+        <p:style>
+          <a:lnRef idx="2">
+            <a:schemeClr val="accent1">
+              <a:shade val="50000"/>
+            </a:schemeClr>
+          </a:lnRef>
+          <a:fillRef idx="1">
+            <a:schemeClr val="accent1"/>
+          </a:fillRef>
+          <a:effectRef idx="0">
+            <a:schemeClr val="accent1"/>
+          </a:effectRef>
+          <a:fontRef idx="minor">
+            <a:schemeClr val="lt1"/>
+          </a:fontRef>
+        </p:style>
+        <p:txBody>
+          <a:bodyPr anchor="ctr"/>
+          <a:lstStyle/>
+          <a:p>
+            <a:pPr algn="ctr">
+              <a:defRPr/>
+            </a:pPr>
+            <a:endParaRPr lang="ko-KR" altLang="en-US"/>
+          </a:p>
+        </p:txBody>
+      </p:sp>
+      <p:sp>
+        <p:nvSpPr>
+          <p:cNvPr id="24" name="TextBox 1"/>
+          <p:cNvSpPr txBox="1"/>
+          <p:nvPr/>
+        </p:nvSpPr>
+        <p:spPr>
+          <a:xfrm>
+            <a:off x="7569025" y="2330565"/>
+            <a:ext cx="3352801" cy="461665"/>
+          </a:xfrm>
+          <a:prstGeom prst="rect">
+            <a:avLst/>
+          </a:prstGeom>
+          <a:noFill/>
+        </p:spPr>
+        <p:txBody>
+          <a:bodyPr wrap="square">
+            <a:spAutoFit/>
+          </a:bodyPr>
+          <a:lstStyle/>
+          <a:p>
+            <a:pPr marL="0" lvl="0" indent="0" algn="l" defTabSz="914400" rtl="0" eaLnBrk="1" latinLnBrk="1" hangingPunct="1">
+              <a:lnSpc>
+                <a:spcPct val="100000"/>
+              </a:lnSpc>
+              <a:spcBef>
+                <a:spcPct val="0"/>
+              </a:spcBef>
+              <a:spcAft>
+                <a:spcPts val="0"/>
+              </a:spcAft>
+              <a:buNone/>
+              <a:defRPr/>
+            </a:pPr>
+            <a:r>
+              <a:rPr kumimoji="0" lang="ko-KR" altLang="en-US" sz="2400" b="0" i="0" u="none" strike="noStrike" kern="1200" cap="none" spc="0" normalizeH="0" baseline="0">
+                <a:solidFill>
+                  <a:srgbClr val="FFFFFF"/>
+                </a:solidFill>
+                <a:latin typeface="나눔스퀘어_ac Bold" panose="020B0600000101010101" pitchFamily="50" charset="-127"/>
+                <a:ea typeface="나눔스퀘어_ac Bold" panose="020B0600000101010101" pitchFamily="50" charset="-127"/>
+              </a:rPr>
+              <a:t>선정대상 </a:t>
+            </a:r>
+            <a:r>
+              <a:rPr kumimoji="0" lang="en-US" altLang="ko-KR" sz="2400" b="0" i="0" u="none" strike="noStrike" kern="1200" cap="none" spc="0" normalizeH="0" baseline="0">
+                <a:solidFill>
+                  <a:srgbClr val="FFFFFF"/>
+                </a:solidFill>
+                <a:latin typeface="나눔스퀘어_ac Bold" panose="020B0600000101010101" pitchFamily="50" charset="-127"/>
+                <a:ea typeface="나눔스퀘어_ac Bold" panose="020B0600000101010101" pitchFamily="50" charset="-127"/>
+              </a:rPr>
+              <a:t>&amp;</a:t>
+            </a:r>
+            <a:r>
+              <a:rPr kumimoji="0" lang="ko-KR" altLang="en-US" sz="2400" b="0" i="0" u="none" strike="noStrike" kern="1200" cap="none" spc="0" normalizeH="0" baseline="0">
+                <a:solidFill>
+                  <a:srgbClr val="FFFFFF"/>
+                </a:solidFill>
+                <a:latin typeface="나눔스퀘어_ac Bold" panose="020B0600000101010101" pitchFamily="50" charset="-127"/>
+                <a:ea typeface="나눔스퀘어_ac Bold" panose="020B0600000101010101" pitchFamily="50" charset="-127"/>
+              </a:rPr>
+              <a:t> 이유</a:t>
+            </a:r>
+          </a:p>
+        </p:txBody>
+      </p:sp>
+      <p:sp>
+        <p:nvSpPr>
+          <p:cNvPr id="25" name="타원 4"/>
+          <p:cNvSpPr/>
+          <p:nvPr/>
+        </p:nvSpPr>
+        <p:spPr>
+          <a:xfrm>
+            <a:off x="6967220" y="2354564"/>
+            <a:ext cx="396240" cy="396240"/>
+          </a:xfrm>
+          <a:prstGeom prst="ellipse">
+            <a:avLst/>
+          </a:prstGeom>
+          <a:solidFill>
+            <a:schemeClr val="bg1">
+              <a:lumMod val="95000"/>
+            </a:schemeClr>
+          </a:solidFill>
+          <a:ln>
+            <a:noFill/>
+          </a:ln>
+        </p:spPr>
+        <p:style>
+          <a:lnRef idx="2">
+            <a:schemeClr val="accent1">
+              <a:shade val="50000"/>
+            </a:schemeClr>
+          </a:lnRef>
+          <a:fillRef idx="1">
+            <a:schemeClr val="accent1"/>
+          </a:fillRef>
+          <a:effectRef idx="0">
+            <a:schemeClr val="accent1"/>
+          </a:effectRef>
+          <a:fontRef idx="minor">
+            <a:schemeClr val="lt1"/>
+          </a:fontRef>
+        </p:style>
+        <p:txBody>
+          <a:bodyPr anchor="ctr"/>
+          <a:lstStyle/>
+          <a:p>
+            <a:pPr algn="ctr">
+              <a:defRPr/>
+            </a:pPr>
+            <a:endParaRPr lang="ko-KR" altLang="en-US"/>
+          </a:p>
+        </p:txBody>
+      </p:sp>
+      <p:sp>
+        <p:nvSpPr>
+          <p:cNvPr id="26" name="TextBox 7"/>
+          <p:cNvSpPr txBox="1"/>
+          <p:nvPr/>
+        </p:nvSpPr>
+        <p:spPr>
+          <a:xfrm>
+            <a:off x="6921324" y="3079131"/>
+            <a:ext cx="3352800" cy="452739"/>
+          </a:xfrm>
+          <a:prstGeom prst="rect">
+            <a:avLst/>
+          </a:prstGeom>
+          <a:noFill/>
+        </p:spPr>
+        <p:txBody>
+          <a:bodyPr wrap="square">
+            <a:spAutoFit/>
+          </a:bodyPr>
+          <a:lstStyle/>
+          <a:p>
+            <a:pPr marL="0" lvl="0" indent="0" algn="l" defTabSz="914400" rtl="0" eaLnBrk="1" latinLnBrk="1" hangingPunct="1">
+              <a:lnSpc>
+                <a:spcPct val="100000"/>
+              </a:lnSpc>
+              <a:spcBef>
+                <a:spcPct val="0"/>
+              </a:spcBef>
+              <a:spcAft>
+                <a:spcPts val="0"/>
+              </a:spcAft>
+              <a:buNone/>
+              <a:defRPr/>
+            </a:pPr>
+            <a:r>
+              <a:rPr kumimoji="0" lang="ko-KR" altLang="en-US" sz="2400" b="0" i="0" u="none" strike="noStrike" kern="1200" cap="none" spc="0" normalizeH="0" baseline="0">
+                <a:solidFill>
+                  <a:srgbClr val="FFFFFF"/>
+                </a:solidFill>
+                <a:latin typeface="나눔스퀘어 Bold"/>
+                <a:ea typeface="나눔스퀘어 Bold"/>
+              </a:rPr>
+              <a:t>서울벽지</a:t>
+            </a:r>
+          </a:p>
+        </p:txBody>
+      </p:sp>
+      <p:grpSp>
+        <p:nvGrpSpPr>
+          <p:cNvPr id="27" name="그룹 11"/>
+          <p:cNvGrpSpPr/>
+          <p:nvPr/>
+        </p:nvGrpSpPr>
+        <p:grpSpPr>
+          <a:xfrm>
+            <a:off x="7085037" y="3457575"/>
+            <a:ext cx="918958" cy="237150"/>
+            <a:chOff x="8904312" y="2610176"/>
+            <a:chExt cx="697502" cy="180000"/>
+          </a:xfrm>
+        </p:grpSpPr>
+        <p:cxnSp>
+          <p:nvCxnSpPr>
+            <p:cNvPr id="28" name="구부러진 연결선 4"/>
+            <p:cNvCxnSpPr/>
+            <p:nvPr/>
+          </p:nvCxnSpPr>
+          <p:spPr>
+            <a:xfrm rot="8100000">
+              <a:off x="8904312" y="2610176"/>
+              <a:ext cx="180000" cy="180000"/>
+            </a:xfrm>
+            <a:prstGeom prst="curvedConnector3">
+              <a:avLst>
+                <a:gd name="adj1" fmla="val 50000"/>
+              </a:avLst>
+            </a:prstGeom>
+            <a:ln w="25400" cap="rnd">
+              <a:solidFill>
+                <a:schemeClr val="accent1">
+                  <a:lumMod val="60000"/>
+                  <a:lumOff val="40000"/>
+                </a:schemeClr>
+              </a:solidFill>
+            </a:ln>
+          </p:spPr>
+          <p:style>
+            <a:lnRef idx="1">
+              <a:schemeClr val="accent1"/>
+            </a:lnRef>
+            <a:fillRef idx="0">
+              <a:schemeClr val="accent1"/>
+            </a:fillRef>
+            <a:effectRef idx="0">
+              <a:schemeClr val="accent1"/>
+            </a:effectRef>
+            <a:fontRef idx="minor">
+              <a:schemeClr val="tx1"/>
+            </a:fontRef>
+          </p:style>
+        </p:cxnSp>
+        <p:cxnSp>
+          <p:nvCxnSpPr>
+            <p:cNvPr id="29" name="구부러진 연결선 13"/>
+            <p:cNvCxnSpPr/>
+            <p:nvPr/>
+          </p:nvCxnSpPr>
+          <p:spPr>
+            <a:xfrm rot="8100000">
+              <a:off x="9163063" y="2610176"/>
+              <a:ext cx="180000" cy="180000"/>
+            </a:xfrm>
+            <a:prstGeom prst="curvedConnector3">
+              <a:avLst>
+                <a:gd name="adj1" fmla="val 50000"/>
+              </a:avLst>
+            </a:prstGeom>
+            <a:ln w="25400" cap="rnd">
+              <a:solidFill>
+                <a:schemeClr val="accent1">
+                  <a:lumMod val="60000"/>
+                  <a:lumOff val="40000"/>
+                </a:schemeClr>
+              </a:solidFill>
+            </a:ln>
+          </p:spPr>
+          <p:style>
+            <a:lnRef idx="1">
+              <a:schemeClr val="accent1"/>
+            </a:lnRef>
+            <a:fillRef idx="0">
+              <a:schemeClr val="accent1"/>
+            </a:fillRef>
+            <a:effectRef idx="0">
+              <a:schemeClr val="accent1"/>
+            </a:effectRef>
+            <a:fontRef idx="minor">
+              <a:schemeClr val="tx1"/>
+            </a:fontRef>
+          </p:style>
+        </p:cxnSp>
+        <p:cxnSp>
+          <p:nvCxnSpPr>
+            <p:cNvPr id="30" name="구부러진 연결선 14"/>
+            <p:cNvCxnSpPr/>
+            <p:nvPr/>
+          </p:nvCxnSpPr>
+          <p:spPr>
+            <a:xfrm rot="8100000">
+              <a:off x="9421814" y="2610176"/>
+              <a:ext cx="180000" cy="180000"/>
+            </a:xfrm>
+            <a:prstGeom prst="curvedConnector3">
+              <a:avLst>
+                <a:gd name="adj1" fmla="val 50000"/>
+              </a:avLst>
+            </a:prstGeom>
+            <a:ln w="25400" cap="rnd">
+              <a:solidFill>
+                <a:schemeClr val="accent1">
+                  <a:lumMod val="60000"/>
+                  <a:lumOff val="40000"/>
+                </a:schemeClr>
+              </a:solidFill>
+            </a:ln>
+          </p:spPr>
+          <p:style>
+            <a:lnRef idx="1">
+              <a:schemeClr val="accent1"/>
+            </a:lnRef>
+            <a:fillRef idx="0">
+              <a:schemeClr val="accent1"/>
+            </a:fillRef>
+            <a:effectRef idx="0">
+              <a:schemeClr val="accent1"/>
+            </a:effectRef>
+            <a:fontRef idx="minor">
+              <a:schemeClr val="tx1"/>
+            </a:fontRef>
+          </p:style>
+        </p:cxnSp>
+      </p:grpSp>
+      <p:grpSp>
+        <p:nvGrpSpPr>
+          <p:cNvPr id="31" name="그룹 11"/>
+          <p:cNvGrpSpPr/>
+          <p:nvPr/>
+        </p:nvGrpSpPr>
+        <p:grpSpPr>
+          <a:xfrm>
+            <a:off x="1560536" y="3409950"/>
+            <a:ext cx="1157084" cy="298601"/>
+            <a:chOff x="8904312" y="2610176"/>
+            <a:chExt cx="697502" cy="180000"/>
+          </a:xfrm>
+        </p:grpSpPr>
+        <p:cxnSp>
+          <p:nvCxnSpPr>
+            <p:cNvPr id="32" name="구부러진 연결선 4"/>
+            <p:cNvCxnSpPr/>
+            <p:nvPr/>
+          </p:nvCxnSpPr>
+          <p:spPr>
+            <a:xfrm rot="8100000">
+              <a:off x="8904312" y="2610176"/>
+              <a:ext cx="180000" cy="180000"/>
+            </a:xfrm>
+            <a:prstGeom prst="curvedConnector3">
+              <a:avLst>
+                <a:gd name="adj1" fmla="val 50000"/>
+              </a:avLst>
+            </a:prstGeom>
+            <a:ln w="25400" cap="rnd">
+              <a:solidFill>
+                <a:schemeClr val="accent1">
+                  <a:lumMod val="60000"/>
+                  <a:lumOff val="40000"/>
+                </a:schemeClr>
+              </a:solidFill>
+            </a:ln>
+          </p:spPr>
+          <p:style>
+            <a:lnRef idx="1">
+              <a:schemeClr val="accent1"/>
+            </a:lnRef>
+            <a:fillRef idx="0">
+              <a:schemeClr val="accent1"/>
+            </a:fillRef>
+            <a:effectRef idx="0">
+              <a:schemeClr val="accent1"/>
+            </a:effectRef>
+            <a:fontRef idx="minor">
+              <a:schemeClr val="tx1"/>
+            </a:fontRef>
+          </p:style>
+        </p:cxnSp>
+        <p:cxnSp>
+          <p:nvCxnSpPr>
+            <p:cNvPr id="33" name="구부러진 연결선 13"/>
+            <p:cNvCxnSpPr/>
+            <p:nvPr/>
+          </p:nvCxnSpPr>
+          <p:spPr>
+            <a:xfrm rot="8100000">
+              <a:off x="9163063" y="2610176"/>
+              <a:ext cx="180000" cy="180000"/>
+            </a:xfrm>
+            <a:prstGeom prst="curvedConnector3">
+              <a:avLst>
+                <a:gd name="adj1" fmla="val 50000"/>
+              </a:avLst>
+            </a:prstGeom>
+            <a:ln w="25400" cap="rnd">
+              <a:solidFill>
+                <a:schemeClr val="accent1">
+                  <a:lumMod val="60000"/>
+                  <a:lumOff val="40000"/>
+                </a:schemeClr>
+              </a:solidFill>
+            </a:ln>
+          </p:spPr>
+          <p:style>
+            <a:lnRef idx="1">
+              <a:schemeClr val="accent1"/>
+            </a:lnRef>
+            <a:fillRef idx="0">
+              <a:schemeClr val="accent1"/>
+            </a:fillRef>
+            <a:effectRef idx="0">
+              <a:schemeClr val="accent1"/>
+            </a:effectRef>
+            <a:fontRef idx="minor">
+              <a:schemeClr val="tx1"/>
+            </a:fontRef>
+          </p:style>
+        </p:cxnSp>
+        <p:cxnSp>
+          <p:nvCxnSpPr>
+            <p:cNvPr id="34" name="구부러진 연결선 14"/>
+            <p:cNvCxnSpPr/>
+            <p:nvPr/>
+          </p:nvCxnSpPr>
+          <p:spPr>
+            <a:xfrm rot="8100000">
+              <a:off x="9421814" y="2610176"/>
+              <a:ext cx="180000" cy="180000"/>
+            </a:xfrm>
+            <a:prstGeom prst="curvedConnector3">
+              <a:avLst>
+                <a:gd name="adj1" fmla="val 50000"/>
+              </a:avLst>
+            </a:prstGeom>
+            <a:ln w="25400" cap="rnd">
+              <a:solidFill>
+                <a:schemeClr val="accent1">
+                  <a:lumMod val="60000"/>
+                  <a:lumOff val="40000"/>
+                </a:schemeClr>
+              </a:solidFill>
+            </a:ln>
+          </p:spPr>
+          <p:style>
+            <a:lnRef idx="1">
+              <a:schemeClr val="accent1"/>
+            </a:lnRef>
+            <a:fillRef idx="0">
+              <a:schemeClr val="accent1"/>
+            </a:fillRef>
+            <a:effectRef idx="0">
+              <a:schemeClr val="accent1"/>
+            </a:effectRef>
+            <a:fontRef idx="minor">
+              <a:schemeClr val="tx1"/>
+            </a:fontRef>
+          </p:style>
+        </p:cxnSp>
+      </p:grpSp>
+      <p:sp>
+        <p:nvSpPr>
+          <p:cNvPr id="35" name="TextBox 34"/>
+          <p:cNvSpPr txBox="1"/>
+          <p:nvPr/>
+        </p:nvSpPr>
+        <p:spPr>
+          <a:xfrm>
+            <a:off x="6981824" y="4047172"/>
+            <a:ext cx="3943352" cy="1094423"/>
+          </a:xfrm>
+          <a:prstGeom prst="rect">
+            <a:avLst/>
+          </a:prstGeom>
+        </p:spPr>
+        <p:txBody>
+          <a:bodyPr vert="horz" wrap="square" lIns="91440" tIns="45720" rIns="91440" bIns="45720" anchor="t">
+            <a:spAutoFit/>
+          </a:bodyPr>
+          <a:lstStyle/>
+          <a:p>
+            <a:pPr lvl="0">
+              <a:lnSpc>
+                <a:spcPct val="130000"/>
+              </a:lnSpc>
+              <a:spcBef>
+                <a:spcPts val="0"/>
+              </a:spcBef>
+              <a:defRPr/>
+            </a:pPr>
+            <a:r>
+              <a:rPr lang="ko-KR" altLang="en-US" sz="1700">
+                <a:solidFill>
+                  <a:srgbClr val="FFFFFF"/>
+                </a:solidFill>
+                <a:latin typeface="나눔스퀘어_ac"/>
+                <a:ea typeface="나눔스퀘어_ac"/>
+              </a:rPr>
+              <a:t>기능적으로 시도하고 싶은 요소가 있었고 </a:t>
+            </a:r>
+          </a:p>
+          <a:p>
+            <a:pPr lvl="0">
+              <a:lnSpc>
+                <a:spcPct val="130000"/>
+              </a:lnSpc>
+              <a:spcBef>
+                <a:spcPts val="0"/>
+              </a:spcBef>
+              <a:defRPr/>
+            </a:pPr>
+            <a:r>
+              <a:rPr lang="ko-KR" altLang="en-US" sz="1700">
+                <a:solidFill>
+                  <a:srgbClr val="FFFFFF"/>
+                </a:solidFill>
+                <a:latin typeface="나눔스퀘어_ac"/>
+                <a:ea typeface="나눔스퀘어_ac"/>
+              </a:rPr>
+              <a:t>컨텐츠 내용이 더 구성력이 있어서 포트폴리오 사이트로 선정함</a:t>
+            </a:r>
+          </a:p>
+        </p:txBody>
+      </p:sp>
+      <p:sp>
+        <p:nvSpPr>
+          <p:cNvPr id="36" name="TextBox 22"/>
+          <p:cNvSpPr txBox="1"/>
+          <p:nvPr/>
+        </p:nvSpPr>
+        <p:spPr>
+          <a:xfrm>
+            <a:off x="1485725" y="4053800"/>
+            <a:ext cx="4213225" cy="1097320"/>
+          </a:xfrm>
+          <a:prstGeom prst="rect">
+            <a:avLst/>
+          </a:prstGeom>
+          <a:noFill/>
+        </p:spPr>
+        <p:txBody>
+          <a:bodyPr vert="horz" wrap="square" lIns="91440" tIns="45720" rIns="91440" bIns="45720" anchor="t">
+            <a:spAutoFit/>
+          </a:bodyPr>
+          <a:lstStyle/>
+          <a:p>
+            <a:pPr lvl="0" defTabSz="914400">
+              <a:lnSpc>
+                <a:spcPct val="130000"/>
+              </a:lnSpc>
+              <a:spcBef>
+                <a:spcPts val="0"/>
+              </a:spcBef>
+              <a:buNone/>
+              <a:defRPr/>
+            </a:pPr>
+            <a:r>
+              <a:rPr lang="ko-KR" altLang="en-US" sz="1700">
+                <a:solidFill>
+                  <a:srgbClr val="FFFFFF"/>
+                </a:solidFill>
+                <a:latin typeface="나눔스퀘어_ac"/>
+                <a:ea typeface="나눔스퀘어_ac"/>
+              </a:rPr>
+              <a:t>기존 사이트 중 퀄리티가 좋은 사이트를 </a:t>
+            </a:r>
+          </a:p>
+          <a:p>
+            <a:pPr lvl="0" defTabSz="914400">
+              <a:lnSpc>
+                <a:spcPct val="130000"/>
+              </a:lnSpc>
+              <a:spcBef>
+                <a:spcPts val="0"/>
+              </a:spcBef>
+              <a:buNone/>
+              <a:defRPr/>
+            </a:pPr>
+            <a:r>
+              <a:rPr lang="ko-KR" altLang="en-US" sz="1700">
+                <a:solidFill>
+                  <a:srgbClr val="FFFFFF"/>
+                </a:solidFill>
+                <a:latin typeface="나눔스퀘어_ac"/>
+                <a:ea typeface="나눔스퀘어_ac"/>
+              </a:rPr>
+              <a:t>선정하여 그동안의 배움을 바탕으로 기능 </a:t>
+            </a:r>
+          </a:p>
+          <a:p>
+            <a:pPr lvl="0" defTabSz="914400">
+              <a:lnSpc>
+                <a:spcPct val="130000"/>
+              </a:lnSpc>
+              <a:spcBef>
+                <a:spcPts val="0"/>
+              </a:spcBef>
+              <a:buNone/>
+              <a:defRPr/>
+            </a:pPr>
+            <a:r>
+              <a:rPr lang="ko-KR" altLang="en-US" sz="1700">
+                <a:solidFill>
+                  <a:srgbClr val="FFFFFF"/>
+                </a:solidFill>
+                <a:latin typeface="나눔스퀘어_ac"/>
+                <a:ea typeface="나눔스퀘어_ac"/>
+              </a:rPr>
+              <a:t>구현을 하고자 카피사이트 유형으로 제작 </a:t>
+            </a:r>
+          </a:p>
+        </p:txBody>
+      </p:sp>
+    </p:spTree>
+    <p:extLst>
+      <p:ext uri="{BB962C8B-B14F-4D97-AF65-F5344CB8AC3E}">
+        <p14:creationId xmlns:p14="http://schemas.microsoft.com/office/powerpoint/2010/main" val="3585608123"/>
+      </p:ext>
+    </p:extLst>
+  </p:cSld>
+  <p:clrMapOvr>
+    <a:masterClrMapping/>
+  </p:clrMapOvr>
+  <p:timing>
+    <p:tnLst>
+      <p:par>
+        <p:cTn id="1" dur="indefinite" restart="never" nodeType="tmRoot"/>
+      </p:par>
+    </p:tnLst>
+  </p:timing>
+</p:sld>
+</file>
+
+<file path=ppt/slides/slide5.xml><?xml version="1.0" encoding="utf-8"?>
+<p:sld xmlns:a="http://schemas.openxmlformats.org/drawingml/2006/main" xmlns:r="http://schemas.openxmlformats.org/officeDocument/2006/relationships" xmlns:p="http://schemas.openxmlformats.org/presentationml/2006/main">
+  <p:cSld>
+    <p:bg>
+      <p:bgPr>
+        <a:solidFill>
+          <a:srgbClr val="EEEEEE"/>
+        </a:solidFill>
+        <a:effectLst/>
+      </p:bgPr>
+    </p:bg>
+    <p:spTree>
+      <p:nvGrpSpPr>
+        <p:cNvPr id="1" name=""/>
+        <p:cNvGrpSpPr/>
+        <p:nvPr/>
+      </p:nvGrpSpPr>
+      <p:grpSpPr>
+        <a:xfrm>
+          <a:off x="0" y="0"/>
+          <a:ext cx="0" cy="0"/>
+          <a:chOff x="0" y="0"/>
+          <a:chExt cx="0" cy="0"/>
+        </a:xfrm>
+      </p:grpSpPr>
+      <p:grpSp>
+        <p:nvGrpSpPr>
+          <p:cNvPr id="4" name="그룹 3">
+            <a:extLst>
+              <a:ext uri="{FF2B5EF4-FFF2-40B4-BE49-F238E27FC236}">
+                <a16:creationId xmlns:a16="http://schemas.microsoft.com/office/drawing/2014/main" id="{2EDD20DE-2800-4677-822C-C7D713E2E80B}"/>
+              </a:ext>
+            </a:extLst>
+          </p:cNvPr>
+          <p:cNvGrpSpPr/>
+          <p:nvPr/>
+        </p:nvGrpSpPr>
+        <p:grpSpPr>
+          <a:xfrm>
+            <a:off x="11715750" y="184150"/>
+            <a:ext cx="253518" cy="190500"/>
+            <a:chOff x="11715750" y="184150"/>
+            <a:chExt cx="253518" cy="190500"/>
+          </a:xfrm>
+        </p:grpSpPr>
+        <p:sp>
+          <p:nvSpPr>
+            <p:cNvPr id="5" name="직사각형 4">
+              <a:extLst>
+                <a:ext uri="{FF2B5EF4-FFF2-40B4-BE49-F238E27FC236}">
+                  <a16:creationId xmlns:a16="http://schemas.microsoft.com/office/drawing/2014/main" id="{96F22FE3-E920-4C24-BF64-7719B5CF0CC4}"/>
+                </a:ext>
+              </a:extLst>
+            </p:cNvPr>
+            <p:cNvSpPr/>
+            <p:nvPr/>
+          </p:nvSpPr>
+          <p:spPr>
+            <a:xfrm>
+              <a:off x="11715750" y="184150"/>
+              <a:ext cx="190500" cy="190500"/>
+            </a:xfrm>
+            <a:prstGeom prst="rect">
+              <a:avLst/>
+            </a:prstGeom>
+            <a:solidFill>
+              <a:schemeClr val="tx1"/>
+            </a:solidFill>
+            <a:ln>
+              <a:solidFill>
+                <a:schemeClr val="tx1"/>
+              </a:solidFill>
+            </a:ln>
+          </p:spPr>
+          <p:style>
+            <a:lnRef idx="2">
+              <a:schemeClr val="accent1">
+                <a:shade val="50000"/>
+              </a:schemeClr>
+            </a:lnRef>
+            <a:fillRef idx="1">
+              <a:schemeClr val="accent1"/>
+            </a:fillRef>
+            <a:effectRef idx="0">
+              <a:schemeClr val="accent1"/>
+            </a:effectRef>
+            <a:fontRef idx="minor">
+              <a:schemeClr val="lt1"/>
+            </a:fontRef>
+          </p:style>
+          <p:txBody>
+            <a:bodyPr rtlCol="0" anchor="ctr"/>
+            <a:lstStyle/>
+            <a:p>
+              <a:pPr algn="ctr"/>
+              <a:endParaRPr lang="ko-KR" altLang="en-US"/>
+            </a:p>
+          </p:txBody>
+        </p:sp>
+        <p:cxnSp>
+          <p:nvCxnSpPr>
+            <p:cNvPr id="6" name="직선 연결선 5">
+              <a:extLst>
+                <a:ext uri="{FF2B5EF4-FFF2-40B4-BE49-F238E27FC236}">
+                  <a16:creationId xmlns:a16="http://schemas.microsoft.com/office/drawing/2014/main" id="{E2CD7011-8AA3-4F82-91C4-D4F5941CE6DE}"/>
+                </a:ext>
+              </a:extLst>
+            </p:cNvPr>
+            <p:cNvCxnSpPr>
+              <a:cxnSpLocks/>
+            </p:cNvCxnSpPr>
+            <p:nvPr/>
+          </p:nvCxnSpPr>
+          <p:spPr>
+            <a:xfrm flipV="1">
+              <a:off x="11969267" y="184150"/>
+              <a:ext cx="1" cy="184150"/>
+            </a:xfrm>
+            <a:prstGeom prst="line">
+              <a:avLst/>
+            </a:prstGeom>
+            <a:ln>
+              <a:solidFill>
+                <a:schemeClr val="tx1"/>
+              </a:solidFill>
+            </a:ln>
+          </p:spPr>
+          <p:style>
+            <a:lnRef idx="1">
+              <a:schemeClr val="accent1"/>
+            </a:lnRef>
+            <a:fillRef idx="0">
+              <a:schemeClr val="accent1"/>
+            </a:fillRef>
+            <a:effectRef idx="0">
+              <a:schemeClr val="accent1"/>
+            </a:effectRef>
+            <a:fontRef idx="minor">
+              <a:schemeClr val="tx1"/>
+            </a:fontRef>
+          </p:style>
+        </p:cxnSp>
+      </p:grpSp>
+      <p:pic>
+        <p:nvPicPr>
+          <p:cNvPr id="8" name="그림 7"/>
+          <p:cNvPicPr>
+            <a:picLocks noChangeAspect="1"/>
+          </p:cNvPicPr>
+          <p:nvPr/>
+        </p:nvPicPr>
+        <p:blipFill rotWithShape="1">
+          <a:blip r:embed="rId2"/>
+          <a:srcRect t="12130" b="20770"/>
+          <a:stretch>
+            <a:fillRect/>
+          </a:stretch>
+        </p:blipFill>
+        <p:spPr>
+          <a:xfrm>
+            <a:off x="884573" y="2536188"/>
+            <a:ext cx="5452754" cy="1820489"/>
+          </a:xfrm>
+          <a:prstGeom prst="rect">
+            <a:avLst/>
+          </a:prstGeom>
+        </p:spPr>
+      </p:pic>
+      <p:sp>
+        <p:nvSpPr>
+          <p:cNvPr id="9" name="TextBox 8"/>
+          <p:cNvSpPr txBox="1"/>
+          <p:nvPr/>
+        </p:nvSpPr>
+        <p:spPr>
+          <a:xfrm>
+            <a:off x="1113173" y="2024861"/>
+            <a:ext cx="1119225" cy="461665"/>
+          </a:xfrm>
+          <a:prstGeom prst="rect">
+            <a:avLst/>
+          </a:prstGeom>
+        </p:spPr>
+        <p:txBody>
+          <a:bodyPr wrap="square">
+            <a:spAutoFit/>
+          </a:bodyPr>
+          <a:lstStyle/>
+          <a:p>
+            <a:pPr>
+              <a:defRPr/>
+            </a:pPr>
+            <a:r>
+              <a:rPr lang="en-US" altLang="ko-KR" sz="2400" dirty="0">
+                <a:solidFill>
+                  <a:schemeClr val="tx1">
+                    <a:lumMod val="75000"/>
+                    <a:lumOff val="25000"/>
+                  </a:schemeClr>
+                </a:solidFill>
+                <a:latin typeface="나눔스퀘어 Bold" panose="020B0600000101010101" pitchFamily="50" charset="-127"/>
+                <a:ea typeface="나눔스퀘어 Bold" panose="020B0600000101010101" pitchFamily="50" charset="-127"/>
+              </a:rPr>
+              <a:t>HTML</a:t>
+            </a:r>
+          </a:p>
+        </p:txBody>
+      </p:sp>
+      <p:sp>
+        <p:nvSpPr>
+          <p:cNvPr id="10" name="TextBox 9"/>
+          <p:cNvSpPr txBox="1"/>
+          <p:nvPr/>
+        </p:nvSpPr>
+        <p:spPr>
+          <a:xfrm>
+            <a:off x="3141996" y="2005811"/>
+            <a:ext cx="1119227" cy="461665"/>
+          </a:xfrm>
+          <a:prstGeom prst="rect">
+            <a:avLst/>
+          </a:prstGeom>
+        </p:spPr>
+        <p:txBody>
+          <a:bodyPr wrap="square">
+            <a:spAutoFit/>
+          </a:bodyPr>
+          <a:lstStyle/>
+          <a:p>
+            <a:pPr>
+              <a:defRPr/>
+            </a:pPr>
+            <a:r>
+              <a:rPr lang="en-US" altLang="ko-KR" sz="2400">
+                <a:solidFill>
+                  <a:schemeClr val="tx1">
+                    <a:lumMod val="75000"/>
+                    <a:lumOff val="25000"/>
+                  </a:schemeClr>
+                </a:solidFill>
+                <a:latin typeface="나눔스퀘어 Bold" panose="020B0600000101010101" pitchFamily="50" charset="-127"/>
+                <a:ea typeface="나눔스퀘어 Bold" panose="020B0600000101010101" pitchFamily="50" charset="-127"/>
+              </a:rPr>
+              <a:t>CSS</a:t>
+            </a:r>
+          </a:p>
+        </p:txBody>
+      </p:sp>
+      <p:sp>
+        <p:nvSpPr>
+          <p:cNvPr id="11" name="TextBox 10"/>
+          <p:cNvSpPr txBox="1"/>
+          <p:nvPr/>
+        </p:nvSpPr>
+        <p:spPr>
+          <a:xfrm>
+            <a:off x="5227973" y="2015336"/>
+            <a:ext cx="1119226" cy="461665"/>
+          </a:xfrm>
+          <a:prstGeom prst="rect">
+            <a:avLst/>
+          </a:prstGeom>
+        </p:spPr>
+        <p:txBody>
+          <a:bodyPr wrap="square">
+            <a:spAutoFit/>
+          </a:bodyPr>
+          <a:lstStyle/>
+          <a:p>
+            <a:pPr marL="0" indent="0" algn="l" defTabSz="914400" rtl="0" eaLnBrk="1" latinLnBrk="1" hangingPunct="1">
+              <a:lnSpc>
+                <a:spcPct val="100000"/>
+              </a:lnSpc>
+              <a:spcBef>
+                <a:spcPct val="0"/>
+              </a:spcBef>
+              <a:spcAft>
+                <a:spcPts val="0"/>
+              </a:spcAft>
+              <a:buNone/>
+              <a:defRPr/>
+            </a:pPr>
+            <a:r>
+              <a:rPr kumimoji="0" lang="en-US" altLang="ko-KR" sz="2400" b="0" i="0" u="none" strike="noStrike" kern="1200" cap="none" spc="0" normalizeH="0" baseline="0" dirty="0">
+                <a:solidFill>
+                  <a:schemeClr val="tx1">
+                    <a:lumMod val="75000"/>
+                    <a:lumOff val="25000"/>
+                  </a:schemeClr>
+                </a:solidFill>
+                <a:latin typeface="나눔스퀘어 Bold" panose="020B0600000101010101" pitchFamily="50" charset="-127"/>
+                <a:ea typeface="나눔스퀘어 Bold" panose="020B0600000101010101" pitchFamily="50" charset="-127"/>
+              </a:rPr>
+              <a:t>JS</a:t>
+            </a:r>
+          </a:p>
+        </p:txBody>
+      </p:sp>
+      <p:sp>
+        <p:nvSpPr>
+          <p:cNvPr id="13" name="TextBox 12">
+            <a:extLst>
+              <a:ext uri="{FF2B5EF4-FFF2-40B4-BE49-F238E27FC236}">
+                <a16:creationId xmlns:a16="http://schemas.microsoft.com/office/drawing/2014/main" id="{43827922-67D8-476B-A032-C9A507C578C8}"/>
+              </a:ext>
+            </a:extLst>
+          </p:cNvPr>
+          <p:cNvSpPr txBox="1"/>
+          <p:nvPr/>
+        </p:nvSpPr>
+        <p:spPr>
+          <a:xfrm>
+            <a:off x="5298124" y="893988"/>
+            <a:ext cx="2222500" cy="523220"/>
+          </a:xfrm>
+          <a:prstGeom prst="rect">
+            <a:avLst/>
+          </a:prstGeom>
+          <a:noFill/>
+        </p:spPr>
+        <p:txBody>
+          <a:bodyPr wrap="square" rtlCol="0">
+            <a:spAutoFit/>
+          </a:bodyPr>
+          <a:lstStyle/>
+          <a:p>
+            <a:r>
+              <a:rPr lang="ko-KR" altLang="en-US" sz="2800" spc="-150" dirty="0" smtClean="0">
+                <a:latin typeface="에스코어 드림 9 Black" panose="020B0A03030302020204" pitchFamily="34" charset="-127"/>
+                <a:ea typeface="에스코어 드림 9 Black" panose="020B0A03030302020204" pitchFamily="34" charset="-127"/>
+              </a:rPr>
+              <a:t>제작기법</a:t>
+            </a:r>
+            <a:endParaRPr lang="ko-KR" altLang="en-US" sz="2800" spc="-150" dirty="0">
+              <a:latin typeface="에스코어 드림 9 Black" panose="020B0A03030302020204" pitchFamily="34" charset="-127"/>
+              <a:ea typeface="에스코어 드림 9 Black" panose="020B0A03030302020204" pitchFamily="34" charset="-127"/>
+            </a:endParaRPr>
+          </a:p>
+        </p:txBody>
+      </p:sp>
+      <p:sp>
+        <p:nvSpPr>
+          <p:cNvPr id="18" name="TextBox 17">
+            <a:extLst>
+              <a:ext uri="{FF2B5EF4-FFF2-40B4-BE49-F238E27FC236}">
+                <a16:creationId xmlns:a16="http://schemas.microsoft.com/office/drawing/2014/main" id="{F09CEB39-5F28-4BC7-B219-4C704A0AFA90}"/>
+              </a:ext>
+            </a:extLst>
+          </p:cNvPr>
+          <p:cNvSpPr txBox="1"/>
+          <p:nvPr/>
+        </p:nvSpPr>
+        <p:spPr>
+          <a:xfrm>
+            <a:off x="57150" y="536723"/>
+            <a:ext cx="2660073" cy="502638"/>
+          </a:xfrm>
+          <a:prstGeom prst="rect">
+            <a:avLst/>
+          </a:prstGeom>
+          <a:noFill/>
+        </p:spPr>
+        <p:txBody>
+          <a:bodyPr wrap="square" rtlCol="0">
+            <a:spAutoFit/>
+          </a:bodyPr>
+          <a:lstStyle/>
+          <a:p>
+            <a:pPr>
+              <a:lnSpc>
+                <a:spcPct val="150000"/>
+              </a:lnSpc>
+            </a:pPr>
+            <a:r>
+              <a:rPr lang="en-US" altLang="ko-KR" sz="2000" dirty="0">
+                <a:latin typeface="에스코어 드림 9 Black" panose="020B0A03030302020204" pitchFamily="34" charset="-127"/>
+                <a:ea typeface="에스코어 드림 9 Black" panose="020B0A03030302020204" pitchFamily="34" charset="-127"/>
+              </a:rPr>
+              <a:t> </a:t>
+            </a:r>
+            <a:r>
+              <a:rPr lang="ko-KR" altLang="en-US" sz="1600" spc="-150" dirty="0" err="1" smtClean="0">
+                <a:latin typeface="에스코어 드림 3 Light" panose="020B0303030302020204" pitchFamily="34" charset="-127"/>
+                <a:ea typeface="에스코어 드림 3 Light" panose="020B0303030302020204" pitchFamily="34" charset="-127"/>
+              </a:rPr>
+              <a:t>사이트분석</a:t>
+            </a:r>
+            <a:r>
+              <a:rPr lang="en-US" altLang="ko-KR" sz="1600" spc="-150" dirty="0">
+                <a:latin typeface="에스코어 드림 3 Light" panose="020B0303030302020204" pitchFamily="34" charset="-127"/>
+                <a:ea typeface="에스코어 드림 3 Light" panose="020B0303030302020204" pitchFamily="34" charset="-127"/>
+              </a:rPr>
+              <a:t> </a:t>
+            </a:r>
+            <a:r>
+              <a:rPr lang="ko-KR" altLang="en-US" sz="1600" spc="-150" dirty="0" smtClean="0">
+                <a:latin typeface="에스코어 드림 3 Light" panose="020B0303030302020204" pitchFamily="34" charset="-127"/>
+                <a:ea typeface="에스코어 드림 3 Light" panose="020B0303030302020204" pitchFamily="34" charset="-127"/>
+              </a:rPr>
+              <a:t>및 설계</a:t>
+            </a:r>
+            <a:endParaRPr lang="en-US" altLang="ko-KR" sz="2000" spc="-150" dirty="0">
+              <a:latin typeface="에스코어 드림 3 Light" panose="020B0303030302020204" pitchFamily="34" charset="-127"/>
+              <a:ea typeface="에스코어 드림 3 Light" panose="020B0303030302020204" pitchFamily="34" charset="-127"/>
+            </a:endParaRPr>
+          </a:p>
+        </p:txBody>
+      </p:sp>
+      <p:sp>
+        <p:nvSpPr>
+          <p:cNvPr id="19" name="TextBox 18">
+            <a:extLst>
+              <a:ext uri="{FF2B5EF4-FFF2-40B4-BE49-F238E27FC236}">
+                <a16:creationId xmlns:a16="http://schemas.microsoft.com/office/drawing/2014/main" id="{F43F7F5C-AD1C-4352-B315-05550CD57F87}"/>
+              </a:ext>
+            </a:extLst>
+          </p:cNvPr>
+          <p:cNvSpPr txBox="1"/>
+          <p:nvPr/>
+        </p:nvSpPr>
+        <p:spPr>
+          <a:xfrm rot="5400000">
+            <a:off x="376842" y="-205709"/>
+            <a:ext cx="861774" cy="1349392"/>
+          </a:xfrm>
+          <a:prstGeom prst="rect">
+            <a:avLst/>
+          </a:prstGeom>
+          <a:noFill/>
+        </p:spPr>
+        <p:txBody>
+          <a:bodyPr vert="vert270" wrap="square" rtlCol="0">
+            <a:spAutoFit/>
+          </a:bodyPr>
+          <a:lstStyle/>
+          <a:p>
+            <a:r>
+              <a:rPr lang="en-US" altLang="ko-KR" sz="4400" spc="-300" dirty="0" smtClean="0">
+                <a:latin typeface="에스코어 드림 9 Black" panose="020B0A03030302020204" pitchFamily="34" charset="-127"/>
+                <a:ea typeface="에스코어 드림 9 Black" panose="020B0A03030302020204" pitchFamily="34" charset="-127"/>
+              </a:rPr>
+              <a:t>02</a:t>
+            </a:r>
+            <a:endParaRPr lang="ko-KR" altLang="en-US" sz="4400" spc="-300" dirty="0">
+              <a:latin typeface="에스코어 드림 9 Black" panose="020B0A03030302020204" pitchFamily="34" charset="-127"/>
+              <a:ea typeface="에스코어 드림 9 Black" panose="020B0A03030302020204" pitchFamily="34" charset="-127"/>
+            </a:endParaRPr>
+          </a:p>
+        </p:txBody>
+      </p:sp>
+      <p:pic>
+        <p:nvPicPr>
+          <p:cNvPr id="3" name="그림 2"/>
+          <p:cNvPicPr>
+            <a:picLocks noChangeAspect="1"/>
+          </p:cNvPicPr>
+          <p:nvPr/>
+        </p:nvPicPr>
+        <p:blipFill>
+          <a:blip r:embed="rId3">
+            <a:extLst>
+              <a:ext uri="{28A0092B-C50C-407E-A947-70E740481C1C}">
+                <a14:useLocalDpi xmlns:a14="http://schemas.microsoft.com/office/drawing/2010/main" val="0"/>
+              </a:ext>
+            </a:extLst>
+          </a:blip>
+          <a:stretch>
+            <a:fillRect/>
+          </a:stretch>
+        </p:blipFill>
+        <p:spPr>
+          <a:xfrm>
+            <a:off x="6981825" y="2930456"/>
+            <a:ext cx="3514725" cy="893831"/>
+          </a:xfrm>
+          <a:prstGeom prst="rect">
+            <a:avLst/>
+          </a:prstGeom>
+        </p:spPr>
+      </p:pic>
+    </p:spTree>
+    <p:extLst>
+      <p:ext uri="{BB962C8B-B14F-4D97-AF65-F5344CB8AC3E}">
+        <p14:creationId xmlns:p14="http://schemas.microsoft.com/office/powerpoint/2010/main" val="479625452"/>
+      </p:ext>
+    </p:extLst>
+  </p:cSld>
+  <p:clrMapOvr>
+    <a:masterClrMapping/>
+  </p:clrMapOvr>
+  <p:timing>
+    <p:tnLst>
+      <p:par>
+        <p:cTn id="1" dur="indefinite" restart="never" nodeType="tmRoot"/>
+      </p:par>
+    </p:tnLst>
+  </p:timing>
+</p:sld>
+</file>
+
+<file path=ppt/slides/slide6.xml><?xml version="1.0" encoding="utf-8"?>
+<p:sld xmlns:a="http://schemas.openxmlformats.org/drawingml/2006/main" xmlns:r="http://schemas.openxmlformats.org/officeDocument/2006/relationships" xmlns:p="http://schemas.openxmlformats.org/presentationml/2006/main">
+  <p:cSld>
+    <p:bg>
+      <p:bgPr>
+        <a:solidFill>
+          <a:srgbClr val="EEEEEE"/>
+        </a:solidFill>
+        <a:effectLst/>
+      </p:bgPr>
+    </p:bg>
+    <p:spTree>
+      <p:nvGrpSpPr>
+        <p:cNvPr id="1" name=""/>
+        <p:cNvGrpSpPr/>
+        <p:nvPr/>
+      </p:nvGrpSpPr>
+      <p:grpSpPr>
+        <a:xfrm>
+          <a:off x="0" y="0"/>
+          <a:ext cx="0" cy="0"/>
+          <a:chOff x="0" y="0"/>
+          <a:chExt cx="0" cy="0"/>
+        </a:xfrm>
+      </p:grpSpPr>
       <p:cxnSp>
         <p:nvCxnSpPr>
           <p:cNvPr id="9" name="직선 연결선 8">
@@ -6306,7 +9962,7 @@
             <a:lstStyle/>
             <a:p>
               <a:r>
-                <a:rPr lang="en-US" altLang="ko-KR" sz="4400" spc="-300" dirty="0">
+                <a:rPr lang="en-US" altLang="ko-KR" sz="4400" spc="-300" dirty="0" smtClean="0">
                   <a:latin typeface="에스코어 드림 9 Black" panose="020B0A03030302020204" pitchFamily="34" charset="-127"/>
                   <a:ea typeface="에스코어 드림 9 Black" panose="020B0A03030302020204" pitchFamily="34" charset="-127"/>
                 </a:rPr>
@@ -6323,7 +9979,7 @@
     </p:spTree>
     <p:extLst>
       <p:ext uri="{BB962C8B-B14F-4D97-AF65-F5344CB8AC3E}">
-        <p14:creationId xmlns:p14="http://schemas.microsoft.com/office/powerpoint/2010/main" val="3585608123"/>
+        <p14:creationId xmlns:p14="http://schemas.microsoft.com/office/powerpoint/2010/main" val="2684982455"/>
       </p:ext>
     </p:extLst>
   </p:cSld>
@@ -6340,7 +9996,7 @@
 </p:sld>
 </file>
 
-<file path=ppt/slides/slide5.xml><?xml version="1.0" encoding="utf-8"?>
+<file path=ppt/slides/slide7.xml><?xml version="1.0" encoding="utf-8"?>
 <p:sld xmlns:a="http://schemas.openxmlformats.org/drawingml/2006/main" xmlns:r="http://schemas.openxmlformats.org/officeDocument/2006/relationships" xmlns:p="http://schemas.openxmlformats.org/presentationml/2006/main">
   <p:cSld>
     <p:bg>
@@ -7322,7 +10978,7 @@
     </p:spTree>
     <p:extLst>
       <p:ext uri="{BB962C8B-B14F-4D97-AF65-F5344CB8AC3E}">
-        <p14:creationId xmlns:p14="http://schemas.microsoft.com/office/powerpoint/2010/main" val="3803987813"/>
+        <p14:creationId xmlns:p14="http://schemas.microsoft.com/office/powerpoint/2010/main" val="705950412"/>
       </p:ext>
     </p:extLst>
   </p:cSld>
@@ -7339,7 +10995,7 @@
 </p:sld>
 </file>
 
-<file path=ppt/slides/slide6.xml><?xml version="1.0" encoding="utf-8"?>
+<file path=ppt/slides/slide8.xml><?xml version="1.0" encoding="utf-8"?>
 <p:sld xmlns:a="http://schemas.openxmlformats.org/drawingml/2006/main" xmlns:r="http://schemas.openxmlformats.org/officeDocument/2006/relationships" xmlns:p="http://schemas.openxmlformats.org/presentationml/2006/main">
   <p:cSld>
     <p:bg>
@@ -8776,7 +12432,7 @@
                 <a14:useLocalDpi xmlns:a14="http://schemas.microsoft.com/office/drawing/2010/main" val="0"/>
               </a:ext>
               <a:ext uri="{96DAC541-7B7A-43D3-8B79-37D633B846F1}">
-                <asvg:svgBlip xmlns="" xmlns:asvg="http://schemas.microsoft.com/office/drawing/2016/SVG/main" r:embed="rId3"/>
+                <asvg:svgBlip xmlns:asvg="http://schemas.microsoft.com/office/drawing/2016/SVG/main" xmlns="" r:embed="rId3"/>
               </a:ext>
             </a:extLst>
           </a:blip>
@@ -8815,7 +12471,7 @@
                 <a14:useLocalDpi xmlns:a14="http://schemas.microsoft.com/office/drawing/2010/main" val="0"/>
               </a:ext>
               <a:ext uri="{96DAC541-7B7A-43D3-8B79-37D633B846F1}">
-                <asvg:svgBlip xmlns="" xmlns:asvg="http://schemas.microsoft.com/office/drawing/2016/SVG/main" r:embed="rId5"/>
+                <asvg:svgBlip xmlns:asvg="http://schemas.microsoft.com/office/drawing/2016/SVG/main" xmlns="" r:embed="rId5"/>
               </a:ext>
             </a:extLst>
           </a:blip>
@@ -8854,7 +12510,7 @@
                 <a14:useLocalDpi xmlns:a14="http://schemas.microsoft.com/office/drawing/2010/main" val="0"/>
               </a:ext>
               <a:ext uri="{96DAC541-7B7A-43D3-8B79-37D633B846F1}">
-                <asvg:svgBlip xmlns="" xmlns:asvg="http://schemas.microsoft.com/office/drawing/2016/SVG/main" r:embed="rId7"/>
+                <asvg:svgBlip xmlns:asvg="http://schemas.microsoft.com/office/drawing/2016/SVG/main" xmlns="" r:embed="rId7"/>
               </a:ext>
             </a:extLst>
           </a:blip>
@@ -8893,7 +12549,7 @@
                 <a14:useLocalDpi xmlns:a14="http://schemas.microsoft.com/office/drawing/2010/main" val="0"/>
               </a:ext>
               <a:ext uri="{96DAC541-7B7A-43D3-8B79-37D633B846F1}">
-                <asvg:svgBlip xmlns="" xmlns:asvg="http://schemas.microsoft.com/office/drawing/2016/SVG/main" r:embed="rId9"/>
+                <asvg:svgBlip xmlns:asvg="http://schemas.microsoft.com/office/drawing/2016/SVG/main" xmlns="" r:embed="rId9"/>
               </a:ext>
             </a:extLst>
           </a:blip>
@@ -8924,7 +12580,7 @@
 </p:sld>
 </file>
 
-<file path=ppt/slides/slide7.xml><?xml version="1.0" encoding="utf-8"?>
+<file path=ppt/slides/slide9.xml><?xml version="1.0" encoding="utf-8"?>
 <p:sld xmlns:a="http://schemas.openxmlformats.org/drawingml/2006/main" xmlns:r="http://schemas.openxmlformats.org/officeDocument/2006/relationships" xmlns:p="http://schemas.openxmlformats.org/presentationml/2006/main">
   <p:cSld>
     <p:bg>
@@ -9355,2029 +13011,6 @@
     <p:extLst>
       <p:ext uri="{BB962C8B-B14F-4D97-AF65-F5344CB8AC3E}">
         <p14:creationId xmlns:p14="http://schemas.microsoft.com/office/powerpoint/2010/main" val="3025777254"/>
-      </p:ext>
-    </p:extLst>
-  </p:cSld>
-  <p:clrMapOvr>
-    <a:masterClrMapping/>
-  </p:clrMapOvr>
-</p:sld>
-</file>
-
-<file path=ppt/slides/slide8.xml><?xml version="1.0" encoding="utf-8"?>
-<p:sld xmlns:a="http://schemas.openxmlformats.org/drawingml/2006/main" xmlns:r="http://schemas.openxmlformats.org/officeDocument/2006/relationships" xmlns:p="http://schemas.openxmlformats.org/presentationml/2006/main">
-  <p:cSld>
-    <p:bg>
-      <p:bgPr>
-        <a:solidFill>
-          <a:srgbClr val="EEEEEE"/>
-        </a:solidFill>
-        <a:effectLst/>
-      </p:bgPr>
-    </p:bg>
-    <p:spTree>
-      <p:nvGrpSpPr>
-        <p:cNvPr id="1" name=""/>
-        <p:cNvGrpSpPr/>
-        <p:nvPr/>
-      </p:nvGrpSpPr>
-      <p:grpSpPr>
-        <a:xfrm>
-          <a:off x="0" y="0"/>
-          <a:ext cx="0" cy="0"/>
-          <a:chOff x="0" y="0"/>
-          <a:chExt cx="0" cy="0"/>
-        </a:xfrm>
-      </p:grpSpPr>
-      <p:grpSp>
-        <p:nvGrpSpPr>
-          <p:cNvPr id="4" name="그룹 3">
-            <a:extLst>
-              <a:ext uri="{FF2B5EF4-FFF2-40B4-BE49-F238E27FC236}">
-                <a16:creationId xmlns:a16="http://schemas.microsoft.com/office/drawing/2014/main" id="{2EDD20DE-2800-4677-822C-C7D713E2E80B}"/>
-              </a:ext>
-            </a:extLst>
-          </p:cNvPr>
-          <p:cNvGrpSpPr/>
-          <p:nvPr/>
-        </p:nvGrpSpPr>
-        <p:grpSpPr>
-          <a:xfrm>
-            <a:off x="11715750" y="184150"/>
-            <a:ext cx="253518" cy="190500"/>
-            <a:chOff x="11715750" y="184150"/>
-            <a:chExt cx="253518" cy="190500"/>
-          </a:xfrm>
-        </p:grpSpPr>
-        <p:sp>
-          <p:nvSpPr>
-            <p:cNvPr id="5" name="직사각형 4">
-              <a:extLst>
-                <a:ext uri="{FF2B5EF4-FFF2-40B4-BE49-F238E27FC236}">
-                  <a16:creationId xmlns:a16="http://schemas.microsoft.com/office/drawing/2014/main" id="{96F22FE3-E920-4C24-BF64-7719B5CF0CC4}"/>
-                </a:ext>
-              </a:extLst>
-            </p:cNvPr>
-            <p:cNvSpPr/>
-            <p:nvPr/>
-          </p:nvSpPr>
-          <p:spPr>
-            <a:xfrm>
-              <a:off x="11715750" y="184150"/>
-              <a:ext cx="190500" cy="190500"/>
-            </a:xfrm>
-            <a:prstGeom prst="rect">
-              <a:avLst/>
-            </a:prstGeom>
-            <a:solidFill>
-              <a:schemeClr val="tx1"/>
-            </a:solidFill>
-            <a:ln>
-              <a:solidFill>
-                <a:schemeClr val="tx1"/>
-              </a:solidFill>
-            </a:ln>
-          </p:spPr>
-          <p:style>
-            <a:lnRef idx="2">
-              <a:schemeClr val="accent1">
-                <a:shade val="50000"/>
-              </a:schemeClr>
-            </a:lnRef>
-            <a:fillRef idx="1">
-              <a:schemeClr val="accent1"/>
-            </a:fillRef>
-            <a:effectRef idx="0">
-              <a:schemeClr val="accent1"/>
-            </a:effectRef>
-            <a:fontRef idx="minor">
-              <a:schemeClr val="lt1"/>
-            </a:fontRef>
-          </p:style>
-          <p:txBody>
-            <a:bodyPr rtlCol="0" anchor="ctr"/>
-            <a:lstStyle/>
-            <a:p>
-              <a:pPr algn="ctr"/>
-              <a:endParaRPr lang="ko-KR" altLang="en-US"/>
-            </a:p>
-          </p:txBody>
-        </p:sp>
-        <p:cxnSp>
-          <p:nvCxnSpPr>
-            <p:cNvPr id="6" name="직선 연결선 5">
-              <a:extLst>
-                <a:ext uri="{FF2B5EF4-FFF2-40B4-BE49-F238E27FC236}">
-                  <a16:creationId xmlns:a16="http://schemas.microsoft.com/office/drawing/2014/main" id="{E2CD7011-8AA3-4F82-91C4-D4F5941CE6DE}"/>
-                </a:ext>
-              </a:extLst>
-            </p:cNvPr>
-            <p:cNvCxnSpPr>
-              <a:cxnSpLocks/>
-            </p:cNvCxnSpPr>
-            <p:nvPr/>
-          </p:nvCxnSpPr>
-          <p:spPr>
-            <a:xfrm flipV="1">
-              <a:off x="11969267" y="184150"/>
-              <a:ext cx="1" cy="184150"/>
-            </a:xfrm>
-            <a:prstGeom prst="line">
-              <a:avLst/>
-            </a:prstGeom>
-            <a:ln>
-              <a:solidFill>
-                <a:schemeClr val="tx1"/>
-              </a:solidFill>
-            </a:ln>
-          </p:spPr>
-          <p:style>
-            <a:lnRef idx="1">
-              <a:schemeClr val="accent1"/>
-            </a:lnRef>
-            <a:fillRef idx="0">
-              <a:schemeClr val="accent1"/>
-            </a:fillRef>
-            <a:effectRef idx="0">
-              <a:schemeClr val="accent1"/>
-            </a:effectRef>
-            <a:fontRef idx="minor">
-              <a:schemeClr val="tx1"/>
-            </a:fontRef>
-          </p:style>
-        </p:cxnSp>
-      </p:grpSp>
-      <p:pic>
-        <p:nvPicPr>
-          <p:cNvPr id="1028" name="Picture 4" descr="노트북, 테이블, 기술, 사무실, 책상, 작업 영역, 직장, 컴퓨터, 수첩, 키보드, 현대, 맥북">
-            <a:extLst>
-              <a:ext uri="{FF2B5EF4-FFF2-40B4-BE49-F238E27FC236}">
-                <a16:creationId xmlns:a16="http://schemas.microsoft.com/office/drawing/2014/main" id="{FE180AD0-C568-4046-8F28-DF453C672F0D}"/>
-              </a:ext>
-            </a:extLst>
-          </p:cNvPr>
-          <p:cNvPicPr>
-            <a:picLocks noChangeAspect="1" noChangeArrowheads="1"/>
-          </p:cNvPicPr>
-          <p:nvPr/>
-        </p:nvPicPr>
-        <p:blipFill rotWithShape="1">
-          <a:blip r:embed="rId2">
-            <a:extLst>
-              <a:ext uri="{28A0092B-C50C-407E-A947-70E740481C1C}">
-                <a14:useLocalDpi xmlns:a14="http://schemas.microsoft.com/office/drawing/2010/main" val="0"/>
-              </a:ext>
-            </a:extLst>
-          </a:blip>
-          <a:srcRect r="27921"/>
-          <a:stretch/>
-        </p:blipFill>
-        <p:spPr bwMode="auto">
-          <a:xfrm>
-            <a:off x="6096001" y="-66675"/>
-            <a:ext cx="6095999" cy="6991350"/>
-          </a:xfrm>
-          <a:prstGeom prst="rect">
-            <a:avLst/>
-          </a:prstGeom>
-          <a:noFill/>
-          <a:extLst>
-            <a:ext uri="{909E8E84-426E-40DD-AFC4-6F175D3DCCD1}">
-              <a14:hiddenFill xmlns:a14="http://schemas.microsoft.com/office/drawing/2010/main">
-                <a:solidFill>
-                  <a:srgbClr val="FFFFFF"/>
-                </a:solidFill>
-              </a14:hiddenFill>
-            </a:ext>
-          </a:extLst>
-        </p:spPr>
-      </p:pic>
-      <p:grpSp>
-        <p:nvGrpSpPr>
-          <p:cNvPr id="7" name="그룹 6">
-            <a:extLst>
-              <a:ext uri="{FF2B5EF4-FFF2-40B4-BE49-F238E27FC236}">
-                <a16:creationId xmlns:a16="http://schemas.microsoft.com/office/drawing/2014/main" id="{1DAF8802-C152-4600-929D-2DCF84E76CC8}"/>
-              </a:ext>
-            </a:extLst>
-          </p:cNvPr>
-          <p:cNvGrpSpPr/>
-          <p:nvPr/>
-        </p:nvGrpSpPr>
-        <p:grpSpPr>
-          <a:xfrm>
-            <a:off x="-1103845" y="-19050"/>
-            <a:ext cx="3072663" cy="1395190"/>
-            <a:chOff x="10359306" y="124840"/>
-            <a:chExt cx="3072663" cy="1395190"/>
-          </a:xfrm>
-        </p:grpSpPr>
-        <p:sp>
-          <p:nvSpPr>
-            <p:cNvPr id="8" name="TextBox 7">
-              <a:extLst>
-                <a:ext uri="{FF2B5EF4-FFF2-40B4-BE49-F238E27FC236}">
-                  <a16:creationId xmlns:a16="http://schemas.microsoft.com/office/drawing/2014/main" id="{287574C0-033D-4970-B4E0-D7F9026E8235}"/>
-                </a:ext>
-              </a:extLst>
-            </p:cNvPr>
-            <p:cNvSpPr txBox="1"/>
-            <p:nvPr/>
-          </p:nvSpPr>
-          <p:spPr>
-            <a:xfrm>
-              <a:off x="10359306" y="555727"/>
-              <a:ext cx="3072663" cy="964303"/>
-            </a:xfrm>
-            <a:prstGeom prst="rect">
-              <a:avLst/>
-            </a:prstGeom>
-            <a:noFill/>
-          </p:spPr>
-          <p:txBody>
-            <a:bodyPr wrap="square" rtlCol="0">
-              <a:spAutoFit/>
-            </a:bodyPr>
-            <a:lstStyle/>
-            <a:p>
-              <a:pPr algn="ctr">
-                <a:lnSpc>
-                  <a:spcPct val="150000"/>
-                </a:lnSpc>
-              </a:pPr>
-              <a:r>
-                <a:rPr lang="en-US" altLang="ko-KR" sz="2000" dirty="0">
-                  <a:latin typeface="에스코어 드림 9 Black" panose="020B0A03030302020204" pitchFamily="34" charset="-127"/>
-                  <a:ea typeface="에스코어 드림 9 Black" panose="020B0A03030302020204" pitchFamily="34" charset="-127"/>
-                </a:rPr>
-                <a:t> </a:t>
-              </a:r>
-              <a:r>
-                <a:rPr lang="en-US" altLang="ko-KR" sz="1600" spc="-150" dirty="0">
-                  <a:latin typeface="에스코어 드림 3 Light" panose="020B0303030302020204" pitchFamily="34" charset="-127"/>
-                  <a:ea typeface="에스코어 드림 3 Light" panose="020B0303030302020204" pitchFamily="34" charset="-127"/>
-                </a:rPr>
-                <a:t>TITLE</a:t>
-              </a:r>
-              <a:endParaRPr lang="en-US" altLang="ko-KR" sz="2000" spc="-150" dirty="0">
-                <a:latin typeface="에스코어 드림 3 Light" panose="020B0303030302020204" pitchFamily="34" charset="-127"/>
-                <a:ea typeface="에스코어 드림 3 Light" panose="020B0303030302020204" pitchFamily="34" charset="-127"/>
-              </a:endParaRPr>
-            </a:p>
-            <a:p>
-              <a:pPr algn="ctr">
-                <a:lnSpc>
-                  <a:spcPct val="150000"/>
-                </a:lnSpc>
-              </a:pPr>
-              <a:endParaRPr lang="en-US" altLang="ko-KR" sz="2000" dirty="0">
-                <a:latin typeface="에스코어 드림 9 Black" panose="020B0A03030302020204" pitchFamily="34" charset="-127"/>
-                <a:ea typeface="에스코어 드림 9 Black" panose="020B0A03030302020204" pitchFamily="34" charset="-127"/>
-              </a:endParaRPr>
-            </a:p>
-          </p:txBody>
-        </p:sp>
-        <p:sp>
-          <p:nvSpPr>
-            <p:cNvPr id="9" name="TextBox 8">
-              <a:extLst>
-                <a:ext uri="{FF2B5EF4-FFF2-40B4-BE49-F238E27FC236}">
-                  <a16:creationId xmlns:a16="http://schemas.microsoft.com/office/drawing/2014/main" id="{6BD316B4-E538-4069-A40B-6D8AE7489EDF}"/>
-                </a:ext>
-              </a:extLst>
-            </p:cNvPr>
-            <p:cNvSpPr txBox="1"/>
-            <p:nvPr/>
-          </p:nvSpPr>
-          <p:spPr>
-            <a:xfrm rot="5400000">
-              <a:off x="11782843" y="-118969"/>
-              <a:ext cx="861774" cy="1349392"/>
-            </a:xfrm>
-            <a:prstGeom prst="rect">
-              <a:avLst/>
-            </a:prstGeom>
-            <a:noFill/>
-          </p:spPr>
-          <p:txBody>
-            <a:bodyPr vert="vert270" wrap="square" rtlCol="0">
-              <a:spAutoFit/>
-            </a:bodyPr>
-            <a:lstStyle/>
-            <a:p>
-              <a:r>
-                <a:rPr lang="en-US" altLang="ko-KR" sz="4400" spc="-300" dirty="0">
-                  <a:latin typeface="에스코어 드림 9 Black" panose="020B0A03030302020204" pitchFamily="34" charset="-127"/>
-                  <a:ea typeface="에스코어 드림 9 Black" panose="020B0A03030302020204" pitchFamily="34" charset="-127"/>
-                </a:rPr>
-                <a:t>01</a:t>
-              </a:r>
-              <a:endParaRPr lang="ko-KR" altLang="en-US" sz="4400" spc="-300" dirty="0">
-                <a:latin typeface="에스코어 드림 9 Black" panose="020B0A03030302020204" pitchFamily="34" charset="-127"/>
-                <a:ea typeface="에스코어 드림 9 Black" panose="020B0A03030302020204" pitchFamily="34" charset="-127"/>
-              </a:endParaRPr>
-            </a:p>
-          </p:txBody>
-        </p:sp>
-      </p:grpSp>
-      <p:sp>
-        <p:nvSpPr>
-          <p:cNvPr id="2" name="직사각형 1">
-            <a:extLst>
-              <a:ext uri="{FF2B5EF4-FFF2-40B4-BE49-F238E27FC236}">
-                <a16:creationId xmlns:a16="http://schemas.microsoft.com/office/drawing/2014/main" id="{50EFF615-E05F-4CF1-8CCA-1145E49D4656}"/>
-              </a:ext>
-            </a:extLst>
-          </p:cNvPr>
-          <p:cNvSpPr/>
-          <p:nvPr/>
-        </p:nvSpPr>
-        <p:spPr>
-          <a:xfrm>
-            <a:off x="7010400" y="2102318"/>
-            <a:ext cx="2653364" cy="2653364"/>
-          </a:xfrm>
-          <a:prstGeom prst="rect">
-            <a:avLst/>
-          </a:prstGeom>
-          <a:solidFill>
-            <a:schemeClr val="bg1"/>
-          </a:solidFill>
-          <a:ln>
-            <a:noFill/>
-          </a:ln>
-        </p:spPr>
-        <p:style>
-          <a:lnRef idx="2">
-            <a:schemeClr val="accent1">
-              <a:shade val="50000"/>
-            </a:schemeClr>
-          </a:lnRef>
-          <a:fillRef idx="1">
-            <a:schemeClr val="accent1"/>
-          </a:fillRef>
-          <a:effectRef idx="0">
-            <a:schemeClr val="accent1"/>
-          </a:effectRef>
-          <a:fontRef idx="minor">
-            <a:schemeClr val="lt1"/>
-          </a:fontRef>
-        </p:style>
-        <p:txBody>
-          <a:bodyPr rtlCol="0" anchor="ctr"/>
-          <a:lstStyle/>
-          <a:p>
-            <a:pPr algn="ctr"/>
-            <a:endParaRPr lang="ko-KR" altLang="en-US"/>
-          </a:p>
-        </p:txBody>
-      </p:sp>
-      <p:sp>
-        <p:nvSpPr>
-          <p:cNvPr id="11" name="직사각형 10">
-            <a:extLst>
-              <a:ext uri="{FF2B5EF4-FFF2-40B4-BE49-F238E27FC236}">
-                <a16:creationId xmlns:a16="http://schemas.microsoft.com/office/drawing/2014/main" id="{878A8169-A4AF-481C-82D1-DDA55A469808}"/>
-              </a:ext>
-            </a:extLst>
-          </p:cNvPr>
-          <p:cNvSpPr/>
-          <p:nvPr/>
-        </p:nvSpPr>
-        <p:spPr>
-          <a:xfrm>
-            <a:off x="4265596" y="2102318"/>
-            <a:ext cx="2653364" cy="2653364"/>
-          </a:xfrm>
-          <a:prstGeom prst="rect">
-            <a:avLst/>
-          </a:prstGeom>
-          <a:solidFill>
-            <a:schemeClr val="bg1"/>
-          </a:solidFill>
-          <a:ln>
-            <a:noFill/>
-          </a:ln>
-        </p:spPr>
-        <p:style>
-          <a:lnRef idx="2">
-            <a:schemeClr val="accent1">
-              <a:shade val="50000"/>
-            </a:schemeClr>
-          </a:lnRef>
-          <a:fillRef idx="1">
-            <a:schemeClr val="accent1"/>
-          </a:fillRef>
-          <a:effectRef idx="0">
-            <a:schemeClr val="accent1"/>
-          </a:effectRef>
-          <a:fontRef idx="minor">
-            <a:schemeClr val="lt1"/>
-          </a:fontRef>
-        </p:style>
-        <p:txBody>
-          <a:bodyPr rtlCol="0" anchor="ctr"/>
-          <a:lstStyle/>
-          <a:p>
-            <a:pPr algn="ctr"/>
-            <a:endParaRPr lang="ko-KR" altLang="en-US"/>
-          </a:p>
-        </p:txBody>
-      </p:sp>
-      <p:sp>
-        <p:nvSpPr>
-          <p:cNvPr id="12" name="직사각형 11">
-            <a:extLst>
-              <a:ext uri="{FF2B5EF4-FFF2-40B4-BE49-F238E27FC236}">
-                <a16:creationId xmlns:a16="http://schemas.microsoft.com/office/drawing/2014/main" id="{690948D8-E193-496B-BCFC-C4C9D49A17DB}"/>
-              </a:ext>
-            </a:extLst>
-          </p:cNvPr>
-          <p:cNvSpPr/>
-          <p:nvPr/>
-        </p:nvSpPr>
-        <p:spPr>
-          <a:xfrm>
-            <a:off x="1520792" y="2102318"/>
-            <a:ext cx="2653364" cy="2653364"/>
-          </a:xfrm>
-          <a:prstGeom prst="rect">
-            <a:avLst/>
-          </a:prstGeom>
-          <a:solidFill>
-            <a:schemeClr val="bg2">
-              <a:lumMod val="25000"/>
-            </a:schemeClr>
-          </a:solidFill>
-          <a:ln>
-            <a:noFill/>
-          </a:ln>
-        </p:spPr>
-        <p:style>
-          <a:lnRef idx="2">
-            <a:schemeClr val="accent1">
-              <a:shade val="50000"/>
-            </a:schemeClr>
-          </a:lnRef>
-          <a:fillRef idx="1">
-            <a:schemeClr val="accent1"/>
-          </a:fillRef>
-          <a:effectRef idx="0">
-            <a:schemeClr val="accent1"/>
-          </a:effectRef>
-          <a:fontRef idx="minor">
-            <a:schemeClr val="lt1"/>
-          </a:fontRef>
-        </p:style>
-        <p:txBody>
-          <a:bodyPr rtlCol="0" anchor="ctr"/>
-          <a:lstStyle/>
-          <a:p>
-            <a:pPr algn="ctr"/>
-            <a:endParaRPr lang="ko-KR" altLang="en-US"/>
-          </a:p>
-        </p:txBody>
-      </p:sp>
-      <p:sp>
-        <p:nvSpPr>
-          <p:cNvPr id="14" name="TextBox 13">
-            <a:extLst>
-              <a:ext uri="{FF2B5EF4-FFF2-40B4-BE49-F238E27FC236}">
-                <a16:creationId xmlns:a16="http://schemas.microsoft.com/office/drawing/2014/main" id="{B16FED0D-3C94-4976-A9E1-C8B1ADC11495}"/>
-              </a:ext>
-            </a:extLst>
-          </p:cNvPr>
-          <p:cNvSpPr txBox="1"/>
-          <p:nvPr/>
-        </p:nvSpPr>
-        <p:spPr>
-          <a:xfrm>
-            <a:off x="2137034" y="3066986"/>
-            <a:ext cx="1455019" cy="646331"/>
-          </a:xfrm>
-          <a:prstGeom prst="rect">
-            <a:avLst/>
-          </a:prstGeom>
-          <a:noFill/>
-        </p:spPr>
-        <p:txBody>
-          <a:bodyPr wrap="square">
-            <a:spAutoFit/>
-          </a:bodyPr>
-          <a:lstStyle/>
-          <a:p>
-            <a:pPr algn="ctr"/>
-            <a:r>
-              <a:rPr lang="ko-KR" altLang="en-US" spc="-150" dirty="0">
-                <a:solidFill>
-                  <a:schemeClr val="bg1"/>
-                </a:solidFill>
-                <a:latin typeface="에스코어 드림 3 Light" panose="020B0303030302020204" pitchFamily="34" charset="-127"/>
-                <a:ea typeface="에스코어 드림 3 Light" panose="020B0303030302020204" pitchFamily="34" charset="-127"/>
-              </a:rPr>
-              <a:t>내용을</a:t>
-            </a:r>
-            <a:endParaRPr lang="en-US" altLang="ko-KR" spc="-150" dirty="0">
-              <a:solidFill>
-                <a:schemeClr val="bg1"/>
-              </a:solidFill>
-              <a:latin typeface="에스코어 드림 3 Light" panose="020B0303030302020204" pitchFamily="34" charset="-127"/>
-              <a:ea typeface="에스코어 드림 3 Light" panose="020B0303030302020204" pitchFamily="34" charset="-127"/>
-            </a:endParaRPr>
-          </a:p>
-          <a:p>
-            <a:r>
-              <a:rPr lang="ko-KR" altLang="en-US" spc="-150" dirty="0">
-                <a:solidFill>
-                  <a:schemeClr val="bg1"/>
-                </a:solidFill>
-                <a:latin typeface="에스코어 드림 3 Light" panose="020B0303030302020204" pitchFamily="34" charset="-127"/>
-                <a:ea typeface="에스코어 드림 3 Light" panose="020B0303030302020204" pitchFamily="34" charset="-127"/>
-              </a:rPr>
-              <a:t> 적어주세요</a:t>
-            </a:r>
-            <a:endParaRPr lang="ko-KR" altLang="en-US" dirty="0">
-              <a:solidFill>
-                <a:schemeClr val="bg1"/>
-              </a:solidFill>
-            </a:endParaRPr>
-          </a:p>
-        </p:txBody>
-      </p:sp>
-      <p:sp>
-        <p:nvSpPr>
-          <p:cNvPr id="17" name="TextBox 16">
-            <a:extLst>
-              <a:ext uri="{FF2B5EF4-FFF2-40B4-BE49-F238E27FC236}">
-                <a16:creationId xmlns:a16="http://schemas.microsoft.com/office/drawing/2014/main" id="{6AAAAAB3-C311-41CE-AAA8-3A1C04D74826}"/>
-              </a:ext>
-            </a:extLst>
-          </p:cNvPr>
-          <p:cNvSpPr txBox="1"/>
-          <p:nvPr/>
-        </p:nvSpPr>
-        <p:spPr>
-          <a:xfrm>
-            <a:off x="4659303" y="2928487"/>
-            <a:ext cx="2034589" cy="923330"/>
-          </a:xfrm>
-          <a:prstGeom prst="rect">
-            <a:avLst/>
-          </a:prstGeom>
-          <a:noFill/>
-        </p:spPr>
-        <p:txBody>
-          <a:bodyPr wrap="square">
-            <a:spAutoFit/>
-          </a:bodyPr>
-          <a:lstStyle/>
-          <a:p>
-            <a:r>
-              <a:rPr lang="ko-KR" altLang="en-US" spc="-150" dirty="0">
-                <a:solidFill>
-                  <a:prstClr val="black"/>
-                </a:solidFill>
-                <a:latin typeface="에스코어 드림 3 Light" panose="020B0303030302020204" pitchFamily="34" charset="-127"/>
-                <a:ea typeface="에스코어 드림 3 Light" panose="020B0303030302020204" pitchFamily="34" charset="-127"/>
-              </a:rPr>
-              <a:t>내용을 적어주세요</a:t>
-            </a:r>
-            <a:endParaRPr lang="en-US" altLang="ko-KR" spc="-150" dirty="0">
-              <a:solidFill>
-                <a:prstClr val="black"/>
-              </a:solidFill>
-              <a:latin typeface="에스코어 드림 3 Light" panose="020B0303030302020204" pitchFamily="34" charset="-127"/>
-              <a:ea typeface="에스코어 드림 3 Light" panose="020B0303030302020204" pitchFamily="34" charset="-127"/>
-            </a:endParaRPr>
-          </a:p>
-          <a:p>
-            <a:r>
-              <a:rPr lang="ko-KR" altLang="en-US" sz="1800" spc="-150" dirty="0">
-                <a:solidFill>
-                  <a:prstClr val="black"/>
-                </a:solidFill>
-                <a:latin typeface="에스코어 드림 3 Light" panose="020B0303030302020204" pitchFamily="34" charset="-127"/>
-                <a:ea typeface="에스코어 드림 3 Light" panose="020B0303030302020204" pitchFamily="34" charset="-127"/>
-              </a:rPr>
-              <a:t>내용을 적어주세요</a:t>
-            </a:r>
-            <a:endParaRPr lang="en-US" altLang="ko-KR" sz="1800" spc="-150" dirty="0">
-              <a:solidFill>
-                <a:prstClr val="black"/>
-              </a:solidFill>
-              <a:latin typeface="에스코어 드림 3 Light" panose="020B0303030302020204" pitchFamily="34" charset="-127"/>
-              <a:ea typeface="에스코어 드림 3 Light" panose="020B0303030302020204" pitchFamily="34" charset="-127"/>
-            </a:endParaRPr>
-          </a:p>
-          <a:p>
-            <a:r>
-              <a:rPr lang="ko-KR" altLang="en-US" spc="-150" dirty="0">
-                <a:solidFill>
-                  <a:prstClr val="black"/>
-                </a:solidFill>
-                <a:latin typeface="에스코어 드림 3 Light" panose="020B0303030302020204" pitchFamily="34" charset="-127"/>
-                <a:ea typeface="에스코어 드림 3 Light" panose="020B0303030302020204" pitchFamily="34" charset="-127"/>
-              </a:rPr>
-              <a:t>내용을 적어주세요</a:t>
-            </a:r>
-            <a:r>
-              <a:rPr lang="ko-KR" altLang="en-US" sz="1800" spc="-150" dirty="0">
-                <a:solidFill>
-                  <a:prstClr val="black"/>
-                </a:solidFill>
-                <a:latin typeface="에스코어 드림 3 Light" panose="020B0303030302020204" pitchFamily="34" charset="-127"/>
-                <a:ea typeface="에스코어 드림 3 Light" panose="020B0303030302020204" pitchFamily="34" charset="-127"/>
-              </a:rPr>
-              <a:t> </a:t>
-            </a:r>
-            <a:endParaRPr lang="ko-KR" altLang="en-US" dirty="0"/>
-          </a:p>
-        </p:txBody>
-      </p:sp>
-      <p:sp>
-        <p:nvSpPr>
-          <p:cNvPr id="18" name="TextBox 17">
-            <a:extLst>
-              <a:ext uri="{FF2B5EF4-FFF2-40B4-BE49-F238E27FC236}">
-                <a16:creationId xmlns:a16="http://schemas.microsoft.com/office/drawing/2014/main" id="{40360A7E-BBFB-4A4F-A54D-9E3AAF26BC10}"/>
-              </a:ext>
-            </a:extLst>
-          </p:cNvPr>
-          <p:cNvSpPr txBox="1"/>
-          <p:nvPr/>
-        </p:nvSpPr>
-        <p:spPr>
-          <a:xfrm>
-            <a:off x="7338363" y="2928486"/>
-            <a:ext cx="2034589" cy="923330"/>
-          </a:xfrm>
-          <a:prstGeom prst="rect">
-            <a:avLst/>
-          </a:prstGeom>
-          <a:noFill/>
-        </p:spPr>
-        <p:txBody>
-          <a:bodyPr wrap="square">
-            <a:spAutoFit/>
-          </a:bodyPr>
-          <a:lstStyle/>
-          <a:p>
-            <a:r>
-              <a:rPr lang="ko-KR" altLang="en-US" spc="-150" dirty="0">
-                <a:solidFill>
-                  <a:prstClr val="black"/>
-                </a:solidFill>
-                <a:latin typeface="에스코어 드림 3 Light" panose="020B0303030302020204" pitchFamily="34" charset="-127"/>
-                <a:ea typeface="에스코어 드림 3 Light" panose="020B0303030302020204" pitchFamily="34" charset="-127"/>
-              </a:rPr>
-              <a:t>내용을 적어주세요</a:t>
-            </a:r>
-            <a:endParaRPr lang="en-US" altLang="ko-KR" spc="-150" dirty="0">
-              <a:solidFill>
-                <a:prstClr val="black"/>
-              </a:solidFill>
-              <a:latin typeface="에스코어 드림 3 Light" panose="020B0303030302020204" pitchFamily="34" charset="-127"/>
-              <a:ea typeface="에스코어 드림 3 Light" panose="020B0303030302020204" pitchFamily="34" charset="-127"/>
-            </a:endParaRPr>
-          </a:p>
-          <a:p>
-            <a:r>
-              <a:rPr lang="ko-KR" altLang="en-US" sz="1800" spc="-150" dirty="0">
-                <a:solidFill>
-                  <a:prstClr val="black"/>
-                </a:solidFill>
-                <a:latin typeface="에스코어 드림 3 Light" panose="020B0303030302020204" pitchFamily="34" charset="-127"/>
-                <a:ea typeface="에스코어 드림 3 Light" panose="020B0303030302020204" pitchFamily="34" charset="-127"/>
-              </a:rPr>
-              <a:t>내용을 적어주세요</a:t>
-            </a:r>
-            <a:endParaRPr lang="en-US" altLang="ko-KR" sz="1800" spc="-150" dirty="0">
-              <a:solidFill>
-                <a:prstClr val="black"/>
-              </a:solidFill>
-              <a:latin typeface="에스코어 드림 3 Light" panose="020B0303030302020204" pitchFamily="34" charset="-127"/>
-              <a:ea typeface="에스코어 드림 3 Light" panose="020B0303030302020204" pitchFamily="34" charset="-127"/>
-            </a:endParaRPr>
-          </a:p>
-          <a:p>
-            <a:r>
-              <a:rPr lang="ko-KR" altLang="en-US" spc="-150" dirty="0">
-                <a:solidFill>
-                  <a:prstClr val="black"/>
-                </a:solidFill>
-                <a:latin typeface="에스코어 드림 3 Light" panose="020B0303030302020204" pitchFamily="34" charset="-127"/>
-                <a:ea typeface="에스코어 드림 3 Light" panose="020B0303030302020204" pitchFamily="34" charset="-127"/>
-              </a:rPr>
-              <a:t>내용을 적어주세요</a:t>
-            </a:r>
-            <a:r>
-              <a:rPr lang="ko-KR" altLang="en-US" sz="1800" spc="-150" dirty="0">
-                <a:solidFill>
-                  <a:prstClr val="black"/>
-                </a:solidFill>
-                <a:latin typeface="에스코어 드림 3 Light" panose="020B0303030302020204" pitchFamily="34" charset="-127"/>
-                <a:ea typeface="에스코어 드림 3 Light" panose="020B0303030302020204" pitchFamily="34" charset="-127"/>
-              </a:rPr>
-              <a:t> </a:t>
-            </a:r>
-            <a:endParaRPr lang="ko-KR" altLang="en-US" dirty="0"/>
-          </a:p>
-        </p:txBody>
-      </p:sp>
-    </p:spTree>
-    <p:extLst>
-      <p:ext uri="{BB962C8B-B14F-4D97-AF65-F5344CB8AC3E}">
-        <p14:creationId xmlns:p14="http://schemas.microsoft.com/office/powerpoint/2010/main" val="3192969625"/>
-      </p:ext>
-    </p:extLst>
-  </p:cSld>
-  <p:clrMapOvr>
-    <a:masterClrMapping/>
-  </p:clrMapOvr>
-</p:sld>
-</file>
-
-<file path=ppt/slides/slide9.xml><?xml version="1.0" encoding="utf-8"?>
-<p:sld xmlns:a="http://schemas.openxmlformats.org/drawingml/2006/main" xmlns:r="http://schemas.openxmlformats.org/officeDocument/2006/relationships" xmlns:p="http://schemas.openxmlformats.org/presentationml/2006/main">
-  <p:cSld>
-    <p:bg>
-      <p:bgPr>
-        <a:solidFill>
-          <a:srgbClr val="EEEEEE"/>
-        </a:solidFill>
-        <a:effectLst/>
-      </p:bgPr>
-    </p:bg>
-    <p:spTree>
-      <p:nvGrpSpPr>
-        <p:cNvPr id="1" name=""/>
-        <p:cNvGrpSpPr/>
-        <p:nvPr/>
-      </p:nvGrpSpPr>
-      <p:grpSpPr>
-        <a:xfrm>
-          <a:off x="0" y="0"/>
-          <a:ext cx="0" cy="0"/>
-          <a:chOff x="0" y="0"/>
-          <a:chExt cx="0" cy="0"/>
-        </a:xfrm>
-      </p:grpSpPr>
-      <p:grpSp>
-        <p:nvGrpSpPr>
-          <p:cNvPr id="4" name="그룹 3">
-            <a:extLst>
-              <a:ext uri="{FF2B5EF4-FFF2-40B4-BE49-F238E27FC236}">
-                <a16:creationId xmlns:a16="http://schemas.microsoft.com/office/drawing/2014/main" id="{2EDD20DE-2800-4677-822C-C7D713E2E80B}"/>
-              </a:ext>
-            </a:extLst>
-          </p:cNvPr>
-          <p:cNvGrpSpPr/>
-          <p:nvPr/>
-        </p:nvGrpSpPr>
-        <p:grpSpPr>
-          <a:xfrm>
-            <a:off x="11715750" y="184150"/>
-            <a:ext cx="253518" cy="190500"/>
-            <a:chOff x="11715750" y="184150"/>
-            <a:chExt cx="253518" cy="190500"/>
-          </a:xfrm>
-        </p:grpSpPr>
-        <p:sp>
-          <p:nvSpPr>
-            <p:cNvPr id="5" name="직사각형 4">
-              <a:extLst>
-                <a:ext uri="{FF2B5EF4-FFF2-40B4-BE49-F238E27FC236}">
-                  <a16:creationId xmlns:a16="http://schemas.microsoft.com/office/drawing/2014/main" id="{96F22FE3-E920-4C24-BF64-7719B5CF0CC4}"/>
-                </a:ext>
-              </a:extLst>
-            </p:cNvPr>
-            <p:cNvSpPr/>
-            <p:nvPr/>
-          </p:nvSpPr>
-          <p:spPr>
-            <a:xfrm>
-              <a:off x="11715750" y="184150"/>
-              <a:ext cx="190500" cy="190500"/>
-            </a:xfrm>
-            <a:prstGeom prst="rect">
-              <a:avLst/>
-            </a:prstGeom>
-            <a:solidFill>
-              <a:schemeClr val="tx1"/>
-            </a:solidFill>
-            <a:ln>
-              <a:solidFill>
-                <a:schemeClr val="tx1"/>
-              </a:solidFill>
-            </a:ln>
-          </p:spPr>
-          <p:style>
-            <a:lnRef idx="2">
-              <a:schemeClr val="accent1">
-                <a:shade val="50000"/>
-              </a:schemeClr>
-            </a:lnRef>
-            <a:fillRef idx="1">
-              <a:schemeClr val="accent1"/>
-            </a:fillRef>
-            <a:effectRef idx="0">
-              <a:schemeClr val="accent1"/>
-            </a:effectRef>
-            <a:fontRef idx="minor">
-              <a:schemeClr val="lt1"/>
-            </a:fontRef>
-          </p:style>
-          <p:txBody>
-            <a:bodyPr rtlCol="0" anchor="ctr"/>
-            <a:lstStyle/>
-            <a:p>
-              <a:pPr algn="ctr"/>
-              <a:endParaRPr lang="ko-KR" altLang="en-US"/>
-            </a:p>
-          </p:txBody>
-        </p:sp>
-        <p:cxnSp>
-          <p:nvCxnSpPr>
-            <p:cNvPr id="6" name="직선 연결선 5">
-              <a:extLst>
-                <a:ext uri="{FF2B5EF4-FFF2-40B4-BE49-F238E27FC236}">
-                  <a16:creationId xmlns:a16="http://schemas.microsoft.com/office/drawing/2014/main" id="{E2CD7011-8AA3-4F82-91C4-D4F5941CE6DE}"/>
-                </a:ext>
-              </a:extLst>
-            </p:cNvPr>
-            <p:cNvCxnSpPr>
-              <a:cxnSpLocks/>
-            </p:cNvCxnSpPr>
-            <p:nvPr/>
-          </p:nvCxnSpPr>
-          <p:spPr>
-            <a:xfrm flipV="1">
-              <a:off x="11969267" y="184150"/>
-              <a:ext cx="1" cy="184150"/>
-            </a:xfrm>
-            <a:prstGeom prst="line">
-              <a:avLst/>
-            </a:prstGeom>
-            <a:ln>
-              <a:solidFill>
-                <a:schemeClr val="tx1"/>
-              </a:solidFill>
-            </a:ln>
-          </p:spPr>
-          <p:style>
-            <a:lnRef idx="1">
-              <a:schemeClr val="accent1"/>
-            </a:lnRef>
-            <a:fillRef idx="0">
-              <a:schemeClr val="accent1"/>
-            </a:fillRef>
-            <a:effectRef idx="0">
-              <a:schemeClr val="accent1"/>
-            </a:effectRef>
-            <a:fontRef idx="minor">
-              <a:schemeClr val="tx1"/>
-            </a:fontRef>
-          </p:style>
-        </p:cxnSp>
-      </p:grpSp>
-      <p:sp>
-        <p:nvSpPr>
-          <p:cNvPr id="7" name="TextBox 6">
-            <a:extLst>
-              <a:ext uri="{FF2B5EF4-FFF2-40B4-BE49-F238E27FC236}">
-                <a16:creationId xmlns:a16="http://schemas.microsoft.com/office/drawing/2014/main" id="{33179DB5-DF81-4464-80D8-5D7098E15F12}"/>
-              </a:ext>
-            </a:extLst>
-          </p:cNvPr>
-          <p:cNvSpPr txBox="1"/>
-          <p:nvPr/>
-        </p:nvSpPr>
-        <p:spPr>
-          <a:xfrm>
-            <a:off x="7330974" y="2127473"/>
-            <a:ext cx="2862893" cy="523220"/>
-          </a:xfrm>
-          <a:prstGeom prst="rect">
-            <a:avLst/>
-          </a:prstGeom>
-          <a:noFill/>
-        </p:spPr>
-        <p:txBody>
-          <a:bodyPr wrap="square">
-            <a:spAutoFit/>
-          </a:bodyPr>
-          <a:lstStyle/>
-          <a:p>
-            <a:r>
-              <a:rPr lang="ko-KR" altLang="en-US" sz="2800" spc="-150" dirty="0">
-                <a:latin typeface="에스코어 드림 9 Black" panose="020B0A03030302020204" pitchFamily="34" charset="-127"/>
-                <a:ea typeface="에스코어 드림 9 Black" panose="020B0A03030302020204" pitchFamily="34" charset="-127"/>
-              </a:rPr>
-              <a:t>제목을 적어주세요</a:t>
-            </a:r>
-          </a:p>
-        </p:txBody>
-      </p:sp>
-      <p:grpSp>
-        <p:nvGrpSpPr>
-          <p:cNvPr id="8" name="그룹 7">
-            <a:extLst>
-              <a:ext uri="{FF2B5EF4-FFF2-40B4-BE49-F238E27FC236}">
-                <a16:creationId xmlns:a16="http://schemas.microsoft.com/office/drawing/2014/main" id="{BAED3E11-AAF0-4204-A65A-9890CCE83648}"/>
-              </a:ext>
-            </a:extLst>
-          </p:cNvPr>
-          <p:cNvGrpSpPr/>
-          <p:nvPr/>
-        </p:nvGrpSpPr>
-        <p:grpSpPr>
-          <a:xfrm>
-            <a:off x="-1103845" y="-19050"/>
-            <a:ext cx="3072663" cy="1395190"/>
-            <a:chOff x="10359306" y="124840"/>
-            <a:chExt cx="3072663" cy="1395190"/>
-          </a:xfrm>
-        </p:grpSpPr>
-        <p:sp>
-          <p:nvSpPr>
-            <p:cNvPr id="9" name="TextBox 8">
-              <a:extLst>
-                <a:ext uri="{FF2B5EF4-FFF2-40B4-BE49-F238E27FC236}">
-                  <a16:creationId xmlns:a16="http://schemas.microsoft.com/office/drawing/2014/main" id="{7D64F363-A836-49AD-8B44-4B912ABAC8C0}"/>
-                </a:ext>
-              </a:extLst>
-            </p:cNvPr>
-            <p:cNvSpPr txBox="1"/>
-            <p:nvPr/>
-          </p:nvSpPr>
-          <p:spPr>
-            <a:xfrm>
-              <a:off x="10359306" y="555727"/>
-              <a:ext cx="3072663" cy="964303"/>
-            </a:xfrm>
-            <a:prstGeom prst="rect">
-              <a:avLst/>
-            </a:prstGeom>
-            <a:noFill/>
-          </p:spPr>
-          <p:txBody>
-            <a:bodyPr wrap="square" rtlCol="0">
-              <a:spAutoFit/>
-            </a:bodyPr>
-            <a:lstStyle/>
-            <a:p>
-              <a:pPr algn="ctr">
-                <a:lnSpc>
-                  <a:spcPct val="150000"/>
-                </a:lnSpc>
-              </a:pPr>
-              <a:r>
-                <a:rPr lang="en-US" altLang="ko-KR" sz="2000" dirty="0">
-                  <a:latin typeface="에스코어 드림 9 Black" panose="020B0A03030302020204" pitchFamily="34" charset="-127"/>
-                  <a:ea typeface="에스코어 드림 9 Black" panose="020B0A03030302020204" pitchFamily="34" charset="-127"/>
-                </a:rPr>
-                <a:t> </a:t>
-              </a:r>
-              <a:r>
-                <a:rPr lang="en-US" altLang="ko-KR" sz="1600" spc="-150" dirty="0">
-                  <a:latin typeface="에스코어 드림 3 Light" panose="020B0303030302020204" pitchFamily="34" charset="-127"/>
-                  <a:ea typeface="에스코어 드림 3 Light" panose="020B0303030302020204" pitchFamily="34" charset="-127"/>
-                </a:rPr>
-                <a:t>TITLE</a:t>
-              </a:r>
-              <a:endParaRPr lang="en-US" altLang="ko-KR" sz="2000" spc="-150" dirty="0">
-                <a:latin typeface="에스코어 드림 3 Light" panose="020B0303030302020204" pitchFamily="34" charset="-127"/>
-                <a:ea typeface="에스코어 드림 3 Light" panose="020B0303030302020204" pitchFamily="34" charset="-127"/>
-              </a:endParaRPr>
-            </a:p>
-            <a:p>
-              <a:pPr algn="ctr">
-                <a:lnSpc>
-                  <a:spcPct val="150000"/>
-                </a:lnSpc>
-              </a:pPr>
-              <a:endParaRPr lang="en-US" altLang="ko-KR" sz="2000" dirty="0">
-                <a:latin typeface="에스코어 드림 9 Black" panose="020B0A03030302020204" pitchFamily="34" charset="-127"/>
-                <a:ea typeface="에스코어 드림 9 Black" panose="020B0A03030302020204" pitchFamily="34" charset="-127"/>
-              </a:endParaRPr>
-            </a:p>
-          </p:txBody>
-        </p:sp>
-        <p:sp>
-          <p:nvSpPr>
-            <p:cNvPr id="10" name="TextBox 9">
-              <a:extLst>
-                <a:ext uri="{FF2B5EF4-FFF2-40B4-BE49-F238E27FC236}">
-                  <a16:creationId xmlns:a16="http://schemas.microsoft.com/office/drawing/2014/main" id="{F562899C-94EB-405B-B82C-78A746CAE7C0}"/>
-                </a:ext>
-              </a:extLst>
-            </p:cNvPr>
-            <p:cNvSpPr txBox="1"/>
-            <p:nvPr/>
-          </p:nvSpPr>
-          <p:spPr>
-            <a:xfrm rot="5400000">
-              <a:off x="11782843" y="-118969"/>
-              <a:ext cx="861774" cy="1349392"/>
-            </a:xfrm>
-            <a:prstGeom prst="rect">
-              <a:avLst/>
-            </a:prstGeom>
-            <a:noFill/>
-          </p:spPr>
-          <p:txBody>
-            <a:bodyPr vert="vert270" wrap="square" rtlCol="0">
-              <a:spAutoFit/>
-            </a:bodyPr>
-            <a:lstStyle/>
-            <a:p>
-              <a:r>
-                <a:rPr lang="en-US" altLang="ko-KR" sz="4400" spc="-300" dirty="0">
-                  <a:latin typeface="에스코어 드림 9 Black" panose="020B0A03030302020204" pitchFamily="34" charset="-127"/>
-                  <a:ea typeface="에스코어 드림 9 Black" panose="020B0A03030302020204" pitchFamily="34" charset="-127"/>
-                </a:rPr>
-                <a:t>01</a:t>
-              </a:r>
-              <a:endParaRPr lang="ko-KR" altLang="en-US" sz="4400" spc="-300" dirty="0">
-                <a:latin typeface="에스코어 드림 9 Black" panose="020B0A03030302020204" pitchFamily="34" charset="-127"/>
-                <a:ea typeface="에스코어 드림 9 Black" panose="020B0A03030302020204" pitchFamily="34" charset="-127"/>
-              </a:endParaRPr>
-            </a:p>
-          </p:txBody>
-        </p:sp>
-      </p:grpSp>
-      <p:grpSp>
-        <p:nvGrpSpPr>
-          <p:cNvPr id="36" name="그룹 35">
-            <a:extLst>
-              <a:ext uri="{FF2B5EF4-FFF2-40B4-BE49-F238E27FC236}">
-                <a16:creationId xmlns:a16="http://schemas.microsoft.com/office/drawing/2014/main" id="{1C8CAF29-4086-49A1-B869-4DF3EE1C3FBC}"/>
-              </a:ext>
-            </a:extLst>
-          </p:cNvPr>
-          <p:cNvGrpSpPr/>
-          <p:nvPr/>
-        </p:nvGrpSpPr>
-        <p:grpSpPr>
-          <a:xfrm>
-            <a:off x="1197426" y="1604253"/>
-            <a:ext cx="3921074" cy="3636750"/>
-            <a:chOff x="1055187" y="2306024"/>
-            <a:chExt cx="3921074" cy="3636750"/>
-          </a:xfrm>
-        </p:grpSpPr>
-        <p:grpSp>
-          <p:nvGrpSpPr>
-            <p:cNvPr id="20" name="그룹 19">
-              <a:extLst>
-                <a:ext uri="{FF2B5EF4-FFF2-40B4-BE49-F238E27FC236}">
-                  <a16:creationId xmlns:a16="http://schemas.microsoft.com/office/drawing/2014/main" id="{62D06092-7732-457C-A51C-A66C31C07DDE}"/>
-                </a:ext>
-              </a:extLst>
-            </p:cNvPr>
-            <p:cNvGrpSpPr/>
-            <p:nvPr/>
-          </p:nvGrpSpPr>
-          <p:grpSpPr>
-            <a:xfrm>
-              <a:off x="1087463" y="2839453"/>
-              <a:ext cx="3888798" cy="2772075"/>
-              <a:chOff x="1087463" y="2839453"/>
-              <a:chExt cx="3888798" cy="2772075"/>
-            </a:xfrm>
-          </p:grpSpPr>
-          <p:sp>
-            <p:nvSpPr>
-              <p:cNvPr id="11" name="직사각형 10">
-                <a:extLst>
-                  <a:ext uri="{FF2B5EF4-FFF2-40B4-BE49-F238E27FC236}">
-                    <a16:creationId xmlns:a16="http://schemas.microsoft.com/office/drawing/2014/main" id="{FE676A97-199A-48F1-AFB1-999599B05E18}"/>
-                  </a:ext>
-                </a:extLst>
-              </p:cNvPr>
-              <p:cNvSpPr/>
-              <p:nvPr/>
-            </p:nvSpPr>
-            <p:spPr>
-              <a:xfrm>
-                <a:off x="1087463" y="5515276"/>
-                <a:ext cx="510330" cy="96252"/>
-              </a:xfrm>
-              <a:prstGeom prst="rect">
-                <a:avLst/>
-              </a:prstGeom>
-              <a:solidFill>
-                <a:schemeClr val="bg1"/>
-              </a:solidFill>
-              <a:ln>
-                <a:noFill/>
-              </a:ln>
-            </p:spPr>
-            <p:style>
-              <a:lnRef idx="2">
-                <a:schemeClr val="accent1">
-                  <a:shade val="50000"/>
-                </a:schemeClr>
-              </a:lnRef>
-              <a:fillRef idx="1">
-                <a:schemeClr val="accent1"/>
-              </a:fillRef>
-              <a:effectRef idx="0">
-                <a:schemeClr val="accent1"/>
-              </a:effectRef>
-              <a:fontRef idx="minor">
-                <a:schemeClr val="lt1"/>
-              </a:fontRef>
-            </p:style>
-            <p:txBody>
-              <a:bodyPr rtlCol="0" anchor="ctr"/>
-              <a:lstStyle/>
-              <a:p>
-                <a:pPr algn="ctr"/>
-                <a:endParaRPr lang="ko-KR" altLang="en-US"/>
-              </a:p>
-            </p:txBody>
-          </p:sp>
-          <p:sp>
-            <p:nvSpPr>
-              <p:cNvPr id="16" name="직사각형 15">
-                <a:extLst>
-                  <a:ext uri="{FF2B5EF4-FFF2-40B4-BE49-F238E27FC236}">
-                    <a16:creationId xmlns:a16="http://schemas.microsoft.com/office/drawing/2014/main" id="{02E7F4B4-BB56-4267-B4BD-30FFAC442E50}"/>
-                  </a:ext>
-                </a:extLst>
-              </p:cNvPr>
-              <p:cNvSpPr/>
-              <p:nvPr/>
-            </p:nvSpPr>
-            <p:spPr>
-              <a:xfrm>
-                <a:off x="1817379" y="5409398"/>
-                <a:ext cx="510330" cy="202130"/>
-              </a:xfrm>
-              <a:prstGeom prst="rect">
-                <a:avLst/>
-              </a:prstGeom>
-              <a:solidFill>
-                <a:schemeClr val="bg1"/>
-              </a:solidFill>
-              <a:ln>
-                <a:noFill/>
-              </a:ln>
-            </p:spPr>
-            <p:style>
-              <a:lnRef idx="2">
-                <a:schemeClr val="accent1">
-                  <a:shade val="50000"/>
-                </a:schemeClr>
-              </a:lnRef>
-              <a:fillRef idx="1">
-                <a:schemeClr val="accent1"/>
-              </a:fillRef>
-              <a:effectRef idx="0">
-                <a:schemeClr val="accent1"/>
-              </a:effectRef>
-              <a:fontRef idx="minor">
-                <a:schemeClr val="lt1"/>
-              </a:fontRef>
-            </p:style>
-            <p:txBody>
-              <a:bodyPr rtlCol="0" anchor="ctr"/>
-              <a:lstStyle/>
-              <a:p>
-                <a:pPr algn="ctr"/>
-                <a:endParaRPr lang="ko-KR" altLang="en-US"/>
-              </a:p>
-            </p:txBody>
-          </p:sp>
-          <p:sp>
-            <p:nvSpPr>
-              <p:cNvPr id="17" name="직사각형 16">
-                <a:extLst>
-                  <a:ext uri="{FF2B5EF4-FFF2-40B4-BE49-F238E27FC236}">
-                    <a16:creationId xmlns:a16="http://schemas.microsoft.com/office/drawing/2014/main" id="{A8B4C1C3-2E1D-4296-9FD0-1D24736E112A}"/>
-                  </a:ext>
-                </a:extLst>
-              </p:cNvPr>
-              <p:cNvSpPr/>
-              <p:nvPr/>
-            </p:nvSpPr>
-            <p:spPr>
-              <a:xfrm>
-                <a:off x="2547295" y="5005137"/>
-                <a:ext cx="510330" cy="606391"/>
-              </a:xfrm>
-              <a:prstGeom prst="rect">
-                <a:avLst/>
-              </a:prstGeom>
-              <a:solidFill>
-                <a:schemeClr val="bg1"/>
-              </a:solidFill>
-              <a:ln>
-                <a:noFill/>
-              </a:ln>
-            </p:spPr>
-            <p:style>
-              <a:lnRef idx="2">
-                <a:schemeClr val="accent1">
-                  <a:shade val="50000"/>
-                </a:schemeClr>
-              </a:lnRef>
-              <a:fillRef idx="1">
-                <a:schemeClr val="accent1"/>
-              </a:fillRef>
-              <a:effectRef idx="0">
-                <a:schemeClr val="accent1"/>
-              </a:effectRef>
-              <a:fontRef idx="minor">
-                <a:schemeClr val="lt1"/>
-              </a:fontRef>
-            </p:style>
-            <p:txBody>
-              <a:bodyPr rtlCol="0" anchor="ctr"/>
-              <a:lstStyle/>
-              <a:p>
-                <a:pPr algn="ctr"/>
-                <a:endParaRPr lang="ko-KR" altLang="en-US"/>
-              </a:p>
-            </p:txBody>
-          </p:sp>
-          <p:sp>
-            <p:nvSpPr>
-              <p:cNvPr id="18" name="직사각형 17">
-                <a:extLst>
-                  <a:ext uri="{FF2B5EF4-FFF2-40B4-BE49-F238E27FC236}">
-                    <a16:creationId xmlns:a16="http://schemas.microsoft.com/office/drawing/2014/main" id="{DB5341D2-3F77-49EC-8B8E-7D0B634CF525}"/>
-                  </a:ext>
-                </a:extLst>
-              </p:cNvPr>
-              <p:cNvSpPr/>
-              <p:nvPr/>
-            </p:nvSpPr>
-            <p:spPr>
-              <a:xfrm>
-                <a:off x="3277211" y="4543124"/>
-                <a:ext cx="510330" cy="1068404"/>
-              </a:xfrm>
-              <a:prstGeom prst="rect">
-                <a:avLst/>
-              </a:prstGeom>
-              <a:solidFill>
-                <a:schemeClr val="bg1"/>
-              </a:solidFill>
-              <a:ln>
-                <a:noFill/>
-              </a:ln>
-            </p:spPr>
-            <p:style>
-              <a:lnRef idx="2">
-                <a:schemeClr val="accent1">
-                  <a:shade val="50000"/>
-                </a:schemeClr>
-              </a:lnRef>
-              <a:fillRef idx="1">
-                <a:schemeClr val="accent1"/>
-              </a:fillRef>
-              <a:effectRef idx="0">
-                <a:schemeClr val="accent1"/>
-              </a:effectRef>
-              <a:fontRef idx="minor">
-                <a:schemeClr val="lt1"/>
-              </a:fontRef>
-            </p:style>
-            <p:txBody>
-              <a:bodyPr rtlCol="0" anchor="ctr"/>
-              <a:lstStyle/>
-              <a:p>
-                <a:pPr algn="ctr"/>
-                <a:endParaRPr lang="ko-KR" altLang="en-US"/>
-              </a:p>
-            </p:txBody>
-          </p:sp>
-          <p:sp>
-            <p:nvSpPr>
-              <p:cNvPr id="19" name="직사각형 18">
-                <a:extLst>
-                  <a:ext uri="{FF2B5EF4-FFF2-40B4-BE49-F238E27FC236}">
-                    <a16:creationId xmlns:a16="http://schemas.microsoft.com/office/drawing/2014/main" id="{20C81FAE-8C1F-4D44-B95E-A416E920FB03}"/>
-                  </a:ext>
-                </a:extLst>
-              </p:cNvPr>
-              <p:cNvSpPr/>
-              <p:nvPr/>
-            </p:nvSpPr>
-            <p:spPr>
-              <a:xfrm>
-                <a:off x="4007127" y="2839453"/>
-                <a:ext cx="969134" cy="2772075"/>
-              </a:xfrm>
-              <a:prstGeom prst="rect">
-                <a:avLst/>
-              </a:prstGeom>
-              <a:solidFill>
-                <a:schemeClr val="bg2">
-                  <a:lumMod val="25000"/>
-                </a:schemeClr>
-              </a:solidFill>
-              <a:ln>
-                <a:noFill/>
-              </a:ln>
-            </p:spPr>
-            <p:style>
-              <a:lnRef idx="2">
-                <a:schemeClr val="accent1">
-                  <a:shade val="50000"/>
-                </a:schemeClr>
-              </a:lnRef>
-              <a:fillRef idx="1">
-                <a:schemeClr val="accent1"/>
-              </a:fillRef>
-              <a:effectRef idx="0">
-                <a:schemeClr val="accent1"/>
-              </a:effectRef>
-              <a:fontRef idx="minor">
-                <a:schemeClr val="lt1"/>
-              </a:fontRef>
-            </p:style>
-            <p:txBody>
-              <a:bodyPr rtlCol="0" anchor="ctr"/>
-              <a:lstStyle/>
-              <a:p>
-                <a:pPr algn="ctr"/>
-                <a:endParaRPr lang="ko-KR" altLang="en-US"/>
-              </a:p>
-            </p:txBody>
-          </p:sp>
-        </p:grpSp>
-        <p:sp>
-          <p:nvSpPr>
-            <p:cNvPr id="22" name="TextBox 21">
-              <a:extLst>
-                <a:ext uri="{FF2B5EF4-FFF2-40B4-BE49-F238E27FC236}">
-                  <a16:creationId xmlns:a16="http://schemas.microsoft.com/office/drawing/2014/main" id="{D2624488-3F09-48D8-A2FF-F5F081792907}"/>
-                </a:ext>
-              </a:extLst>
-            </p:cNvPr>
-            <p:cNvSpPr txBox="1"/>
-            <p:nvPr/>
-          </p:nvSpPr>
-          <p:spPr>
-            <a:xfrm>
-              <a:off x="1055187" y="5174423"/>
-              <a:ext cx="510330" cy="307777"/>
-            </a:xfrm>
-            <a:prstGeom prst="rect">
-              <a:avLst/>
-            </a:prstGeom>
-            <a:noFill/>
-          </p:spPr>
-          <p:txBody>
-            <a:bodyPr wrap="square">
-              <a:spAutoFit/>
-            </a:bodyPr>
-            <a:lstStyle/>
-            <a:p>
-              <a:r>
-                <a:rPr lang="en-US" altLang="ko-KR" sz="1400" spc="-150" dirty="0">
-                  <a:latin typeface="에스코어 드림 3 Light" panose="020B0303030302020204" pitchFamily="34" charset="-127"/>
-                  <a:ea typeface="에스코어 드림 3 Light" panose="020B0303030302020204" pitchFamily="34" charset="-127"/>
-                </a:rPr>
-                <a:t>1</a:t>
-              </a:r>
-              <a:r>
-                <a:rPr lang="ko-KR" altLang="en-US" sz="1400" spc="-150" dirty="0">
-                  <a:latin typeface="에스코어 드림 3 Light" panose="020B0303030302020204" pitchFamily="34" charset="-127"/>
-                  <a:ea typeface="에스코어 드림 3 Light" panose="020B0303030302020204" pitchFamily="34" charset="-127"/>
-                </a:rPr>
-                <a:t>억</a:t>
-              </a:r>
-              <a:endParaRPr lang="ko-KR" altLang="en-US" sz="1400" dirty="0"/>
-            </a:p>
-          </p:txBody>
-        </p:sp>
-        <p:sp>
-          <p:nvSpPr>
-            <p:cNvPr id="23" name="TextBox 22">
-              <a:extLst>
-                <a:ext uri="{FF2B5EF4-FFF2-40B4-BE49-F238E27FC236}">
-                  <a16:creationId xmlns:a16="http://schemas.microsoft.com/office/drawing/2014/main" id="{383A8D07-75D4-4841-A4CB-270C470B12C8}"/>
-                </a:ext>
-              </a:extLst>
-            </p:cNvPr>
-            <p:cNvSpPr txBox="1"/>
-            <p:nvPr/>
-          </p:nvSpPr>
-          <p:spPr>
-            <a:xfrm>
-              <a:off x="1803407" y="5101621"/>
-              <a:ext cx="653298" cy="307777"/>
-            </a:xfrm>
-            <a:prstGeom prst="rect">
-              <a:avLst/>
-            </a:prstGeom>
-            <a:noFill/>
-          </p:spPr>
-          <p:txBody>
-            <a:bodyPr wrap="square">
-              <a:spAutoFit/>
-            </a:bodyPr>
-            <a:lstStyle/>
-            <a:p>
-              <a:r>
-                <a:rPr lang="en-US" altLang="ko-KR" sz="1400" spc="-150" dirty="0">
-                  <a:latin typeface="에스코어 드림 3 Light" panose="020B0303030302020204" pitchFamily="34" charset="-127"/>
-                  <a:ea typeface="에스코어 드림 3 Light" panose="020B0303030302020204" pitchFamily="34" charset="-127"/>
-                </a:rPr>
-                <a:t>10</a:t>
-              </a:r>
-              <a:r>
-                <a:rPr lang="ko-KR" altLang="en-US" sz="1400" spc="-150" dirty="0">
-                  <a:latin typeface="에스코어 드림 3 Light" panose="020B0303030302020204" pitchFamily="34" charset="-127"/>
-                  <a:ea typeface="에스코어 드림 3 Light" panose="020B0303030302020204" pitchFamily="34" charset="-127"/>
-                </a:rPr>
-                <a:t>억</a:t>
-              </a:r>
-              <a:endParaRPr lang="ko-KR" altLang="en-US" sz="1400" dirty="0"/>
-            </a:p>
-          </p:txBody>
-        </p:sp>
-        <p:sp>
-          <p:nvSpPr>
-            <p:cNvPr id="24" name="TextBox 23">
-              <a:extLst>
-                <a:ext uri="{FF2B5EF4-FFF2-40B4-BE49-F238E27FC236}">
-                  <a16:creationId xmlns:a16="http://schemas.microsoft.com/office/drawing/2014/main" id="{CEED730B-81AA-4A49-B475-3DBEA211002D}"/>
-                </a:ext>
-              </a:extLst>
-            </p:cNvPr>
-            <p:cNvSpPr txBox="1"/>
-            <p:nvPr/>
-          </p:nvSpPr>
-          <p:spPr>
-            <a:xfrm>
-              <a:off x="2547295" y="4697360"/>
-              <a:ext cx="653298" cy="307777"/>
-            </a:xfrm>
-            <a:prstGeom prst="rect">
-              <a:avLst/>
-            </a:prstGeom>
-            <a:noFill/>
-          </p:spPr>
-          <p:txBody>
-            <a:bodyPr wrap="square">
-              <a:spAutoFit/>
-            </a:bodyPr>
-            <a:lstStyle/>
-            <a:p>
-              <a:r>
-                <a:rPr lang="en-US" altLang="ko-KR" sz="1400" spc="-150" dirty="0">
-                  <a:latin typeface="에스코어 드림 3 Light" panose="020B0303030302020204" pitchFamily="34" charset="-127"/>
-                  <a:ea typeface="에스코어 드림 3 Light" panose="020B0303030302020204" pitchFamily="34" charset="-127"/>
-                </a:rPr>
-                <a:t>30</a:t>
-              </a:r>
-              <a:r>
-                <a:rPr lang="ko-KR" altLang="en-US" sz="1400" spc="-150" dirty="0">
-                  <a:latin typeface="에스코어 드림 3 Light" panose="020B0303030302020204" pitchFamily="34" charset="-127"/>
-                  <a:ea typeface="에스코어 드림 3 Light" panose="020B0303030302020204" pitchFamily="34" charset="-127"/>
-                </a:rPr>
-                <a:t>억</a:t>
-              </a:r>
-              <a:endParaRPr lang="ko-KR" altLang="en-US" sz="1400" dirty="0"/>
-            </a:p>
-          </p:txBody>
-        </p:sp>
-        <p:sp>
-          <p:nvSpPr>
-            <p:cNvPr id="25" name="TextBox 24">
-              <a:extLst>
-                <a:ext uri="{FF2B5EF4-FFF2-40B4-BE49-F238E27FC236}">
-                  <a16:creationId xmlns:a16="http://schemas.microsoft.com/office/drawing/2014/main" id="{BE2295A8-3F34-41C9-9995-E00360473081}"/>
-                </a:ext>
-              </a:extLst>
-            </p:cNvPr>
-            <p:cNvSpPr txBox="1"/>
-            <p:nvPr/>
-          </p:nvSpPr>
-          <p:spPr>
-            <a:xfrm>
-              <a:off x="3200593" y="4235347"/>
-              <a:ext cx="691511" cy="307777"/>
-            </a:xfrm>
-            <a:prstGeom prst="rect">
-              <a:avLst/>
-            </a:prstGeom>
-            <a:noFill/>
-          </p:spPr>
-          <p:txBody>
-            <a:bodyPr wrap="square">
-              <a:spAutoFit/>
-            </a:bodyPr>
-            <a:lstStyle/>
-            <a:p>
-              <a:r>
-                <a:rPr lang="en-US" altLang="ko-KR" sz="1400" spc="-150" dirty="0">
-                  <a:latin typeface="에스코어 드림 3 Light" panose="020B0303030302020204" pitchFamily="34" charset="-127"/>
-                  <a:ea typeface="에스코어 드림 3 Light" panose="020B0303030302020204" pitchFamily="34" charset="-127"/>
-                </a:rPr>
-                <a:t>100</a:t>
-              </a:r>
-              <a:r>
-                <a:rPr lang="ko-KR" altLang="en-US" sz="1400" spc="-150" dirty="0">
-                  <a:latin typeface="에스코어 드림 3 Light" panose="020B0303030302020204" pitchFamily="34" charset="-127"/>
-                  <a:ea typeface="에스코어 드림 3 Light" panose="020B0303030302020204" pitchFamily="34" charset="-127"/>
-                </a:rPr>
-                <a:t>억</a:t>
-              </a:r>
-              <a:endParaRPr lang="ko-KR" altLang="en-US" sz="1400" dirty="0"/>
-            </a:p>
-          </p:txBody>
-        </p:sp>
-        <p:sp>
-          <p:nvSpPr>
-            <p:cNvPr id="26" name="TextBox 25">
-              <a:extLst>
-                <a:ext uri="{FF2B5EF4-FFF2-40B4-BE49-F238E27FC236}">
-                  <a16:creationId xmlns:a16="http://schemas.microsoft.com/office/drawing/2014/main" id="{D9EC5FCA-6D4D-45AF-A048-63BF3F572A27}"/>
-                </a:ext>
-              </a:extLst>
-            </p:cNvPr>
-            <p:cNvSpPr txBox="1"/>
-            <p:nvPr/>
-          </p:nvSpPr>
-          <p:spPr>
-            <a:xfrm>
-              <a:off x="4180171" y="2306024"/>
-              <a:ext cx="796090" cy="523220"/>
-            </a:xfrm>
-            <a:prstGeom prst="rect">
-              <a:avLst/>
-            </a:prstGeom>
-            <a:noFill/>
-          </p:spPr>
-          <p:txBody>
-            <a:bodyPr wrap="square">
-              <a:spAutoFit/>
-            </a:bodyPr>
-            <a:lstStyle/>
-            <a:p>
-              <a:r>
-                <a:rPr lang="en-US" altLang="ko-KR" sz="2800" spc="-150">
-                  <a:latin typeface="에스코어 드림 3 Light" panose="020B0303030302020204" pitchFamily="34" charset="-127"/>
-                  <a:ea typeface="에스코어 드림 3 Light" panose="020B0303030302020204" pitchFamily="34" charset="-127"/>
-                </a:rPr>
-                <a:t>4</a:t>
-              </a:r>
-              <a:r>
-                <a:rPr lang="ko-KR" altLang="en-US" sz="2800" spc="-150" dirty="0">
-                  <a:latin typeface="에스코어 드림 3 Light" panose="020B0303030302020204" pitchFamily="34" charset="-127"/>
-                  <a:ea typeface="에스코어 드림 3 Light" panose="020B0303030302020204" pitchFamily="34" charset="-127"/>
-                </a:rPr>
-                <a:t>조</a:t>
-              </a:r>
-              <a:endParaRPr lang="ko-KR" altLang="en-US" sz="2800" dirty="0"/>
-            </a:p>
-          </p:txBody>
-        </p:sp>
-        <p:sp>
-          <p:nvSpPr>
-            <p:cNvPr id="27" name="TextBox 26">
-              <a:extLst>
-                <a:ext uri="{FF2B5EF4-FFF2-40B4-BE49-F238E27FC236}">
-                  <a16:creationId xmlns:a16="http://schemas.microsoft.com/office/drawing/2014/main" id="{38A2E025-FDC0-4F69-8E3C-C1133256C801}"/>
-                </a:ext>
-              </a:extLst>
-            </p:cNvPr>
-            <p:cNvSpPr txBox="1"/>
-            <p:nvPr/>
-          </p:nvSpPr>
-          <p:spPr>
-            <a:xfrm>
-              <a:off x="1058587" y="5665775"/>
-              <a:ext cx="510331" cy="276999"/>
-            </a:xfrm>
-            <a:prstGeom prst="rect">
-              <a:avLst/>
-            </a:prstGeom>
-            <a:noFill/>
-          </p:spPr>
-          <p:txBody>
-            <a:bodyPr wrap="square">
-              <a:spAutoFit/>
-            </a:bodyPr>
-            <a:lstStyle/>
-            <a:p>
-              <a:r>
-                <a:rPr lang="en-US" altLang="ko-KR" sz="1200" spc="-150" dirty="0">
-                  <a:latin typeface="에스코어 드림 3 Light" panose="020B0303030302020204" pitchFamily="34" charset="-127"/>
-                  <a:ea typeface="에스코어 드림 3 Light" panose="020B0303030302020204" pitchFamily="34" charset="-127"/>
-                </a:rPr>
-                <a:t>2013</a:t>
-              </a:r>
-              <a:endParaRPr lang="ko-KR" altLang="en-US" sz="1200" dirty="0"/>
-            </a:p>
-          </p:txBody>
-        </p:sp>
-        <p:sp>
-          <p:nvSpPr>
-            <p:cNvPr id="28" name="TextBox 27">
-              <a:extLst>
-                <a:ext uri="{FF2B5EF4-FFF2-40B4-BE49-F238E27FC236}">
-                  <a16:creationId xmlns:a16="http://schemas.microsoft.com/office/drawing/2014/main" id="{60E5EE62-F929-4612-9A5F-C854F8C61E7F}"/>
-                </a:ext>
-              </a:extLst>
-            </p:cNvPr>
-            <p:cNvSpPr txBox="1"/>
-            <p:nvPr/>
-          </p:nvSpPr>
-          <p:spPr>
-            <a:xfrm>
-              <a:off x="1817379" y="5665775"/>
-              <a:ext cx="510331" cy="276999"/>
-            </a:xfrm>
-            <a:prstGeom prst="rect">
-              <a:avLst/>
-            </a:prstGeom>
-            <a:noFill/>
-          </p:spPr>
-          <p:txBody>
-            <a:bodyPr wrap="square">
-              <a:spAutoFit/>
-            </a:bodyPr>
-            <a:lstStyle/>
-            <a:p>
-              <a:r>
-                <a:rPr lang="en-US" altLang="ko-KR" sz="1200" spc="-150" dirty="0">
-                  <a:latin typeface="에스코어 드림 3 Light" panose="020B0303030302020204" pitchFamily="34" charset="-127"/>
-                  <a:ea typeface="에스코어 드림 3 Light" panose="020B0303030302020204" pitchFamily="34" charset="-127"/>
-                </a:rPr>
-                <a:t>2014</a:t>
-              </a:r>
-              <a:endParaRPr lang="ko-KR" altLang="en-US" sz="1200" dirty="0"/>
-            </a:p>
-          </p:txBody>
-        </p:sp>
-        <p:sp>
-          <p:nvSpPr>
-            <p:cNvPr id="29" name="TextBox 28">
-              <a:extLst>
-                <a:ext uri="{FF2B5EF4-FFF2-40B4-BE49-F238E27FC236}">
-                  <a16:creationId xmlns:a16="http://schemas.microsoft.com/office/drawing/2014/main" id="{6EA10419-8F14-4B41-AB66-95B27CFD0EED}"/>
-                </a:ext>
-              </a:extLst>
-            </p:cNvPr>
-            <p:cNvSpPr txBox="1"/>
-            <p:nvPr/>
-          </p:nvSpPr>
-          <p:spPr>
-            <a:xfrm>
-              <a:off x="2576171" y="5665775"/>
-              <a:ext cx="510331" cy="276999"/>
-            </a:xfrm>
-            <a:prstGeom prst="rect">
-              <a:avLst/>
-            </a:prstGeom>
-            <a:noFill/>
-          </p:spPr>
-          <p:txBody>
-            <a:bodyPr wrap="square">
-              <a:spAutoFit/>
-            </a:bodyPr>
-            <a:lstStyle/>
-            <a:p>
-              <a:r>
-                <a:rPr lang="en-US" altLang="ko-KR" sz="1200" spc="-150" dirty="0">
-                  <a:latin typeface="에스코어 드림 3 Light" panose="020B0303030302020204" pitchFamily="34" charset="-127"/>
-                  <a:ea typeface="에스코어 드림 3 Light" panose="020B0303030302020204" pitchFamily="34" charset="-127"/>
-                </a:rPr>
-                <a:t>2015</a:t>
-              </a:r>
-              <a:endParaRPr lang="ko-KR" altLang="en-US" sz="1200" dirty="0"/>
-            </a:p>
-          </p:txBody>
-        </p:sp>
-        <p:sp>
-          <p:nvSpPr>
-            <p:cNvPr id="30" name="TextBox 29">
-              <a:extLst>
-                <a:ext uri="{FF2B5EF4-FFF2-40B4-BE49-F238E27FC236}">
-                  <a16:creationId xmlns:a16="http://schemas.microsoft.com/office/drawing/2014/main" id="{46B15189-349D-4D14-99C0-B328446FF9D5}"/>
-                </a:ext>
-              </a:extLst>
-            </p:cNvPr>
-            <p:cNvSpPr txBox="1"/>
-            <p:nvPr/>
-          </p:nvSpPr>
-          <p:spPr>
-            <a:xfrm>
-              <a:off x="3291182" y="5665775"/>
-              <a:ext cx="510331" cy="276999"/>
-            </a:xfrm>
-            <a:prstGeom prst="rect">
-              <a:avLst/>
-            </a:prstGeom>
-            <a:noFill/>
-          </p:spPr>
-          <p:txBody>
-            <a:bodyPr wrap="square">
-              <a:spAutoFit/>
-            </a:bodyPr>
-            <a:lstStyle/>
-            <a:p>
-              <a:r>
-                <a:rPr lang="en-US" altLang="ko-KR" sz="1200" spc="-150" dirty="0">
-                  <a:latin typeface="에스코어 드림 3 Light" panose="020B0303030302020204" pitchFamily="34" charset="-127"/>
-                  <a:ea typeface="에스코어 드림 3 Light" panose="020B0303030302020204" pitchFamily="34" charset="-127"/>
-                </a:rPr>
-                <a:t>2016</a:t>
-              </a:r>
-              <a:endParaRPr lang="ko-KR" altLang="en-US" sz="1200" dirty="0"/>
-            </a:p>
-          </p:txBody>
-        </p:sp>
-        <p:sp>
-          <p:nvSpPr>
-            <p:cNvPr id="31" name="TextBox 30">
-              <a:extLst>
-                <a:ext uri="{FF2B5EF4-FFF2-40B4-BE49-F238E27FC236}">
-                  <a16:creationId xmlns:a16="http://schemas.microsoft.com/office/drawing/2014/main" id="{4F5A907C-1AFB-43DC-A8E1-0BA6D8C56205}"/>
-                </a:ext>
-              </a:extLst>
-            </p:cNvPr>
-            <p:cNvSpPr txBox="1"/>
-            <p:nvPr/>
-          </p:nvSpPr>
-          <p:spPr>
-            <a:xfrm>
-              <a:off x="4209047" y="5665775"/>
-              <a:ext cx="510331" cy="276999"/>
-            </a:xfrm>
-            <a:prstGeom prst="rect">
-              <a:avLst/>
-            </a:prstGeom>
-            <a:noFill/>
-          </p:spPr>
-          <p:txBody>
-            <a:bodyPr wrap="square">
-              <a:spAutoFit/>
-            </a:bodyPr>
-            <a:lstStyle/>
-            <a:p>
-              <a:r>
-                <a:rPr lang="en-US" altLang="ko-KR" sz="1200" spc="-150" dirty="0">
-                  <a:latin typeface="에스코어 드림 3 Light" panose="020B0303030302020204" pitchFamily="34" charset="-127"/>
-                  <a:ea typeface="에스코어 드림 3 Light" panose="020B0303030302020204" pitchFamily="34" charset="-127"/>
-                </a:rPr>
-                <a:t>2020</a:t>
-              </a:r>
-              <a:endParaRPr lang="ko-KR" altLang="en-US" sz="1200" dirty="0"/>
-            </a:p>
-          </p:txBody>
-        </p:sp>
-      </p:grpSp>
-      <p:sp>
-        <p:nvSpPr>
-          <p:cNvPr id="34" name="TextBox 33">
-            <a:extLst>
-              <a:ext uri="{FF2B5EF4-FFF2-40B4-BE49-F238E27FC236}">
-                <a16:creationId xmlns:a16="http://schemas.microsoft.com/office/drawing/2014/main" id="{CE7EEEB5-DD6A-483B-9F41-7101ED04CC2C}"/>
-              </a:ext>
-            </a:extLst>
-          </p:cNvPr>
-          <p:cNvSpPr txBox="1"/>
-          <p:nvPr/>
-        </p:nvSpPr>
-        <p:spPr>
-          <a:xfrm>
-            <a:off x="6797773" y="2671737"/>
-            <a:ext cx="4164525" cy="2462213"/>
-          </a:xfrm>
-          <a:prstGeom prst="rect">
-            <a:avLst/>
-          </a:prstGeom>
-          <a:noFill/>
-        </p:spPr>
-        <p:txBody>
-          <a:bodyPr wrap="square">
-            <a:spAutoFit/>
-          </a:bodyPr>
-          <a:lstStyle/>
-          <a:p>
-            <a:pPr algn="ctr"/>
-            <a:r>
-              <a:rPr lang="ko-KR" altLang="en-US" sz="1400" spc="-150" dirty="0">
-                <a:solidFill>
-                  <a:prstClr val="black"/>
-                </a:solidFill>
-                <a:latin typeface="에스코어 드림 3 Light" panose="020B0303030302020204" pitchFamily="34" charset="-127"/>
-                <a:ea typeface="에스코어 드림 3 Light" panose="020B0303030302020204" pitchFamily="34" charset="-127"/>
-              </a:rPr>
-              <a:t>본문 내용을 적어주세요 본문 내용을 적어주세요</a:t>
-            </a:r>
-            <a:endParaRPr lang="en-US" altLang="ko-KR" sz="1400" spc="-150" dirty="0">
-              <a:solidFill>
-                <a:prstClr val="black"/>
-              </a:solidFill>
-              <a:latin typeface="에스코어 드림 3 Light" panose="020B0303030302020204" pitchFamily="34" charset="-127"/>
-              <a:ea typeface="에스코어 드림 3 Light" panose="020B0303030302020204" pitchFamily="34" charset="-127"/>
-            </a:endParaRPr>
-          </a:p>
-          <a:p>
-            <a:pPr algn="ctr"/>
-            <a:r>
-              <a:rPr lang="ko-KR" altLang="en-US" sz="1400" spc="-150" dirty="0">
-                <a:solidFill>
-                  <a:prstClr val="black"/>
-                </a:solidFill>
-                <a:latin typeface="에스코어 드림 3 Light" panose="020B0303030302020204" pitchFamily="34" charset="-127"/>
-                <a:ea typeface="에스코어 드림 3 Light" panose="020B0303030302020204" pitchFamily="34" charset="-127"/>
-              </a:rPr>
-              <a:t>본문 내용을 적어주세요 본문 내용을 적어주세요</a:t>
-            </a:r>
-            <a:endParaRPr lang="en-US" altLang="ko-KR" sz="1400" spc="-150" dirty="0">
-              <a:solidFill>
-                <a:prstClr val="black"/>
-              </a:solidFill>
-              <a:latin typeface="에스코어 드림 3 Light" panose="020B0303030302020204" pitchFamily="34" charset="-127"/>
-              <a:ea typeface="에스코어 드림 3 Light" panose="020B0303030302020204" pitchFamily="34" charset="-127"/>
-            </a:endParaRPr>
-          </a:p>
-          <a:p>
-            <a:pPr algn="ctr"/>
-            <a:r>
-              <a:rPr lang="ko-KR" altLang="en-US" sz="1400" spc="-150" dirty="0">
-                <a:solidFill>
-                  <a:prstClr val="black"/>
-                </a:solidFill>
-                <a:latin typeface="에스코어 드림 3 Light" panose="020B0303030302020204" pitchFamily="34" charset="-127"/>
-                <a:ea typeface="에스코어 드림 3 Light" panose="020B0303030302020204" pitchFamily="34" charset="-127"/>
-              </a:rPr>
-              <a:t>본문 내용을 적어주세요 본문 내용을 적어주세요</a:t>
-            </a:r>
-            <a:endParaRPr lang="en-US" altLang="ko-KR" sz="1400" spc="-150" dirty="0">
-              <a:solidFill>
-                <a:prstClr val="black"/>
-              </a:solidFill>
-              <a:latin typeface="에스코어 드림 3 Light" panose="020B0303030302020204" pitchFamily="34" charset="-127"/>
-              <a:ea typeface="에스코어 드림 3 Light" panose="020B0303030302020204" pitchFamily="34" charset="-127"/>
-            </a:endParaRPr>
-          </a:p>
-          <a:p>
-            <a:pPr algn="ctr"/>
-            <a:r>
-              <a:rPr lang="ko-KR" altLang="en-US" sz="1400" spc="-150" dirty="0">
-                <a:solidFill>
-                  <a:prstClr val="black"/>
-                </a:solidFill>
-                <a:latin typeface="에스코어 드림 3 Light" panose="020B0303030302020204" pitchFamily="34" charset="-127"/>
-                <a:ea typeface="에스코어 드림 3 Light" panose="020B0303030302020204" pitchFamily="34" charset="-127"/>
-              </a:rPr>
-              <a:t>본문 내용을 적어주세요 본문 내용을 적어주세요</a:t>
-            </a:r>
-            <a:endParaRPr lang="en-US" altLang="ko-KR" sz="1400" spc="-150" dirty="0">
-              <a:solidFill>
-                <a:prstClr val="black"/>
-              </a:solidFill>
-              <a:latin typeface="에스코어 드림 3 Light" panose="020B0303030302020204" pitchFamily="34" charset="-127"/>
-              <a:ea typeface="에스코어 드림 3 Light" panose="020B0303030302020204" pitchFamily="34" charset="-127"/>
-            </a:endParaRPr>
-          </a:p>
-          <a:p>
-            <a:pPr algn="ctr"/>
-            <a:r>
-              <a:rPr lang="ko-KR" altLang="en-US" sz="1400" spc="-150" dirty="0">
-                <a:solidFill>
-                  <a:prstClr val="black"/>
-                </a:solidFill>
-                <a:latin typeface="에스코어 드림 3 Light" panose="020B0303030302020204" pitchFamily="34" charset="-127"/>
-                <a:ea typeface="에스코어 드림 3 Light" panose="020B0303030302020204" pitchFamily="34" charset="-127"/>
-              </a:rPr>
-              <a:t>본문 내용을 적어주세요 본문 내용을 적어주세요</a:t>
-            </a:r>
-            <a:endParaRPr lang="en-US" altLang="ko-KR" sz="1400" spc="-150" dirty="0">
-              <a:solidFill>
-                <a:prstClr val="black"/>
-              </a:solidFill>
-              <a:latin typeface="에스코어 드림 3 Light" panose="020B0303030302020204" pitchFamily="34" charset="-127"/>
-              <a:ea typeface="에스코어 드림 3 Light" panose="020B0303030302020204" pitchFamily="34" charset="-127"/>
-            </a:endParaRPr>
-          </a:p>
-          <a:p>
-            <a:pPr algn="ctr"/>
-            <a:r>
-              <a:rPr lang="ko-KR" altLang="en-US" sz="1400" spc="-150" dirty="0">
-                <a:solidFill>
-                  <a:prstClr val="black"/>
-                </a:solidFill>
-                <a:latin typeface="에스코어 드림 3 Light" panose="020B0303030302020204" pitchFamily="34" charset="-127"/>
-                <a:ea typeface="에스코어 드림 3 Light" panose="020B0303030302020204" pitchFamily="34" charset="-127"/>
-              </a:rPr>
-              <a:t>본문 내용을 적어주세요 본문 내용을 적어주세요</a:t>
-            </a:r>
-            <a:endParaRPr lang="en-US" altLang="ko-KR" sz="1400" spc="-150" dirty="0">
-              <a:solidFill>
-                <a:prstClr val="black"/>
-              </a:solidFill>
-              <a:latin typeface="에스코어 드림 3 Light" panose="020B0303030302020204" pitchFamily="34" charset="-127"/>
-              <a:ea typeface="에스코어 드림 3 Light" panose="020B0303030302020204" pitchFamily="34" charset="-127"/>
-            </a:endParaRPr>
-          </a:p>
-          <a:p>
-            <a:pPr algn="ctr"/>
-            <a:r>
-              <a:rPr lang="ko-KR" altLang="en-US" sz="1400" spc="-150" dirty="0">
-                <a:solidFill>
-                  <a:prstClr val="black"/>
-                </a:solidFill>
-                <a:latin typeface="에스코어 드림 3 Light" panose="020B0303030302020204" pitchFamily="34" charset="-127"/>
-                <a:ea typeface="에스코어 드림 3 Light" panose="020B0303030302020204" pitchFamily="34" charset="-127"/>
-              </a:rPr>
-              <a:t>본문 내용을 적어주세요 본문 내용을 적어주세요</a:t>
-            </a:r>
-            <a:endParaRPr lang="en-US" altLang="ko-KR" sz="1400" spc="-150" dirty="0">
-              <a:solidFill>
-                <a:prstClr val="black"/>
-              </a:solidFill>
-              <a:latin typeface="에스코어 드림 3 Light" panose="020B0303030302020204" pitchFamily="34" charset="-127"/>
-              <a:ea typeface="에스코어 드림 3 Light" panose="020B0303030302020204" pitchFamily="34" charset="-127"/>
-            </a:endParaRPr>
-          </a:p>
-          <a:p>
-            <a:pPr algn="ctr"/>
-            <a:r>
-              <a:rPr lang="ko-KR" altLang="en-US" sz="1400" spc="-150" dirty="0">
-                <a:solidFill>
-                  <a:prstClr val="black"/>
-                </a:solidFill>
-                <a:latin typeface="에스코어 드림 3 Light" panose="020B0303030302020204" pitchFamily="34" charset="-127"/>
-                <a:ea typeface="에스코어 드림 3 Light" panose="020B0303030302020204" pitchFamily="34" charset="-127"/>
-              </a:rPr>
-              <a:t>본문 내용을 적어주세요 본문 내용을 적어주세요</a:t>
-            </a:r>
-            <a:endParaRPr lang="en-US" altLang="ko-KR" sz="1400" spc="-150" dirty="0">
-              <a:solidFill>
-                <a:prstClr val="black"/>
-              </a:solidFill>
-              <a:latin typeface="에스코어 드림 3 Light" panose="020B0303030302020204" pitchFamily="34" charset="-127"/>
-              <a:ea typeface="에스코어 드림 3 Light" panose="020B0303030302020204" pitchFamily="34" charset="-127"/>
-            </a:endParaRPr>
-          </a:p>
-          <a:p>
-            <a:pPr algn="ctr"/>
-            <a:r>
-              <a:rPr lang="ko-KR" altLang="en-US" sz="1400" spc="-150" dirty="0">
-                <a:solidFill>
-                  <a:prstClr val="black"/>
-                </a:solidFill>
-                <a:latin typeface="에스코어 드림 3 Light" panose="020B0303030302020204" pitchFamily="34" charset="-127"/>
-                <a:ea typeface="에스코어 드림 3 Light" panose="020B0303030302020204" pitchFamily="34" charset="-127"/>
-              </a:rPr>
-              <a:t>본문 내용을 적어주세요 본문 내용을 적어주세요</a:t>
-            </a:r>
-            <a:endParaRPr lang="en-US" altLang="ko-KR" sz="1400" spc="-150" dirty="0">
-              <a:solidFill>
-                <a:prstClr val="black"/>
-              </a:solidFill>
-              <a:latin typeface="에스코어 드림 3 Light" panose="020B0303030302020204" pitchFamily="34" charset="-127"/>
-              <a:ea typeface="에스코어 드림 3 Light" panose="020B0303030302020204" pitchFamily="34" charset="-127"/>
-            </a:endParaRPr>
-          </a:p>
-          <a:p>
-            <a:pPr algn="ctr"/>
-            <a:r>
-              <a:rPr lang="ko-KR" altLang="en-US" sz="1400" spc="-150" dirty="0">
-                <a:solidFill>
-                  <a:prstClr val="black"/>
-                </a:solidFill>
-                <a:latin typeface="에스코어 드림 3 Light" panose="020B0303030302020204" pitchFamily="34" charset="-127"/>
-                <a:ea typeface="에스코어 드림 3 Light" panose="020B0303030302020204" pitchFamily="34" charset="-127"/>
-              </a:rPr>
-              <a:t>본문 내용을 적어주세요 본문 내용을 적어주세요</a:t>
-            </a:r>
-            <a:endParaRPr lang="en-US" altLang="ko-KR" sz="1400" spc="-150" dirty="0">
-              <a:solidFill>
-                <a:prstClr val="black"/>
-              </a:solidFill>
-              <a:latin typeface="에스코어 드림 3 Light" panose="020B0303030302020204" pitchFamily="34" charset="-127"/>
-              <a:ea typeface="에스코어 드림 3 Light" panose="020B0303030302020204" pitchFamily="34" charset="-127"/>
-            </a:endParaRPr>
-          </a:p>
-          <a:p>
-            <a:pPr algn="ctr"/>
-            <a:endParaRPr lang="en-US" altLang="ko-KR" sz="1400" spc="-150" dirty="0">
-              <a:solidFill>
-                <a:prstClr val="black"/>
-              </a:solidFill>
-              <a:latin typeface="에스코어 드림 3 Light" panose="020B0303030302020204" pitchFamily="34" charset="-127"/>
-              <a:ea typeface="에스코어 드림 3 Light" panose="020B0303030302020204" pitchFamily="34" charset="-127"/>
-            </a:endParaRPr>
-          </a:p>
-        </p:txBody>
-      </p:sp>
-    </p:spTree>
-    <p:extLst>
-      <p:ext uri="{BB962C8B-B14F-4D97-AF65-F5344CB8AC3E}">
-        <p14:creationId xmlns:p14="http://schemas.microsoft.com/office/powerpoint/2010/main" val="542414950"/>
       </p:ext>
     </p:extLst>
   </p:cSld>
